--- a/class-notes/cs321-winter-2023-lecture-17-architecture.pptx
+++ b/class-notes/cs321-winter-2023-lecture-17-architecture.pptx
@@ -5,45 +5,54 @@
     <p:sldMasterId id="2147484010" r:id="rId1"/>
   </p:sldMasterIdLst>
   <p:notesMasterIdLst>
-    <p:notesMasterId r:id="rId21"/>
+    <p:notesMasterId r:id="rId30"/>
   </p:notesMasterIdLst>
   <p:sldIdLst>
     <p:sldId id="449" r:id="rId2"/>
-    <p:sldId id="462" r:id="rId3"/>
-    <p:sldId id="468" r:id="rId4"/>
-    <p:sldId id="461" r:id="rId5"/>
-    <p:sldId id="452" r:id="rId6"/>
-    <p:sldId id="469" r:id="rId7"/>
-    <p:sldId id="451" r:id="rId8"/>
-    <p:sldId id="463" r:id="rId9"/>
-    <p:sldId id="464" r:id="rId10"/>
-    <p:sldId id="450" r:id="rId11"/>
-    <p:sldId id="453" r:id="rId12"/>
-    <p:sldId id="454" r:id="rId13"/>
-    <p:sldId id="455" r:id="rId14"/>
-    <p:sldId id="456" r:id="rId15"/>
-    <p:sldId id="457" r:id="rId16"/>
-    <p:sldId id="458" r:id="rId17"/>
-    <p:sldId id="459" r:id="rId18"/>
-    <p:sldId id="460" r:id="rId19"/>
-    <p:sldId id="467" r:id="rId20"/>
+    <p:sldId id="483" r:id="rId3"/>
+    <p:sldId id="485" r:id="rId4"/>
+    <p:sldId id="484" r:id="rId5"/>
+    <p:sldId id="486" r:id="rId6"/>
+    <p:sldId id="487" r:id="rId7"/>
+    <p:sldId id="456" r:id="rId8"/>
+    <p:sldId id="452" r:id="rId9"/>
+    <p:sldId id="462" r:id="rId10"/>
+    <p:sldId id="468" r:id="rId11"/>
+    <p:sldId id="475" r:id="rId12"/>
+    <p:sldId id="489" r:id="rId13"/>
+    <p:sldId id="476" r:id="rId14"/>
+    <p:sldId id="474" r:id="rId15"/>
+    <p:sldId id="478" r:id="rId16"/>
+    <p:sldId id="479" r:id="rId17"/>
+    <p:sldId id="480" r:id="rId18"/>
+    <p:sldId id="481" r:id="rId19"/>
+    <p:sldId id="482" r:id="rId20"/>
+    <p:sldId id="477" r:id="rId21"/>
+    <p:sldId id="461" r:id="rId22"/>
+    <p:sldId id="471" r:id="rId23"/>
+    <p:sldId id="490" r:id="rId24"/>
+    <p:sldId id="491" r:id="rId25"/>
+    <p:sldId id="459" r:id="rId26"/>
+    <p:sldId id="460" r:id="rId27"/>
+    <p:sldId id="467" r:id="rId28"/>
+    <p:sldId id="470" r:id="rId29"/>
   </p:sldIdLst>
   <p:sldSz cx="18288000" cy="10287000"/>
   <p:notesSz cx="18288000" cy="10287000"/>
   <p:embeddedFontLst>
     <p:embeddedFont>
       <p:font typeface="Calibri" panose="020F0502020204030204" pitchFamily="34" charset="0"/>
-      <p:regular r:id="rId22"/>
-      <p:bold r:id="rId23"/>
-      <p:italic r:id="rId24"/>
-      <p:boldItalic r:id="rId25"/>
+      <p:regular r:id="rId31"/>
+      <p:bold r:id="rId32"/>
+      <p:italic r:id="rId33"/>
+      <p:boldItalic r:id="rId34"/>
     </p:embeddedFont>
     <p:embeddedFont>
       <p:font typeface="Corbel" panose="020B0503020204020204" pitchFamily="34" charset="0"/>
-      <p:regular r:id="rId26"/>
-      <p:bold r:id="rId27"/>
-      <p:italic r:id="rId28"/>
-      <p:boldItalic r:id="rId29"/>
+      <p:regular r:id="rId35"/>
+      <p:bold r:id="rId36"/>
+      <p:italic r:id="rId37"/>
+      <p:boldItalic r:id="rId38"/>
     </p:embeddedFont>
   </p:embeddedFontLst>
   <p:defaultTextStyle>
@@ -142,6 +151,53 @@
     </a:lvl9pPr>
   </p:defaultTextStyle>
   <p:extLst>
+    <p:ext uri="{521415D9-36F7-43E2-AB2F-B90AF26B5E84}">
+      <p14:sectionLst xmlns:p14="http://schemas.microsoft.com/office/powerpoint/2010/main">
+        <p14:section name="Default Section" id="{FB4746FF-F5DF-484F-9839-B35568B8D937}">
+          <p14:sldIdLst>
+            <p14:sldId id="449"/>
+            <p14:sldId id="483"/>
+            <p14:sldId id="485"/>
+            <p14:sldId id="484"/>
+            <p14:sldId id="486"/>
+            <p14:sldId id="487"/>
+            <p14:sldId id="456"/>
+            <p14:sldId id="452"/>
+            <p14:sldId id="462"/>
+            <p14:sldId id="468"/>
+            <p14:sldId id="475"/>
+            <p14:sldId id="489"/>
+            <p14:sldId id="476"/>
+            <p14:sldId id="474"/>
+            <p14:sldId id="478"/>
+            <p14:sldId id="479"/>
+            <p14:sldId id="480"/>
+            <p14:sldId id="481"/>
+            <p14:sldId id="482"/>
+          </p14:sldIdLst>
+        </p14:section>
+        <p14:section name="Other section" id="{941EE439-63A7-462F-9A7A-DAF078236FA8}">
+          <p14:sldIdLst>
+            <p14:sldId id="477"/>
+            <p14:sldId id="461"/>
+            <p14:sldId id="471"/>
+            <p14:sldId id="490"/>
+            <p14:sldId id="491"/>
+          </p14:sldIdLst>
+        </p14:section>
+        <p14:section name="Reading and Writing Data" id="{E1045621-F215-4D19-A88C-4D5ADC92CCB7}">
+          <p14:sldIdLst/>
+        </p14:section>
+        <p14:section name="Cross Cutting Concerns" id="{30CD9BDA-3A7C-4A5E-B05B-9A43811C45CD}">
+          <p14:sldIdLst>
+            <p14:sldId id="459"/>
+            <p14:sldId id="460"/>
+            <p14:sldId id="467"/>
+            <p14:sldId id="470"/>
+          </p14:sldIdLst>
+        </p14:section>
+      </p14:sectionLst>
+    </p:ext>
     <p:ext uri="{EFAFB233-063F-42B5-8137-9DF3F51BA10A}">
       <p15:sldGuideLst xmlns:p15="http://schemas.microsoft.com/office/powerpoint/2012/main">
         <p15:guide id="1" orient="horz" pos="2880">
@@ -158,6 +214,2424 @@
     </p:ext>
   </p:extLst>
 </p:presentation>
+</file>
+
+<file path=ppt/diagrams/colors1.xml><?xml version="1.0" encoding="utf-8"?>
+<dgm:colorsDef xmlns:dgm="http://schemas.openxmlformats.org/drawingml/2006/diagram" xmlns:a="http://schemas.openxmlformats.org/drawingml/2006/main" uniqueId="urn:microsoft.com/office/officeart/2005/8/colors/accent1_2">
+  <dgm:title val=""/>
+  <dgm:desc val=""/>
+  <dgm:catLst>
+    <dgm:cat type="accent1" pri="11200"/>
+  </dgm:catLst>
+  <dgm:styleLbl name="node0">
+    <dgm:fillClrLst meth="repeat">
+      <a:schemeClr val="accent1"/>
+    </dgm:fillClrLst>
+    <dgm:linClrLst meth="repeat">
+      <a:schemeClr val="lt1"/>
+    </dgm:linClrLst>
+    <dgm:effectClrLst/>
+    <dgm:txLinClrLst/>
+    <dgm:txFillClrLst/>
+    <dgm:txEffectClrLst/>
+  </dgm:styleLbl>
+  <dgm:styleLbl name="alignNode1">
+    <dgm:fillClrLst meth="repeat">
+      <a:schemeClr val="accent1"/>
+    </dgm:fillClrLst>
+    <dgm:linClrLst meth="repeat">
+      <a:schemeClr val="accent1"/>
+    </dgm:linClrLst>
+    <dgm:effectClrLst/>
+    <dgm:txLinClrLst/>
+    <dgm:txFillClrLst/>
+    <dgm:txEffectClrLst/>
+  </dgm:styleLbl>
+  <dgm:styleLbl name="node1">
+    <dgm:fillClrLst meth="repeat">
+      <a:schemeClr val="accent1"/>
+    </dgm:fillClrLst>
+    <dgm:linClrLst meth="repeat">
+      <a:schemeClr val="lt1"/>
+    </dgm:linClrLst>
+    <dgm:effectClrLst/>
+    <dgm:txLinClrLst/>
+    <dgm:txFillClrLst/>
+    <dgm:txEffectClrLst/>
+  </dgm:styleLbl>
+  <dgm:styleLbl name="lnNode1">
+    <dgm:fillClrLst meth="repeat">
+      <a:schemeClr val="accent1"/>
+    </dgm:fillClrLst>
+    <dgm:linClrLst meth="repeat">
+      <a:schemeClr val="lt1"/>
+    </dgm:linClrLst>
+    <dgm:effectClrLst/>
+    <dgm:txLinClrLst/>
+    <dgm:txFillClrLst/>
+    <dgm:txEffectClrLst/>
+  </dgm:styleLbl>
+  <dgm:styleLbl name="vennNode1">
+    <dgm:fillClrLst meth="repeat">
+      <a:schemeClr val="accent1">
+        <a:alpha val="50000"/>
+      </a:schemeClr>
+    </dgm:fillClrLst>
+    <dgm:linClrLst meth="repeat">
+      <a:schemeClr val="lt1"/>
+    </dgm:linClrLst>
+    <dgm:effectClrLst/>
+    <dgm:txLinClrLst/>
+    <dgm:txFillClrLst/>
+    <dgm:txEffectClrLst/>
+  </dgm:styleLbl>
+  <dgm:styleLbl name="node2">
+    <dgm:fillClrLst meth="repeat">
+      <a:schemeClr val="accent1"/>
+    </dgm:fillClrLst>
+    <dgm:linClrLst meth="repeat">
+      <a:schemeClr val="lt1"/>
+    </dgm:linClrLst>
+    <dgm:effectClrLst/>
+    <dgm:txLinClrLst/>
+    <dgm:txFillClrLst/>
+    <dgm:txEffectClrLst/>
+  </dgm:styleLbl>
+  <dgm:styleLbl name="node3">
+    <dgm:fillClrLst meth="repeat">
+      <a:schemeClr val="accent1"/>
+    </dgm:fillClrLst>
+    <dgm:linClrLst meth="repeat">
+      <a:schemeClr val="lt1"/>
+    </dgm:linClrLst>
+    <dgm:effectClrLst/>
+    <dgm:txLinClrLst/>
+    <dgm:txFillClrLst/>
+    <dgm:txEffectClrLst/>
+  </dgm:styleLbl>
+  <dgm:styleLbl name="node4">
+    <dgm:fillClrLst meth="repeat">
+      <a:schemeClr val="accent1"/>
+    </dgm:fillClrLst>
+    <dgm:linClrLst meth="repeat">
+      <a:schemeClr val="lt1"/>
+    </dgm:linClrLst>
+    <dgm:effectClrLst/>
+    <dgm:txLinClrLst/>
+    <dgm:txFillClrLst/>
+    <dgm:txEffectClrLst/>
+  </dgm:styleLbl>
+  <dgm:styleLbl name="fgImgPlace1">
+    <dgm:fillClrLst meth="repeat">
+      <a:schemeClr val="accent1">
+        <a:tint val="50000"/>
+      </a:schemeClr>
+    </dgm:fillClrLst>
+    <dgm:linClrLst meth="repeat">
+      <a:schemeClr val="lt1"/>
+    </dgm:linClrLst>
+    <dgm:effectClrLst/>
+    <dgm:txLinClrLst/>
+    <dgm:txFillClrLst meth="repeat">
+      <a:schemeClr val="lt1"/>
+    </dgm:txFillClrLst>
+    <dgm:txEffectClrLst/>
+  </dgm:styleLbl>
+  <dgm:styleLbl name="alignImgPlace1">
+    <dgm:fillClrLst meth="repeat">
+      <a:schemeClr val="accent1">
+        <a:tint val="50000"/>
+      </a:schemeClr>
+    </dgm:fillClrLst>
+    <dgm:linClrLst meth="repeat">
+      <a:schemeClr val="lt1"/>
+    </dgm:linClrLst>
+    <dgm:effectClrLst/>
+    <dgm:txLinClrLst/>
+    <dgm:txFillClrLst meth="repeat">
+      <a:schemeClr val="lt1"/>
+    </dgm:txFillClrLst>
+    <dgm:txEffectClrLst/>
+  </dgm:styleLbl>
+  <dgm:styleLbl name="bgImgPlace1">
+    <dgm:fillClrLst meth="repeat">
+      <a:schemeClr val="accent1">
+        <a:tint val="50000"/>
+      </a:schemeClr>
+    </dgm:fillClrLst>
+    <dgm:linClrLst meth="repeat">
+      <a:schemeClr val="lt1"/>
+    </dgm:linClrLst>
+    <dgm:effectClrLst/>
+    <dgm:txLinClrLst/>
+    <dgm:txFillClrLst meth="repeat">
+      <a:schemeClr val="lt1"/>
+    </dgm:txFillClrLst>
+    <dgm:txEffectClrLst/>
+  </dgm:styleLbl>
+  <dgm:styleLbl name="sibTrans2D1">
+    <dgm:fillClrLst meth="repeat">
+      <a:schemeClr val="accent1">
+        <a:tint val="60000"/>
+      </a:schemeClr>
+    </dgm:fillClrLst>
+    <dgm:linClrLst meth="repeat">
+      <a:schemeClr val="accent1">
+        <a:tint val="60000"/>
+      </a:schemeClr>
+    </dgm:linClrLst>
+    <dgm:effectClrLst/>
+    <dgm:txLinClrLst/>
+    <dgm:txFillClrLst/>
+    <dgm:txEffectClrLst/>
+  </dgm:styleLbl>
+  <dgm:styleLbl name="fgSibTrans2D1">
+    <dgm:fillClrLst meth="repeat">
+      <a:schemeClr val="accent1">
+        <a:tint val="60000"/>
+      </a:schemeClr>
+    </dgm:fillClrLst>
+    <dgm:linClrLst meth="repeat">
+      <a:schemeClr val="accent1">
+        <a:tint val="60000"/>
+      </a:schemeClr>
+    </dgm:linClrLst>
+    <dgm:effectClrLst/>
+    <dgm:txLinClrLst/>
+    <dgm:txFillClrLst/>
+    <dgm:txEffectClrLst/>
+  </dgm:styleLbl>
+  <dgm:styleLbl name="bgSibTrans2D1">
+    <dgm:fillClrLst meth="repeat">
+      <a:schemeClr val="accent1">
+        <a:tint val="60000"/>
+      </a:schemeClr>
+    </dgm:fillClrLst>
+    <dgm:linClrLst meth="repeat">
+      <a:schemeClr val="accent1">
+        <a:tint val="60000"/>
+      </a:schemeClr>
+    </dgm:linClrLst>
+    <dgm:effectClrLst/>
+    <dgm:txLinClrLst/>
+    <dgm:txFillClrLst/>
+    <dgm:txEffectClrLst/>
+  </dgm:styleLbl>
+  <dgm:styleLbl name="sibTrans1D1">
+    <dgm:fillClrLst meth="repeat">
+      <a:schemeClr val="accent1"/>
+    </dgm:fillClrLst>
+    <dgm:linClrLst meth="repeat">
+      <a:schemeClr val="accent1"/>
+    </dgm:linClrLst>
+    <dgm:effectClrLst/>
+    <dgm:txLinClrLst/>
+    <dgm:txFillClrLst meth="repeat">
+      <a:schemeClr val="tx1"/>
+    </dgm:txFillClrLst>
+    <dgm:txEffectClrLst/>
+  </dgm:styleLbl>
+  <dgm:styleLbl name="callout">
+    <dgm:fillClrLst meth="repeat">
+      <a:schemeClr val="accent1"/>
+    </dgm:fillClrLst>
+    <dgm:linClrLst meth="repeat">
+      <a:schemeClr val="accent1">
+        <a:tint val="50000"/>
+      </a:schemeClr>
+    </dgm:linClrLst>
+    <dgm:effectClrLst/>
+    <dgm:txLinClrLst/>
+    <dgm:txFillClrLst meth="repeat">
+      <a:schemeClr val="tx1"/>
+    </dgm:txFillClrLst>
+    <dgm:txEffectClrLst/>
+  </dgm:styleLbl>
+  <dgm:styleLbl name="asst0">
+    <dgm:fillClrLst meth="repeat">
+      <a:schemeClr val="accent1"/>
+    </dgm:fillClrLst>
+    <dgm:linClrLst meth="repeat">
+      <a:schemeClr val="lt1"/>
+    </dgm:linClrLst>
+    <dgm:effectClrLst/>
+    <dgm:txLinClrLst/>
+    <dgm:txFillClrLst/>
+    <dgm:txEffectClrLst/>
+  </dgm:styleLbl>
+  <dgm:styleLbl name="asst1">
+    <dgm:fillClrLst meth="repeat">
+      <a:schemeClr val="accent1"/>
+    </dgm:fillClrLst>
+    <dgm:linClrLst meth="repeat">
+      <a:schemeClr val="lt1"/>
+    </dgm:linClrLst>
+    <dgm:effectClrLst/>
+    <dgm:txLinClrLst/>
+    <dgm:txFillClrLst/>
+    <dgm:txEffectClrLst/>
+  </dgm:styleLbl>
+  <dgm:styleLbl name="asst2">
+    <dgm:fillClrLst meth="repeat">
+      <a:schemeClr val="accent1"/>
+    </dgm:fillClrLst>
+    <dgm:linClrLst meth="repeat">
+      <a:schemeClr val="lt1"/>
+    </dgm:linClrLst>
+    <dgm:effectClrLst/>
+    <dgm:txLinClrLst/>
+    <dgm:txFillClrLst/>
+    <dgm:txEffectClrLst/>
+  </dgm:styleLbl>
+  <dgm:styleLbl name="asst3">
+    <dgm:fillClrLst meth="repeat">
+      <a:schemeClr val="accent1"/>
+    </dgm:fillClrLst>
+    <dgm:linClrLst meth="repeat">
+      <a:schemeClr val="lt1"/>
+    </dgm:linClrLst>
+    <dgm:effectClrLst/>
+    <dgm:txLinClrLst/>
+    <dgm:txFillClrLst/>
+    <dgm:txEffectClrLst/>
+  </dgm:styleLbl>
+  <dgm:styleLbl name="asst4">
+    <dgm:fillClrLst meth="repeat">
+      <a:schemeClr val="accent1"/>
+    </dgm:fillClrLst>
+    <dgm:linClrLst meth="repeat">
+      <a:schemeClr val="lt1"/>
+    </dgm:linClrLst>
+    <dgm:effectClrLst/>
+    <dgm:txLinClrLst/>
+    <dgm:txFillClrLst/>
+    <dgm:txEffectClrLst/>
+  </dgm:styleLbl>
+  <dgm:styleLbl name="parChTrans2D1">
+    <dgm:fillClrLst meth="repeat">
+      <a:schemeClr val="accent1">
+        <a:tint val="60000"/>
+      </a:schemeClr>
+    </dgm:fillClrLst>
+    <dgm:linClrLst meth="repeat">
+      <a:schemeClr val="accent1">
+        <a:tint val="60000"/>
+      </a:schemeClr>
+    </dgm:linClrLst>
+    <dgm:effectClrLst/>
+    <dgm:txLinClrLst/>
+    <dgm:txFillClrLst meth="repeat">
+      <a:schemeClr val="lt1"/>
+    </dgm:txFillClrLst>
+    <dgm:txEffectClrLst/>
+  </dgm:styleLbl>
+  <dgm:styleLbl name="parChTrans2D2">
+    <dgm:fillClrLst meth="repeat">
+      <a:schemeClr val="accent1"/>
+    </dgm:fillClrLst>
+    <dgm:linClrLst meth="repeat">
+      <a:schemeClr val="accent1"/>
+    </dgm:linClrLst>
+    <dgm:effectClrLst/>
+    <dgm:txLinClrLst/>
+    <dgm:txFillClrLst meth="repeat">
+      <a:schemeClr val="lt1"/>
+    </dgm:txFillClrLst>
+    <dgm:txEffectClrLst/>
+  </dgm:styleLbl>
+  <dgm:styleLbl name="parChTrans2D3">
+    <dgm:fillClrLst meth="repeat">
+      <a:schemeClr val="accent1"/>
+    </dgm:fillClrLst>
+    <dgm:linClrLst meth="repeat">
+      <a:schemeClr val="accent1"/>
+    </dgm:linClrLst>
+    <dgm:effectClrLst/>
+    <dgm:txLinClrLst/>
+    <dgm:txFillClrLst meth="repeat">
+      <a:schemeClr val="lt1"/>
+    </dgm:txFillClrLst>
+    <dgm:txEffectClrLst/>
+  </dgm:styleLbl>
+  <dgm:styleLbl name="parChTrans2D4">
+    <dgm:fillClrLst meth="repeat">
+      <a:schemeClr val="accent1"/>
+    </dgm:fillClrLst>
+    <dgm:linClrLst meth="repeat">
+      <a:schemeClr val="accent1"/>
+    </dgm:linClrLst>
+    <dgm:effectClrLst/>
+    <dgm:txLinClrLst/>
+    <dgm:txFillClrLst meth="repeat">
+      <a:schemeClr val="lt1"/>
+    </dgm:txFillClrLst>
+    <dgm:txEffectClrLst/>
+  </dgm:styleLbl>
+  <dgm:styleLbl name="parChTrans1D1">
+    <dgm:fillClrLst meth="repeat">
+      <a:schemeClr val="accent1"/>
+    </dgm:fillClrLst>
+    <dgm:linClrLst meth="repeat">
+      <a:schemeClr val="accent1">
+        <a:shade val="60000"/>
+      </a:schemeClr>
+    </dgm:linClrLst>
+    <dgm:effectClrLst/>
+    <dgm:txLinClrLst/>
+    <dgm:txFillClrLst meth="repeat">
+      <a:schemeClr val="tx1"/>
+    </dgm:txFillClrLst>
+    <dgm:txEffectClrLst/>
+  </dgm:styleLbl>
+  <dgm:styleLbl name="parChTrans1D2">
+    <dgm:fillClrLst meth="repeat">
+      <a:schemeClr val="accent1"/>
+    </dgm:fillClrLst>
+    <dgm:linClrLst meth="repeat">
+      <a:schemeClr val="accent1">
+        <a:shade val="60000"/>
+      </a:schemeClr>
+    </dgm:linClrLst>
+    <dgm:effectClrLst/>
+    <dgm:txLinClrLst/>
+    <dgm:txFillClrLst meth="repeat">
+      <a:schemeClr val="tx1"/>
+    </dgm:txFillClrLst>
+    <dgm:txEffectClrLst/>
+  </dgm:styleLbl>
+  <dgm:styleLbl name="parChTrans1D3">
+    <dgm:fillClrLst meth="repeat">
+      <a:schemeClr val="accent1"/>
+    </dgm:fillClrLst>
+    <dgm:linClrLst meth="repeat">
+      <a:schemeClr val="accent1">
+        <a:shade val="80000"/>
+      </a:schemeClr>
+    </dgm:linClrLst>
+    <dgm:effectClrLst/>
+    <dgm:txLinClrLst/>
+    <dgm:txFillClrLst meth="repeat">
+      <a:schemeClr val="tx1"/>
+    </dgm:txFillClrLst>
+    <dgm:txEffectClrLst/>
+  </dgm:styleLbl>
+  <dgm:styleLbl name="parChTrans1D4">
+    <dgm:fillClrLst meth="repeat">
+      <a:schemeClr val="accent1"/>
+    </dgm:fillClrLst>
+    <dgm:linClrLst meth="repeat">
+      <a:schemeClr val="accent1">
+        <a:shade val="80000"/>
+      </a:schemeClr>
+    </dgm:linClrLst>
+    <dgm:effectClrLst/>
+    <dgm:txLinClrLst/>
+    <dgm:txFillClrLst meth="repeat">
+      <a:schemeClr val="tx1"/>
+    </dgm:txFillClrLst>
+    <dgm:txEffectClrLst/>
+  </dgm:styleLbl>
+  <dgm:styleLbl name="fgAcc1">
+    <dgm:fillClrLst meth="repeat">
+      <a:schemeClr val="lt1">
+        <a:alpha val="90000"/>
+      </a:schemeClr>
+    </dgm:fillClrLst>
+    <dgm:linClrLst meth="repeat">
+      <a:schemeClr val="accent1"/>
+    </dgm:linClrLst>
+    <dgm:effectClrLst/>
+    <dgm:txLinClrLst/>
+    <dgm:txFillClrLst meth="repeat">
+      <a:schemeClr val="dk1"/>
+    </dgm:txFillClrLst>
+    <dgm:txEffectClrLst/>
+  </dgm:styleLbl>
+  <dgm:styleLbl name="conFgAcc1">
+    <dgm:fillClrLst meth="repeat">
+      <a:schemeClr val="lt1">
+        <a:alpha val="90000"/>
+      </a:schemeClr>
+    </dgm:fillClrLst>
+    <dgm:linClrLst meth="repeat">
+      <a:schemeClr val="accent1"/>
+    </dgm:linClrLst>
+    <dgm:effectClrLst/>
+    <dgm:txLinClrLst/>
+    <dgm:txFillClrLst meth="repeat">
+      <a:schemeClr val="dk1"/>
+    </dgm:txFillClrLst>
+    <dgm:txEffectClrLst/>
+  </dgm:styleLbl>
+  <dgm:styleLbl name="alignAcc1">
+    <dgm:fillClrLst meth="repeat">
+      <a:schemeClr val="lt1">
+        <a:alpha val="90000"/>
+      </a:schemeClr>
+    </dgm:fillClrLst>
+    <dgm:linClrLst meth="repeat">
+      <a:schemeClr val="accent1"/>
+    </dgm:linClrLst>
+    <dgm:effectClrLst/>
+    <dgm:txLinClrLst/>
+    <dgm:txFillClrLst meth="repeat">
+      <a:schemeClr val="dk1"/>
+    </dgm:txFillClrLst>
+    <dgm:txEffectClrLst/>
+  </dgm:styleLbl>
+  <dgm:styleLbl name="trAlignAcc1">
+    <dgm:fillClrLst meth="repeat">
+      <a:schemeClr val="lt1">
+        <a:alpha val="40000"/>
+      </a:schemeClr>
+    </dgm:fillClrLst>
+    <dgm:linClrLst meth="repeat">
+      <a:schemeClr val="accent1"/>
+    </dgm:linClrLst>
+    <dgm:effectClrLst/>
+    <dgm:txLinClrLst/>
+    <dgm:txFillClrLst meth="repeat">
+      <a:schemeClr val="dk1"/>
+    </dgm:txFillClrLst>
+    <dgm:txEffectClrLst/>
+  </dgm:styleLbl>
+  <dgm:styleLbl name="bgAcc1">
+    <dgm:fillClrLst meth="repeat">
+      <a:schemeClr val="lt1">
+        <a:alpha val="90000"/>
+      </a:schemeClr>
+    </dgm:fillClrLst>
+    <dgm:linClrLst meth="repeat">
+      <a:schemeClr val="accent1"/>
+    </dgm:linClrLst>
+    <dgm:effectClrLst/>
+    <dgm:txLinClrLst/>
+    <dgm:txFillClrLst meth="repeat">
+      <a:schemeClr val="dk1"/>
+    </dgm:txFillClrLst>
+    <dgm:txEffectClrLst/>
+  </dgm:styleLbl>
+  <dgm:styleLbl name="solidFgAcc1">
+    <dgm:fillClrLst meth="repeat">
+      <a:schemeClr val="lt1"/>
+    </dgm:fillClrLst>
+    <dgm:linClrLst meth="repeat">
+      <a:schemeClr val="accent1"/>
+    </dgm:linClrLst>
+    <dgm:effectClrLst/>
+    <dgm:txLinClrLst/>
+    <dgm:txFillClrLst meth="repeat">
+      <a:schemeClr val="dk1"/>
+    </dgm:txFillClrLst>
+    <dgm:txEffectClrLst/>
+  </dgm:styleLbl>
+  <dgm:styleLbl name="solidAlignAcc1">
+    <dgm:fillClrLst meth="repeat">
+      <a:schemeClr val="lt1"/>
+    </dgm:fillClrLst>
+    <dgm:linClrLst meth="repeat">
+      <a:schemeClr val="accent1"/>
+    </dgm:linClrLst>
+    <dgm:effectClrLst/>
+    <dgm:txLinClrLst/>
+    <dgm:txFillClrLst meth="repeat">
+      <a:schemeClr val="dk1"/>
+    </dgm:txFillClrLst>
+    <dgm:txEffectClrLst/>
+  </dgm:styleLbl>
+  <dgm:styleLbl name="solidBgAcc1">
+    <dgm:fillClrLst meth="repeat">
+      <a:schemeClr val="lt1"/>
+    </dgm:fillClrLst>
+    <dgm:linClrLst meth="repeat">
+      <a:schemeClr val="accent1"/>
+    </dgm:linClrLst>
+    <dgm:effectClrLst/>
+    <dgm:txLinClrLst/>
+    <dgm:txFillClrLst meth="repeat">
+      <a:schemeClr val="dk1"/>
+    </dgm:txFillClrLst>
+    <dgm:txEffectClrLst/>
+  </dgm:styleLbl>
+  <dgm:styleLbl name="fgAccFollowNode1">
+    <dgm:fillClrLst meth="repeat">
+      <a:schemeClr val="accent1">
+        <a:alpha val="90000"/>
+        <a:tint val="40000"/>
+      </a:schemeClr>
+    </dgm:fillClrLst>
+    <dgm:linClrLst meth="repeat">
+      <a:schemeClr val="accent1">
+        <a:alpha val="90000"/>
+        <a:tint val="40000"/>
+      </a:schemeClr>
+    </dgm:linClrLst>
+    <dgm:effectClrLst/>
+    <dgm:txLinClrLst/>
+    <dgm:txFillClrLst meth="repeat">
+      <a:schemeClr val="dk1"/>
+    </dgm:txFillClrLst>
+    <dgm:txEffectClrLst/>
+  </dgm:styleLbl>
+  <dgm:styleLbl name="alignAccFollowNode1">
+    <dgm:fillClrLst meth="repeat">
+      <a:schemeClr val="accent1">
+        <a:alpha val="90000"/>
+        <a:tint val="40000"/>
+      </a:schemeClr>
+    </dgm:fillClrLst>
+    <dgm:linClrLst meth="repeat">
+      <a:schemeClr val="accent1">
+        <a:alpha val="90000"/>
+        <a:tint val="40000"/>
+      </a:schemeClr>
+    </dgm:linClrLst>
+    <dgm:effectClrLst/>
+    <dgm:txLinClrLst/>
+    <dgm:txFillClrLst meth="repeat">
+      <a:schemeClr val="dk1"/>
+    </dgm:txFillClrLst>
+    <dgm:txEffectClrLst/>
+  </dgm:styleLbl>
+  <dgm:styleLbl name="bgAccFollowNode1">
+    <dgm:fillClrLst meth="repeat">
+      <a:schemeClr val="accent1">
+        <a:alpha val="90000"/>
+        <a:tint val="40000"/>
+      </a:schemeClr>
+    </dgm:fillClrLst>
+    <dgm:linClrLst meth="repeat">
+      <a:schemeClr val="accent1">
+        <a:alpha val="90000"/>
+        <a:tint val="40000"/>
+      </a:schemeClr>
+    </dgm:linClrLst>
+    <dgm:effectClrLst/>
+    <dgm:txLinClrLst/>
+    <dgm:txFillClrLst meth="repeat">
+      <a:schemeClr val="dk1"/>
+    </dgm:txFillClrLst>
+    <dgm:txEffectClrLst/>
+  </dgm:styleLbl>
+  <dgm:styleLbl name="fgAcc0">
+    <dgm:fillClrLst meth="repeat">
+      <a:schemeClr val="lt1">
+        <a:alpha val="90000"/>
+      </a:schemeClr>
+    </dgm:fillClrLst>
+    <dgm:linClrLst meth="repeat">
+      <a:schemeClr val="accent1"/>
+    </dgm:linClrLst>
+    <dgm:effectClrLst/>
+    <dgm:txLinClrLst/>
+    <dgm:txFillClrLst meth="repeat">
+      <a:schemeClr val="dk1"/>
+    </dgm:txFillClrLst>
+    <dgm:txEffectClrLst/>
+  </dgm:styleLbl>
+  <dgm:styleLbl name="fgAcc2">
+    <dgm:fillClrLst meth="repeat">
+      <a:schemeClr val="lt1">
+        <a:alpha val="90000"/>
+      </a:schemeClr>
+    </dgm:fillClrLst>
+    <dgm:linClrLst meth="repeat">
+      <a:schemeClr val="accent1"/>
+    </dgm:linClrLst>
+    <dgm:effectClrLst/>
+    <dgm:txLinClrLst/>
+    <dgm:txFillClrLst meth="repeat">
+      <a:schemeClr val="dk1"/>
+    </dgm:txFillClrLst>
+    <dgm:txEffectClrLst/>
+  </dgm:styleLbl>
+  <dgm:styleLbl name="fgAcc3">
+    <dgm:fillClrLst meth="repeat">
+      <a:schemeClr val="lt1">
+        <a:alpha val="90000"/>
+      </a:schemeClr>
+    </dgm:fillClrLst>
+    <dgm:linClrLst meth="repeat">
+      <a:schemeClr val="accent1"/>
+    </dgm:linClrLst>
+    <dgm:effectClrLst/>
+    <dgm:txLinClrLst/>
+    <dgm:txFillClrLst meth="repeat">
+      <a:schemeClr val="dk1"/>
+    </dgm:txFillClrLst>
+    <dgm:txEffectClrLst/>
+  </dgm:styleLbl>
+  <dgm:styleLbl name="fgAcc4">
+    <dgm:fillClrLst meth="repeat">
+      <a:schemeClr val="lt1">
+        <a:alpha val="90000"/>
+      </a:schemeClr>
+    </dgm:fillClrLst>
+    <dgm:linClrLst meth="repeat">
+      <a:schemeClr val="accent1"/>
+    </dgm:linClrLst>
+    <dgm:effectClrLst/>
+    <dgm:txLinClrLst/>
+    <dgm:txFillClrLst meth="repeat">
+      <a:schemeClr val="dk1"/>
+    </dgm:txFillClrLst>
+    <dgm:txEffectClrLst/>
+  </dgm:styleLbl>
+  <dgm:styleLbl name="bgShp">
+    <dgm:fillClrLst meth="repeat">
+      <a:schemeClr val="accent1">
+        <a:tint val="40000"/>
+      </a:schemeClr>
+    </dgm:fillClrLst>
+    <dgm:linClrLst meth="repeat">
+      <a:schemeClr val="accent1"/>
+    </dgm:linClrLst>
+    <dgm:effectClrLst/>
+    <dgm:txLinClrLst/>
+    <dgm:txFillClrLst meth="repeat">
+      <a:schemeClr val="dk1"/>
+    </dgm:txFillClrLst>
+    <dgm:txEffectClrLst/>
+  </dgm:styleLbl>
+  <dgm:styleLbl name="dkBgShp">
+    <dgm:fillClrLst meth="repeat">
+      <a:schemeClr val="accent1">
+        <a:shade val="80000"/>
+      </a:schemeClr>
+    </dgm:fillClrLst>
+    <dgm:linClrLst meth="repeat">
+      <a:schemeClr val="accent1"/>
+    </dgm:linClrLst>
+    <dgm:effectClrLst/>
+    <dgm:txLinClrLst/>
+    <dgm:txFillClrLst meth="repeat">
+      <a:schemeClr val="lt1"/>
+    </dgm:txFillClrLst>
+    <dgm:txEffectClrLst/>
+  </dgm:styleLbl>
+  <dgm:styleLbl name="trBgShp">
+    <dgm:fillClrLst meth="repeat">
+      <a:schemeClr val="accent1">
+        <a:tint val="50000"/>
+        <a:alpha val="40000"/>
+      </a:schemeClr>
+    </dgm:fillClrLst>
+    <dgm:linClrLst meth="repeat">
+      <a:schemeClr val="accent1"/>
+    </dgm:linClrLst>
+    <dgm:effectClrLst/>
+    <dgm:txLinClrLst/>
+    <dgm:txFillClrLst meth="repeat">
+      <a:schemeClr val="lt1"/>
+    </dgm:txFillClrLst>
+    <dgm:txEffectClrLst/>
+  </dgm:styleLbl>
+  <dgm:styleLbl name="fgShp">
+    <dgm:fillClrLst meth="repeat">
+      <a:schemeClr val="accent1">
+        <a:tint val="60000"/>
+      </a:schemeClr>
+    </dgm:fillClrLst>
+    <dgm:linClrLst meth="repeat">
+      <a:schemeClr val="lt1"/>
+    </dgm:linClrLst>
+    <dgm:effectClrLst/>
+    <dgm:txLinClrLst/>
+    <dgm:txFillClrLst meth="repeat">
+      <a:schemeClr val="dk1"/>
+    </dgm:txFillClrLst>
+    <dgm:txEffectClrLst/>
+  </dgm:styleLbl>
+  <dgm:styleLbl name="revTx">
+    <dgm:fillClrLst meth="repeat">
+      <a:schemeClr val="lt1">
+        <a:alpha val="0"/>
+      </a:schemeClr>
+    </dgm:fillClrLst>
+    <dgm:linClrLst meth="repeat">
+      <a:schemeClr val="dk1">
+        <a:alpha val="0"/>
+      </a:schemeClr>
+    </dgm:linClrLst>
+    <dgm:effectClrLst/>
+    <dgm:txLinClrLst/>
+    <dgm:txFillClrLst meth="repeat">
+      <a:schemeClr val="tx1"/>
+    </dgm:txFillClrLst>
+    <dgm:txEffectClrLst/>
+  </dgm:styleLbl>
+</dgm:colorsDef>
+</file>
+
+<file path=ppt/diagrams/data1.xml><?xml version="1.0" encoding="utf-8"?>
+<dgm:dataModel xmlns:dgm="http://schemas.openxmlformats.org/drawingml/2006/diagram" xmlns:a="http://schemas.openxmlformats.org/drawingml/2006/main">
+  <dgm:ptLst>
+    <dgm:pt modelId="{1C82DA29-FF37-40FE-81B8-4943222E4E02}" type="doc">
+      <dgm:prSet loTypeId="urn:microsoft.com/office/officeart/2005/8/layout/cycle5" loCatId="cycle" qsTypeId="urn:microsoft.com/office/officeart/2005/8/quickstyle/simple1" qsCatId="simple" csTypeId="urn:microsoft.com/office/officeart/2005/8/colors/accent1_2" csCatId="accent1"/>
+      <dgm:spPr/>
+      <dgm:t>
+        <a:bodyPr/>
+        <a:lstStyle/>
+        <a:p>
+          <a:endParaRPr lang="en-US"/>
+        </a:p>
+      </dgm:t>
+    </dgm:pt>
+    <dgm:pt modelId="{7295A6CF-A895-48DC-98D5-A2A92E07E09C}">
+      <dgm:prSet/>
+      <dgm:spPr/>
+      <dgm:t>
+        <a:bodyPr/>
+        <a:lstStyle/>
+        <a:p>
+          <a:r>
+            <a:rPr lang="en-CA"/>
+            <a:t>Each part of a program should have a single well-defined responsibility</a:t>
+          </a:r>
+          <a:endParaRPr lang="en-US"/>
+        </a:p>
+      </dgm:t>
+    </dgm:pt>
+    <dgm:pt modelId="{08A09911-486A-4B89-830E-CB495F6019F7}" type="parTrans" cxnId="{E51E1CAE-3EBA-4471-BE40-572410AE4C58}">
+      <dgm:prSet/>
+      <dgm:spPr/>
+      <dgm:t>
+        <a:bodyPr/>
+        <a:lstStyle/>
+        <a:p>
+          <a:endParaRPr lang="en-US"/>
+        </a:p>
+      </dgm:t>
+    </dgm:pt>
+    <dgm:pt modelId="{BBBF84EB-1F3A-4577-BD96-F204D5E62EB6}" type="sibTrans" cxnId="{E51E1CAE-3EBA-4471-BE40-572410AE4C58}">
+      <dgm:prSet/>
+      <dgm:spPr/>
+      <dgm:t>
+        <a:bodyPr/>
+        <a:lstStyle/>
+        <a:p>
+          <a:endParaRPr lang="en-US"/>
+        </a:p>
+      </dgm:t>
+    </dgm:pt>
+    <dgm:pt modelId="{3B0D54BE-3CC0-4AF7-85EC-393AA3FF4988}">
+      <dgm:prSet/>
+      <dgm:spPr/>
+      <dgm:t>
+        <a:bodyPr/>
+        <a:lstStyle/>
+        <a:p>
+          <a:r>
+            <a:rPr lang="en-CA"/>
+            <a:t>Each responsibility of the program should be a in single well-defined area </a:t>
+          </a:r>
+          <a:endParaRPr lang="en-US"/>
+        </a:p>
+      </dgm:t>
+    </dgm:pt>
+    <dgm:pt modelId="{9A21100A-6111-465B-8D70-F57429743A3B}" type="parTrans" cxnId="{9A2DB3B3-F0F5-4160-BD32-9EB9C8282B78}">
+      <dgm:prSet/>
+      <dgm:spPr/>
+      <dgm:t>
+        <a:bodyPr/>
+        <a:lstStyle/>
+        <a:p>
+          <a:endParaRPr lang="en-US"/>
+        </a:p>
+      </dgm:t>
+    </dgm:pt>
+    <dgm:pt modelId="{4C07133E-23D7-41EC-A627-359F15095C29}" type="sibTrans" cxnId="{9A2DB3B3-F0F5-4160-BD32-9EB9C8282B78}">
+      <dgm:prSet/>
+      <dgm:spPr/>
+      <dgm:t>
+        <a:bodyPr/>
+        <a:lstStyle/>
+        <a:p>
+          <a:endParaRPr lang="en-US"/>
+        </a:p>
+      </dgm:t>
+    </dgm:pt>
+    <dgm:pt modelId="{0D952424-C625-4A70-B7A3-B88E5B832ACE}" type="pres">
+      <dgm:prSet presAssocID="{1C82DA29-FF37-40FE-81B8-4943222E4E02}" presName="cycle" presStyleCnt="0">
+        <dgm:presLayoutVars>
+          <dgm:dir/>
+          <dgm:resizeHandles val="exact"/>
+        </dgm:presLayoutVars>
+      </dgm:prSet>
+      <dgm:spPr/>
+    </dgm:pt>
+    <dgm:pt modelId="{40694FA4-3479-4F87-8C2E-DAF82F33F4DA}" type="pres">
+      <dgm:prSet presAssocID="{7295A6CF-A895-48DC-98D5-A2A92E07E09C}" presName="node" presStyleLbl="node1" presStyleIdx="0" presStyleCnt="2">
+        <dgm:presLayoutVars>
+          <dgm:bulletEnabled val="1"/>
+        </dgm:presLayoutVars>
+      </dgm:prSet>
+      <dgm:spPr/>
+    </dgm:pt>
+    <dgm:pt modelId="{075AE83B-791C-4E96-B72C-78E85B60063B}" type="pres">
+      <dgm:prSet presAssocID="{7295A6CF-A895-48DC-98D5-A2A92E07E09C}" presName="spNode" presStyleCnt="0"/>
+      <dgm:spPr/>
+    </dgm:pt>
+    <dgm:pt modelId="{61049BAF-D268-4796-B2B5-412702966BEB}" type="pres">
+      <dgm:prSet presAssocID="{BBBF84EB-1F3A-4577-BD96-F204D5E62EB6}" presName="sibTrans" presStyleLbl="sibTrans1D1" presStyleIdx="0" presStyleCnt="2"/>
+      <dgm:spPr/>
+    </dgm:pt>
+    <dgm:pt modelId="{EBA7D375-346B-4FBF-BBEE-B6340F27F408}" type="pres">
+      <dgm:prSet presAssocID="{3B0D54BE-3CC0-4AF7-85EC-393AA3FF4988}" presName="node" presStyleLbl="node1" presStyleIdx="1" presStyleCnt="2">
+        <dgm:presLayoutVars>
+          <dgm:bulletEnabled val="1"/>
+        </dgm:presLayoutVars>
+      </dgm:prSet>
+      <dgm:spPr/>
+    </dgm:pt>
+    <dgm:pt modelId="{8CA3BDDE-811A-48DF-A62E-C7903C2A21E0}" type="pres">
+      <dgm:prSet presAssocID="{3B0D54BE-3CC0-4AF7-85EC-393AA3FF4988}" presName="spNode" presStyleCnt="0"/>
+      <dgm:spPr/>
+    </dgm:pt>
+    <dgm:pt modelId="{D1701047-8787-4C1D-8B45-0B19D3318A34}" type="pres">
+      <dgm:prSet presAssocID="{4C07133E-23D7-41EC-A627-359F15095C29}" presName="sibTrans" presStyleLbl="sibTrans1D1" presStyleIdx="1" presStyleCnt="2"/>
+      <dgm:spPr/>
+    </dgm:pt>
+  </dgm:ptLst>
+  <dgm:cxnLst>
+    <dgm:cxn modelId="{E1649B23-F462-4435-BEB9-4BA25B963015}" type="presOf" srcId="{7295A6CF-A895-48DC-98D5-A2A92E07E09C}" destId="{40694FA4-3479-4F87-8C2E-DAF82F33F4DA}" srcOrd="0" destOrd="0" presId="urn:microsoft.com/office/officeart/2005/8/layout/cycle5"/>
+    <dgm:cxn modelId="{E01E7E5E-AF23-458A-8041-A1F9BD5DC258}" type="presOf" srcId="{4C07133E-23D7-41EC-A627-359F15095C29}" destId="{D1701047-8787-4C1D-8B45-0B19D3318A34}" srcOrd="0" destOrd="0" presId="urn:microsoft.com/office/officeart/2005/8/layout/cycle5"/>
+    <dgm:cxn modelId="{E51E1CAE-3EBA-4471-BE40-572410AE4C58}" srcId="{1C82DA29-FF37-40FE-81B8-4943222E4E02}" destId="{7295A6CF-A895-48DC-98D5-A2A92E07E09C}" srcOrd="0" destOrd="0" parTransId="{08A09911-486A-4B89-830E-CB495F6019F7}" sibTransId="{BBBF84EB-1F3A-4577-BD96-F204D5E62EB6}"/>
+    <dgm:cxn modelId="{D37888B1-5AE6-49E4-B9D6-4EFB7FCA977E}" type="presOf" srcId="{1C82DA29-FF37-40FE-81B8-4943222E4E02}" destId="{0D952424-C625-4A70-B7A3-B88E5B832ACE}" srcOrd="0" destOrd="0" presId="urn:microsoft.com/office/officeart/2005/8/layout/cycle5"/>
+    <dgm:cxn modelId="{9A2DB3B3-F0F5-4160-BD32-9EB9C8282B78}" srcId="{1C82DA29-FF37-40FE-81B8-4943222E4E02}" destId="{3B0D54BE-3CC0-4AF7-85EC-393AA3FF4988}" srcOrd="1" destOrd="0" parTransId="{9A21100A-6111-465B-8D70-F57429743A3B}" sibTransId="{4C07133E-23D7-41EC-A627-359F15095C29}"/>
+    <dgm:cxn modelId="{178A7BB5-D4B7-4907-823F-97CD74635606}" type="presOf" srcId="{3B0D54BE-3CC0-4AF7-85EC-393AA3FF4988}" destId="{EBA7D375-346B-4FBF-BBEE-B6340F27F408}" srcOrd="0" destOrd="0" presId="urn:microsoft.com/office/officeart/2005/8/layout/cycle5"/>
+    <dgm:cxn modelId="{00AC31D6-C97D-4AD3-A06E-7F6158165E3D}" type="presOf" srcId="{BBBF84EB-1F3A-4577-BD96-F204D5E62EB6}" destId="{61049BAF-D268-4796-B2B5-412702966BEB}" srcOrd="0" destOrd="0" presId="urn:microsoft.com/office/officeart/2005/8/layout/cycle5"/>
+    <dgm:cxn modelId="{989BA52B-22FF-44E5-87EC-FA4FE57FFE72}" type="presParOf" srcId="{0D952424-C625-4A70-B7A3-B88E5B832ACE}" destId="{40694FA4-3479-4F87-8C2E-DAF82F33F4DA}" srcOrd="0" destOrd="0" presId="urn:microsoft.com/office/officeart/2005/8/layout/cycle5"/>
+    <dgm:cxn modelId="{F122F902-E0B6-478A-99C8-5F3ED3445C41}" type="presParOf" srcId="{0D952424-C625-4A70-B7A3-B88E5B832ACE}" destId="{075AE83B-791C-4E96-B72C-78E85B60063B}" srcOrd="1" destOrd="0" presId="urn:microsoft.com/office/officeart/2005/8/layout/cycle5"/>
+    <dgm:cxn modelId="{871A0125-5DA0-4A01-A4C7-9B9BEDAE84B4}" type="presParOf" srcId="{0D952424-C625-4A70-B7A3-B88E5B832ACE}" destId="{61049BAF-D268-4796-B2B5-412702966BEB}" srcOrd="2" destOrd="0" presId="urn:microsoft.com/office/officeart/2005/8/layout/cycle5"/>
+    <dgm:cxn modelId="{4D449222-7C9C-41DC-BA9B-B0C4EFEC7066}" type="presParOf" srcId="{0D952424-C625-4A70-B7A3-B88E5B832ACE}" destId="{EBA7D375-346B-4FBF-BBEE-B6340F27F408}" srcOrd="3" destOrd="0" presId="urn:microsoft.com/office/officeart/2005/8/layout/cycle5"/>
+    <dgm:cxn modelId="{43D8F101-023A-4B32-B4ED-E6ECB0DD3C89}" type="presParOf" srcId="{0D952424-C625-4A70-B7A3-B88E5B832ACE}" destId="{8CA3BDDE-811A-48DF-A62E-C7903C2A21E0}" srcOrd="4" destOrd="0" presId="urn:microsoft.com/office/officeart/2005/8/layout/cycle5"/>
+    <dgm:cxn modelId="{0E1813C8-9072-4C2C-AABA-75DFD9605EE1}" type="presParOf" srcId="{0D952424-C625-4A70-B7A3-B88E5B832ACE}" destId="{D1701047-8787-4C1D-8B45-0B19D3318A34}" srcOrd="5" destOrd="0" presId="urn:microsoft.com/office/officeart/2005/8/layout/cycle5"/>
+  </dgm:cxnLst>
+  <dgm:bg/>
+  <dgm:whole/>
+  <dgm:extLst>
+    <a:ext uri="http://schemas.microsoft.com/office/drawing/2008/diagram">
+      <dsp:dataModelExt xmlns:dsp="http://schemas.microsoft.com/office/drawing/2008/diagram" relId="rId6" minVer="http://schemas.openxmlformats.org/drawingml/2006/diagram"/>
+    </a:ext>
+  </dgm:extLst>
+</dgm:dataModel>
+</file>
+
+<file path=ppt/diagrams/drawing1.xml><?xml version="1.0" encoding="utf-8"?>
+<dsp:drawing xmlns:dgm="http://schemas.openxmlformats.org/drawingml/2006/diagram" xmlns:dsp="http://schemas.microsoft.com/office/drawing/2008/diagram" xmlns:a="http://schemas.openxmlformats.org/drawingml/2006/main">
+  <dsp:spTree>
+    <dsp:nvGrpSpPr>
+      <dsp:cNvPr id="0" name=""/>
+      <dsp:cNvGrpSpPr/>
+    </dsp:nvGrpSpPr>
+    <dsp:grpSpPr/>
+    <dsp:sp modelId="{40694FA4-3479-4F87-8C2E-DAF82F33F4DA}">
+      <dsp:nvSpPr>
+        <dsp:cNvPr id="0" name=""/>
+        <dsp:cNvSpPr/>
+      </dsp:nvSpPr>
+      <dsp:spPr>
+        <a:xfrm>
+          <a:off x="2038" y="2446954"/>
+          <a:ext cx="4314878" cy="2804671"/>
+        </a:xfrm>
+        <a:prstGeom prst="roundRect">
+          <a:avLst/>
+        </a:prstGeom>
+        <a:solidFill>
+          <a:schemeClr val="accent1">
+            <a:hueOff val="0"/>
+            <a:satOff val="0"/>
+            <a:lumOff val="0"/>
+            <a:alphaOff val="0"/>
+          </a:schemeClr>
+        </a:solidFill>
+        <a:ln w="19050" cap="flat" cmpd="sng" algn="ctr">
+          <a:solidFill>
+            <a:schemeClr val="lt1">
+              <a:hueOff val="0"/>
+              <a:satOff val="0"/>
+              <a:lumOff val="0"/>
+              <a:alphaOff val="0"/>
+            </a:schemeClr>
+          </a:solidFill>
+          <a:prstDash val="solid"/>
+        </a:ln>
+        <a:effectLst/>
+      </dsp:spPr>
+      <dsp:style>
+        <a:lnRef idx="2">
+          <a:scrgbClr r="0" g="0" b="0"/>
+        </a:lnRef>
+        <a:fillRef idx="1">
+          <a:scrgbClr r="0" g="0" b="0"/>
+        </a:fillRef>
+        <a:effectRef idx="0">
+          <a:scrgbClr r="0" g="0" b="0"/>
+        </a:effectRef>
+        <a:fontRef idx="minor">
+          <a:schemeClr val="lt1"/>
+        </a:fontRef>
+      </dsp:style>
+      <dsp:txBody>
+        <a:bodyPr spcFirstLastPara="0" vert="horz" wrap="square" lIns="129540" tIns="129540" rIns="129540" bIns="129540" numCol="1" spcCol="1270" anchor="ctr" anchorCtr="0">
+          <a:noAutofit/>
+        </a:bodyPr>
+        <a:lstStyle/>
+        <a:p>
+          <a:pPr marL="0" lvl="0" indent="0" algn="ctr" defTabSz="1511300">
+            <a:lnSpc>
+              <a:spcPct val="90000"/>
+            </a:lnSpc>
+            <a:spcBef>
+              <a:spcPct val="0"/>
+            </a:spcBef>
+            <a:spcAft>
+              <a:spcPct val="35000"/>
+            </a:spcAft>
+            <a:buNone/>
+          </a:pPr>
+          <a:r>
+            <a:rPr lang="en-CA" sz="3400" kern="1200"/>
+            <a:t>Each part of a program should have a single well-defined responsibility</a:t>
+          </a:r>
+          <a:endParaRPr lang="en-US" sz="3400" kern="1200"/>
+        </a:p>
+      </dsp:txBody>
+      <dsp:txXfrm>
+        <a:off x="138951" y="2583867"/>
+        <a:ext cx="4041052" cy="2530845"/>
+      </dsp:txXfrm>
+    </dsp:sp>
+    <dsp:sp modelId="{61049BAF-D268-4796-B2B5-412702966BEB}">
+      <dsp:nvSpPr>
+        <dsp:cNvPr id="0" name=""/>
+        <dsp:cNvSpPr/>
+      </dsp:nvSpPr>
+      <dsp:spPr>
+        <a:xfrm>
+          <a:off x="2159477" y="1467723"/>
+          <a:ext cx="4763133" cy="4763133"/>
+        </a:xfrm>
+        <a:custGeom>
+          <a:avLst/>
+          <a:gdLst/>
+          <a:ahLst/>
+          <a:cxnLst/>
+          <a:rect l="0" t="0" r="0" b="0"/>
+          <a:pathLst>
+            <a:path>
+              <a:moveTo>
+                <a:pt x="1001897" y="440337"/>
+              </a:moveTo>
+              <a:arcTo wR="2381566" hR="2381566" stAng="14075871" swAng="4248257"/>
+            </a:path>
+          </a:pathLst>
+        </a:custGeom>
+        <a:noFill/>
+        <a:ln w="10000" cap="flat" cmpd="sng" algn="ctr">
+          <a:solidFill>
+            <a:schemeClr val="accent1">
+              <a:hueOff val="0"/>
+              <a:satOff val="0"/>
+              <a:lumOff val="0"/>
+              <a:alphaOff val="0"/>
+            </a:schemeClr>
+          </a:solidFill>
+          <a:prstDash val="solid"/>
+          <a:tailEnd type="arrow"/>
+        </a:ln>
+        <a:effectLst/>
+      </dsp:spPr>
+      <dsp:style>
+        <a:lnRef idx="1">
+          <a:scrgbClr r="0" g="0" b="0"/>
+        </a:lnRef>
+        <a:fillRef idx="0">
+          <a:scrgbClr r="0" g="0" b="0"/>
+        </a:fillRef>
+        <a:effectRef idx="0">
+          <a:scrgbClr r="0" g="0" b="0"/>
+        </a:effectRef>
+        <a:fontRef idx="minor"/>
+      </dsp:style>
+    </dsp:sp>
+    <dsp:sp modelId="{EBA7D375-346B-4FBF-BBEE-B6340F27F408}">
+      <dsp:nvSpPr>
+        <dsp:cNvPr id="0" name=""/>
+        <dsp:cNvSpPr/>
+      </dsp:nvSpPr>
+      <dsp:spPr>
+        <a:xfrm>
+          <a:off x="4765171" y="2446954"/>
+          <a:ext cx="4314878" cy="2804671"/>
+        </a:xfrm>
+        <a:prstGeom prst="roundRect">
+          <a:avLst/>
+        </a:prstGeom>
+        <a:solidFill>
+          <a:schemeClr val="accent1">
+            <a:hueOff val="0"/>
+            <a:satOff val="0"/>
+            <a:lumOff val="0"/>
+            <a:alphaOff val="0"/>
+          </a:schemeClr>
+        </a:solidFill>
+        <a:ln w="19050" cap="flat" cmpd="sng" algn="ctr">
+          <a:solidFill>
+            <a:schemeClr val="lt1">
+              <a:hueOff val="0"/>
+              <a:satOff val="0"/>
+              <a:lumOff val="0"/>
+              <a:alphaOff val="0"/>
+            </a:schemeClr>
+          </a:solidFill>
+          <a:prstDash val="solid"/>
+        </a:ln>
+        <a:effectLst/>
+      </dsp:spPr>
+      <dsp:style>
+        <a:lnRef idx="2">
+          <a:scrgbClr r="0" g="0" b="0"/>
+        </a:lnRef>
+        <a:fillRef idx="1">
+          <a:scrgbClr r="0" g="0" b="0"/>
+        </a:fillRef>
+        <a:effectRef idx="0">
+          <a:scrgbClr r="0" g="0" b="0"/>
+        </a:effectRef>
+        <a:fontRef idx="minor">
+          <a:schemeClr val="lt1"/>
+        </a:fontRef>
+      </dsp:style>
+      <dsp:txBody>
+        <a:bodyPr spcFirstLastPara="0" vert="horz" wrap="square" lIns="129540" tIns="129540" rIns="129540" bIns="129540" numCol="1" spcCol="1270" anchor="ctr" anchorCtr="0">
+          <a:noAutofit/>
+        </a:bodyPr>
+        <a:lstStyle/>
+        <a:p>
+          <a:pPr marL="0" lvl="0" indent="0" algn="ctr" defTabSz="1511300">
+            <a:lnSpc>
+              <a:spcPct val="90000"/>
+            </a:lnSpc>
+            <a:spcBef>
+              <a:spcPct val="0"/>
+            </a:spcBef>
+            <a:spcAft>
+              <a:spcPct val="35000"/>
+            </a:spcAft>
+            <a:buNone/>
+          </a:pPr>
+          <a:r>
+            <a:rPr lang="en-CA" sz="3400" kern="1200"/>
+            <a:t>Each responsibility of the program should be a in single well-defined area </a:t>
+          </a:r>
+          <a:endParaRPr lang="en-US" sz="3400" kern="1200"/>
+        </a:p>
+      </dsp:txBody>
+      <dsp:txXfrm>
+        <a:off x="4902084" y="2583867"/>
+        <a:ext cx="4041052" cy="2530845"/>
+      </dsp:txXfrm>
+    </dsp:sp>
+    <dsp:sp modelId="{D1701047-8787-4C1D-8B45-0B19D3318A34}">
+      <dsp:nvSpPr>
+        <dsp:cNvPr id="0" name=""/>
+        <dsp:cNvSpPr/>
+      </dsp:nvSpPr>
+      <dsp:spPr>
+        <a:xfrm>
+          <a:off x="2159477" y="1467723"/>
+          <a:ext cx="4763133" cy="4763133"/>
+        </a:xfrm>
+        <a:custGeom>
+          <a:avLst/>
+          <a:gdLst/>
+          <a:ahLst/>
+          <a:cxnLst/>
+          <a:rect l="0" t="0" r="0" b="0"/>
+          <a:pathLst>
+            <a:path>
+              <a:moveTo>
+                <a:pt x="3761235" y="4322796"/>
+              </a:moveTo>
+              <a:arcTo wR="2381566" hR="2381566" stAng="3275871" swAng="4248257"/>
+            </a:path>
+          </a:pathLst>
+        </a:custGeom>
+        <a:noFill/>
+        <a:ln w="10000" cap="flat" cmpd="sng" algn="ctr">
+          <a:solidFill>
+            <a:schemeClr val="accent1">
+              <a:hueOff val="0"/>
+              <a:satOff val="0"/>
+              <a:lumOff val="0"/>
+              <a:alphaOff val="0"/>
+            </a:schemeClr>
+          </a:solidFill>
+          <a:prstDash val="solid"/>
+          <a:tailEnd type="arrow"/>
+        </a:ln>
+        <a:effectLst/>
+      </dsp:spPr>
+      <dsp:style>
+        <a:lnRef idx="1">
+          <a:scrgbClr r="0" g="0" b="0"/>
+        </a:lnRef>
+        <a:fillRef idx="0">
+          <a:scrgbClr r="0" g="0" b="0"/>
+        </a:fillRef>
+        <a:effectRef idx="0">
+          <a:scrgbClr r="0" g="0" b="0"/>
+        </a:effectRef>
+        <a:fontRef idx="minor"/>
+      </dsp:style>
+    </dsp:sp>
+  </dsp:spTree>
+</dsp:drawing>
+</file>
+
+<file path=ppt/diagrams/layout1.xml><?xml version="1.0" encoding="utf-8"?>
+<dgm:layoutDef xmlns:dgm="http://schemas.openxmlformats.org/drawingml/2006/diagram" xmlns:a="http://schemas.openxmlformats.org/drawingml/2006/main" uniqueId="urn:microsoft.com/office/officeart/2005/8/layout/cycle5">
+  <dgm:title val=""/>
+  <dgm:desc val=""/>
+  <dgm:catLst>
+    <dgm:cat type="cycle" pri="3000"/>
+  </dgm:catLst>
+  <dgm:sampData>
+    <dgm:dataModel>
+      <dgm:ptLst>
+        <dgm:pt modelId="0" type="doc"/>
+        <dgm:pt modelId="1">
+          <dgm:prSet phldr="1"/>
+        </dgm:pt>
+        <dgm:pt modelId="2">
+          <dgm:prSet phldr="1"/>
+        </dgm:pt>
+        <dgm:pt modelId="3">
+          <dgm:prSet phldr="1"/>
+        </dgm:pt>
+        <dgm:pt modelId="4">
+          <dgm:prSet phldr="1"/>
+        </dgm:pt>
+        <dgm:pt modelId="5">
+          <dgm:prSet phldr="1"/>
+        </dgm:pt>
+      </dgm:ptLst>
+      <dgm:cxnLst>
+        <dgm:cxn modelId="6" srcId="0" destId="1" srcOrd="0" destOrd="0"/>
+        <dgm:cxn modelId="7" srcId="0" destId="2" srcOrd="1" destOrd="0"/>
+        <dgm:cxn modelId="8" srcId="0" destId="3" srcOrd="2" destOrd="0"/>
+        <dgm:cxn modelId="9" srcId="0" destId="4" srcOrd="3" destOrd="0"/>
+        <dgm:cxn modelId="10" srcId="0" destId="5" srcOrd="4" destOrd="0"/>
+      </dgm:cxnLst>
+      <dgm:bg/>
+      <dgm:whole/>
+    </dgm:dataModel>
+  </dgm:sampData>
+  <dgm:styleData>
+    <dgm:dataModel>
+      <dgm:ptLst>
+        <dgm:pt modelId="0" type="doc"/>
+        <dgm:pt modelId="1"/>
+        <dgm:pt modelId="2"/>
+        <dgm:pt modelId="3"/>
+      </dgm:ptLst>
+      <dgm:cxnLst>
+        <dgm:cxn modelId="4" srcId="0" destId="1" srcOrd="0" destOrd="0"/>
+        <dgm:cxn modelId="5" srcId="0" destId="2" srcOrd="1" destOrd="0"/>
+        <dgm:cxn modelId="6" srcId="0" destId="3" srcOrd="2" destOrd="0"/>
+      </dgm:cxnLst>
+      <dgm:bg/>
+      <dgm:whole/>
+    </dgm:dataModel>
+  </dgm:styleData>
+  <dgm:clrData>
+    <dgm:dataModel>
+      <dgm:ptLst>
+        <dgm:pt modelId="0" type="doc"/>
+        <dgm:pt modelId="1"/>
+        <dgm:pt modelId="2"/>
+        <dgm:pt modelId="3"/>
+        <dgm:pt modelId="4"/>
+        <dgm:pt modelId="5"/>
+        <dgm:pt modelId="6"/>
+      </dgm:ptLst>
+      <dgm:cxnLst>
+        <dgm:cxn modelId="7" srcId="0" destId="1" srcOrd="0" destOrd="0"/>
+        <dgm:cxn modelId="8" srcId="0" destId="2" srcOrd="1" destOrd="0"/>
+        <dgm:cxn modelId="9" srcId="0" destId="3" srcOrd="2" destOrd="0"/>
+        <dgm:cxn modelId="10" srcId="0" destId="4" srcOrd="3" destOrd="0"/>
+        <dgm:cxn modelId="11" srcId="0" destId="5" srcOrd="4" destOrd="0"/>
+        <dgm:cxn modelId="12" srcId="0" destId="6" srcOrd="5" destOrd="0"/>
+      </dgm:cxnLst>
+      <dgm:bg/>
+      <dgm:whole/>
+    </dgm:dataModel>
+  </dgm:clrData>
+  <dgm:layoutNode name="cycle">
+    <dgm:varLst>
+      <dgm:dir/>
+      <dgm:resizeHandles val="exact"/>
+    </dgm:varLst>
+    <dgm:choose name="Name0">
+      <dgm:if name="Name1" func="var" arg="dir" op="equ" val="norm">
+        <dgm:choose name="Name2">
+          <dgm:if name="Name3" axis="ch" ptType="node" func="cnt" op="gt" val="2">
+            <dgm:alg type="cycle">
+              <dgm:param type="stAng" val="0"/>
+              <dgm:param type="spanAng" val="360"/>
+            </dgm:alg>
+          </dgm:if>
+          <dgm:else name="Name4">
+            <dgm:alg type="cycle">
+              <dgm:param type="stAng" val="-90"/>
+              <dgm:param type="spanAng" val="360"/>
+            </dgm:alg>
+          </dgm:else>
+        </dgm:choose>
+      </dgm:if>
+      <dgm:else name="Name5">
+        <dgm:choose name="Name6">
+          <dgm:if name="Name7" axis="ch" ptType="node" func="cnt" op="gt" val="2">
+            <dgm:alg type="cycle">
+              <dgm:param type="stAng" val="0"/>
+              <dgm:param type="spanAng" val="-360"/>
+            </dgm:alg>
+          </dgm:if>
+          <dgm:else name="Name8">
+            <dgm:alg type="cycle">
+              <dgm:param type="stAng" val="90"/>
+              <dgm:param type="spanAng" val="-360"/>
+            </dgm:alg>
+          </dgm:else>
+        </dgm:choose>
+      </dgm:else>
+    </dgm:choose>
+    <dgm:shape xmlns:r="http://schemas.openxmlformats.org/officeDocument/2006/relationships" r:blip="">
+      <dgm:adjLst/>
+    </dgm:shape>
+    <dgm:presOf/>
+    <dgm:choose name="Name9">
+      <dgm:if name="Name10" func="var" arg="dir" op="equ" val="norm">
+        <dgm:constrLst>
+          <dgm:constr type="w" for="ch" forName="node" refType="w"/>
+          <dgm:constr type="w" for="ch" ptType="sibTrans" refType="w" refFor="ch" refForName="node" op="equ" fact="0.3"/>
+          <dgm:constr type="diam" for="ch" ptType="sibTrans" refType="diam" op="equ"/>
+          <dgm:constr type="sibSp" refType="w" refFor="ch" refForName="node" op="equ" fact="0.15"/>
+          <dgm:constr type="w" for="ch" forName="spNode" refType="sibSp" fact="1.6"/>
+          <dgm:constr type="primFontSz" for="ch" forName="node" op="equ" val="65"/>
+        </dgm:constrLst>
+      </dgm:if>
+      <dgm:else name="Name11">
+        <dgm:constrLst>
+          <dgm:constr type="w" for="ch" forName="node" refType="w"/>
+          <dgm:constr type="w" for="ch" ptType="sibTrans" refType="w" refFor="ch" refForName="node" op="equ" fact="0.3"/>
+          <dgm:constr type="diam" for="ch" ptType="sibTrans" refType="diam" fact="-1"/>
+          <dgm:constr type="diam" for="ch" refType="diam" op="equ" fact="-1"/>
+          <dgm:constr type="sibSp" refType="w" refFor="ch" refForName="node" op="equ" fact="0.15"/>
+          <dgm:constr type="w" for="ch" forName="spNode" refType="sibSp" fact="1.6"/>
+          <dgm:constr type="primFontSz" for="ch" forName="node" op="equ" val="65"/>
+        </dgm:constrLst>
+      </dgm:else>
+    </dgm:choose>
+    <dgm:ruleLst/>
+    <dgm:forEach name="Name12" axis="ch" ptType="node">
+      <dgm:layoutNode name="node">
+        <dgm:varLst>
+          <dgm:bulletEnabled val="1"/>
+        </dgm:varLst>
+        <dgm:alg type="tx"/>
+        <dgm:shape xmlns:r="http://schemas.openxmlformats.org/officeDocument/2006/relationships" type="roundRect" r:blip="">
+          <dgm:adjLst/>
+        </dgm:shape>
+        <dgm:presOf axis="desOrSelf" ptType="node"/>
+        <dgm:constrLst>
+          <dgm:constr type="h" refType="w" fact="0.65"/>
+          <dgm:constr type="tMarg" refType="primFontSz" fact="0.3"/>
+          <dgm:constr type="bMarg" refType="primFontSz" fact="0.3"/>
+          <dgm:constr type="lMarg" refType="primFontSz" fact="0.3"/>
+          <dgm:constr type="rMarg" refType="primFontSz" fact="0.3"/>
+        </dgm:constrLst>
+        <dgm:ruleLst>
+          <dgm:rule type="primFontSz" val="5" fact="NaN" max="NaN"/>
+        </dgm:ruleLst>
+      </dgm:layoutNode>
+      <dgm:choose name="Name13">
+        <dgm:if name="Name14" axis="par ch" ptType="doc node" func="cnt" op="gt" val="1">
+          <dgm:layoutNode name="spNode">
+            <dgm:alg type="sp"/>
+            <dgm:shape xmlns:r="http://schemas.openxmlformats.org/officeDocument/2006/relationships" r:blip="">
+              <dgm:adjLst/>
+            </dgm:shape>
+            <dgm:presOf/>
+            <dgm:constrLst>
+              <dgm:constr type="h" refType="w"/>
+            </dgm:constrLst>
+            <dgm:ruleLst/>
+          </dgm:layoutNode>
+          <dgm:forEach name="Name15" axis="followSib" ptType="sibTrans" hideLastTrans="0" cnt="1">
+            <dgm:layoutNode name="sibTrans">
+              <dgm:alg type="conn">
+                <dgm:param type="dim" val="1D"/>
+                <dgm:param type="connRout" val="curve"/>
+                <dgm:param type="begPts" val="radial"/>
+                <dgm:param type="endPts" val="radial"/>
+              </dgm:alg>
+              <dgm:shape xmlns:r="http://schemas.openxmlformats.org/officeDocument/2006/relationships" type="conn" r:blip="">
+                <dgm:adjLst/>
+              </dgm:shape>
+              <dgm:presOf axis="self"/>
+              <dgm:constrLst>
+                <dgm:constr type="h" refType="w" fact="0.65"/>
+                <dgm:constr type="connDist"/>
+                <dgm:constr type="begPad" refType="connDist" fact="0.2"/>
+                <dgm:constr type="endPad" refType="connDist" fact="0.2"/>
+              </dgm:constrLst>
+              <dgm:ruleLst/>
+            </dgm:layoutNode>
+          </dgm:forEach>
+        </dgm:if>
+        <dgm:else name="Name16"/>
+      </dgm:choose>
+    </dgm:forEach>
+  </dgm:layoutNode>
+</dgm:layoutDef>
+</file>
+
+<file path=ppt/diagrams/quickStyle1.xml><?xml version="1.0" encoding="utf-8"?>
+<dgm:styleDef xmlns:dgm="http://schemas.openxmlformats.org/drawingml/2006/diagram" xmlns:a="http://schemas.openxmlformats.org/drawingml/2006/main" uniqueId="urn:microsoft.com/office/officeart/2005/8/quickstyle/simple1">
+  <dgm:title val=""/>
+  <dgm:desc val=""/>
+  <dgm:catLst>
+    <dgm:cat type="simple" pri="10100"/>
+  </dgm:catLst>
+  <dgm:scene3d>
+    <a:camera prst="orthographicFront"/>
+    <a:lightRig rig="threePt" dir="t"/>
+  </dgm:scene3d>
+  <dgm:styleLbl name="node0">
+    <dgm:scene3d>
+      <a:camera prst="orthographicFront"/>
+      <a:lightRig rig="threePt" dir="t"/>
+    </dgm:scene3d>
+    <dgm:sp3d/>
+    <dgm:txPr/>
+    <dgm:style>
+      <a:lnRef idx="2">
+        <a:scrgbClr r="0" g="0" b="0"/>
+      </a:lnRef>
+      <a:fillRef idx="1">
+        <a:scrgbClr r="0" g="0" b="0"/>
+      </a:fillRef>
+      <a:effectRef idx="0">
+        <a:scrgbClr r="0" g="0" b="0"/>
+      </a:effectRef>
+      <a:fontRef idx="minor">
+        <a:schemeClr val="lt1"/>
+      </a:fontRef>
+    </dgm:style>
+  </dgm:styleLbl>
+  <dgm:styleLbl name="lnNode1">
+    <dgm:scene3d>
+      <a:camera prst="orthographicFront"/>
+      <a:lightRig rig="threePt" dir="t"/>
+    </dgm:scene3d>
+    <dgm:sp3d/>
+    <dgm:txPr/>
+    <dgm:style>
+      <a:lnRef idx="2">
+        <a:scrgbClr r="0" g="0" b="0"/>
+      </a:lnRef>
+      <a:fillRef idx="1">
+        <a:scrgbClr r="0" g="0" b="0"/>
+      </a:fillRef>
+      <a:effectRef idx="0">
+        <a:scrgbClr r="0" g="0" b="0"/>
+      </a:effectRef>
+      <a:fontRef idx="minor">
+        <a:schemeClr val="lt1"/>
+      </a:fontRef>
+    </dgm:style>
+  </dgm:styleLbl>
+  <dgm:styleLbl name="vennNode1">
+    <dgm:scene3d>
+      <a:camera prst="orthographicFront"/>
+      <a:lightRig rig="threePt" dir="t"/>
+    </dgm:scene3d>
+    <dgm:sp3d/>
+    <dgm:txPr/>
+    <dgm:style>
+      <a:lnRef idx="2">
+        <a:scrgbClr r="0" g="0" b="0"/>
+      </a:lnRef>
+      <a:fillRef idx="1">
+        <a:scrgbClr r="0" g="0" b="0"/>
+      </a:fillRef>
+      <a:effectRef idx="0">
+        <a:scrgbClr r="0" g="0" b="0"/>
+      </a:effectRef>
+      <a:fontRef idx="minor">
+        <a:schemeClr val="tx1"/>
+      </a:fontRef>
+    </dgm:style>
+  </dgm:styleLbl>
+  <dgm:styleLbl name="alignNode1">
+    <dgm:scene3d>
+      <a:camera prst="orthographicFront"/>
+      <a:lightRig rig="threePt" dir="t"/>
+    </dgm:scene3d>
+    <dgm:sp3d/>
+    <dgm:txPr/>
+    <dgm:style>
+      <a:lnRef idx="2">
+        <a:scrgbClr r="0" g="0" b="0"/>
+      </a:lnRef>
+      <a:fillRef idx="1">
+        <a:scrgbClr r="0" g="0" b="0"/>
+      </a:fillRef>
+      <a:effectRef idx="0">
+        <a:scrgbClr r="0" g="0" b="0"/>
+      </a:effectRef>
+      <a:fontRef idx="minor">
+        <a:schemeClr val="lt1"/>
+      </a:fontRef>
+    </dgm:style>
+  </dgm:styleLbl>
+  <dgm:styleLbl name="node1">
+    <dgm:scene3d>
+      <a:camera prst="orthographicFront"/>
+      <a:lightRig rig="threePt" dir="t"/>
+    </dgm:scene3d>
+    <dgm:sp3d/>
+    <dgm:txPr/>
+    <dgm:style>
+      <a:lnRef idx="2">
+        <a:scrgbClr r="0" g="0" b="0"/>
+      </a:lnRef>
+      <a:fillRef idx="1">
+        <a:scrgbClr r="0" g="0" b="0"/>
+      </a:fillRef>
+      <a:effectRef idx="0">
+        <a:scrgbClr r="0" g="0" b="0"/>
+      </a:effectRef>
+      <a:fontRef idx="minor">
+        <a:schemeClr val="lt1"/>
+      </a:fontRef>
+    </dgm:style>
+  </dgm:styleLbl>
+  <dgm:styleLbl name="node2">
+    <dgm:scene3d>
+      <a:camera prst="orthographicFront"/>
+      <a:lightRig rig="threePt" dir="t"/>
+    </dgm:scene3d>
+    <dgm:sp3d/>
+    <dgm:txPr/>
+    <dgm:style>
+      <a:lnRef idx="2">
+        <a:scrgbClr r="0" g="0" b="0"/>
+      </a:lnRef>
+      <a:fillRef idx="1">
+        <a:scrgbClr r="0" g="0" b="0"/>
+      </a:fillRef>
+      <a:effectRef idx="0">
+        <a:scrgbClr r="0" g="0" b="0"/>
+      </a:effectRef>
+      <a:fontRef idx="minor">
+        <a:schemeClr val="lt1"/>
+      </a:fontRef>
+    </dgm:style>
+  </dgm:styleLbl>
+  <dgm:styleLbl name="node3">
+    <dgm:scene3d>
+      <a:camera prst="orthographicFront"/>
+      <a:lightRig rig="threePt" dir="t"/>
+    </dgm:scene3d>
+    <dgm:sp3d/>
+    <dgm:txPr/>
+    <dgm:style>
+      <a:lnRef idx="2">
+        <a:scrgbClr r="0" g="0" b="0"/>
+      </a:lnRef>
+      <a:fillRef idx="1">
+        <a:scrgbClr r="0" g="0" b="0"/>
+      </a:fillRef>
+      <a:effectRef idx="0">
+        <a:scrgbClr r="0" g="0" b="0"/>
+      </a:effectRef>
+      <a:fontRef idx="minor">
+        <a:schemeClr val="lt1"/>
+      </a:fontRef>
+    </dgm:style>
+  </dgm:styleLbl>
+  <dgm:styleLbl name="node4">
+    <dgm:scene3d>
+      <a:camera prst="orthographicFront"/>
+      <a:lightRig rig="threePt" dir="t"/>
+    </dgm:scene3d>
+    <dgm:sp3d/>
+    <dgm:txPr/>
+    <dgm:style>
+      <a:lnRef idx="2">
+        <a:scrgbClr r="0" g="0" b="0"/>
+      </a:lnRef>
+      <a:fillRef idx="1">
+        <a:scrgbClr r="0" g="0" b="0"/>
+      </a:fillRef>
+      <a:effectRef idx="0">
+        <a:scrgbClr r="0" g="0" b="0"/>
+      </a:effectRef>
+      <a:fontRef idx="minor">
+        <a:schemeClr val="lt1"/>
+      </a:fontRef>
+    </dgm:style>
+  </dgm:styleLbl>
+  <dgm:styleLbl name="fgImgPlace1">
+    <dgm:scene3d>
+      <a:camera prst="orthographicFront"/>
+      <a:lightRig rig="threePt" dir="t"/>
+    </dgm:scene3d>
+    <dgm:sp3d/>
+    <dgm:txPr/>
+    <dgm:style>
+      <a:lnRef idx="2">
+        <a:scrgbClr r="0" g="0" b="0"/>
+      </a:lnRef>
+      <a:fillRef idx="1">
+        <a:scrgbClr r="0" g="0" b="0"/>
+      </a:fillRef>
+      <a:effectRef idx="0">
+        <a:scrgbClr r="0" g="0" b="0"/>
+      </a:effectRef>
+      <a:fontRef idx="minor"/>
+    </dgm:style>
+  </dgm:styleLbl>
+  <dgm:styleLbl name="alignImgPlace1">
+    <dgm:scene3d>
+      <a:camera prst="orthographicFront"/>
+      <a:lightRig rig="threePt" dir="t"/>
+    </dgm:scene3d>
+    <dgm:sp3d/>
+    <dgm:txPr/>
+    <dgm:style>
+      <a:lnRef idx="2">
+        <a:scrgbClr r="0" g="0" b="0"/>
+      </a:lnRef>
+      <a:fillRef idx="1">
+        <a:scrgbClr r="0" g="0" b="0"/>
+      </a:fillRef>
+      <a:effectRef idx="0">
+        <a:scrgbClr r="0" g="0" b="0"/>
+      </a:effectRef>
+      <a:fontRef idx="minor"/>
+    </dgm:style>
+  </dgm:styleLbl>
+  <dgm:styleLbl name="bgImgPlace1">
+    <dgm:scene3d>
+      <a:camera prst="orthographicFront"/>
+      <a:lightRig rig="threePt" dir="t"/>
+    </dgm:scene3d>
+    <dgm:sp3d/>
+    <dgm:txPr/>
+    <dgm:style>
+      <a:lnRef idx="2">
+        <a:scrgbClr r="0" g="0" b="0"/>
+      </a:lnRef>
+      <a:fillRef idx="1">
+        <a:scrgbClr r="0" g="0" b="0"/>
+      </a:fillRef>
+      <a:effectRef idx="0">
+        <a:scrgbClr r="0" g="0" b="0"/>
+      </a:effectRef>
+      <a:fontRef idx="minor"/>
+    </dgm:style>
+  </dgm:styleLbl>
+  <dgm:styleLbl name="sibTrans2D1">
+    <dgm:scene3d>
+      <a:camera prst="orthographicFront"/>
+      <a:lightRig rig="threePt" dir="t"/>
+    </dgm:scene3d>
+    <dgm:sp3d/>
+    <dgm:txPr/>
+    <dgm:style>
+      <a:lnRef idx="0">
+        <a:scrgbClr r="0" g="0" b="0"/>
+      </a:lnRef>
+      <a:fillRef idx="1">
+        <a:scrgbClr r="0" g="0" b="0"/>
+      </a:fillRef>
+      <a:effectRef idx="0">
+        <a:scrgbClr r="0" g="0" b="0"/>
+      </a:effectRef>
+      <a:fontRef idx="minor">
+        <a:schemeClr val="lt1"/>
+      </a:fontRef>
+    </dgm:style>
+  </dgm:styleLbl>
+  <dgm:styleLbl name="fgSibTrans2D1">
+    <dgm:scene3d>
+      <a:camera prst="orthographicFront"/>
+      <a:lightRig rig="threePt" dir="t"/>
+    </dgm:scene3d>
+    <dgm:sp3d/>
+    <dgm:txPr/>
+    <dgm:style>
+      <a:lnRef idx="0">
+        <a:scrgbClr r="0" g="0" b="0"/>
+      </a:lnRef>
+      <a:fillRef idx="1">
+        <a:scrgbClr r="0" g="0" b="0"/>
+      </a:fillRef>
+      <a:effectRef idx="0">
+        <a:scrgbClr r="0" g="0" b="0"/>
+      </a:effectRef>
+      <a:fontRef idx="minor">
+        <a:schemeClr val="lt1"/>
+      </a:fontRef>
+    </dgm:style>
+  </dgm:styleLbl>
+  <dgm:styleLbl name="bgSibTrans2D1">
+    <dgm:scene3d>
+      <a:camera prst="orthographicFront"/>
+      <a:lightRig rig="threePt" dir="t"/>
+    </dgm:scene3d>
+    <dgm:sp3d/>
+    <dgm:txPr/>
+    <dgm:style>
+      <a:lnRef idx="0">
+        <a:scrgbClr r="0" g="0" b="0"/>
+      </a:lnRef>
+      <a:fillRef idx="1">
+        <a:scrgbClr r="0" g="0" b="0"/>
+      </a:fillRef>
+      <a:effectRef idx="0">
+        <a:scrgbClr r="0" g="0" b="0"/>
+      </a:effectRef>
+      <a:fontRef idx="minor">
+        <a:schemeClr val="lt1"/>
+      </a:fontRef>
+    </dgm:style>
+  </dgm:styleLbl>
+  <dgm:styleLbl name="sibTrans1D1">
+    <dgm:scene3d>
+      <a:camera prst="orthographicFront"/>
+      <a:lightRig rig="threePt" dir="t"/>
+    </dgm:scene3d>
+    <dgm:sp3d/>
+    <dgm:txPr/>
+    <dgm:style>
+      <a:lnRef idx="1">
+        <a:scrgbClr r="0" g="0" b="0"/>
+      </a:lnRef>
+      <a:fillRef idx="0">
+        <a:scrgbClr r="0" g="0" b="0"/>
+      </a:fillRef>
+      <a:effectRef idx="0">
+        <a:scrgbClr r="0" g="0" b="0"/>
+      </a:effectRef>
+      <a:fontRef idx="minor"/>
+    </dgm:style>
+  </dgm:styleLbl>
+  <dgm:styleLbl name="callout">
+    <dgm:scene3d>
+      <a:camera prst="orthographicFront"/>
+      <a:lightRig rig="threePt" dir="t"/>
+    </dgm:scene3d>
+    <dgm:sp3d/>
+    <dgm:txPr/>
+    <dgm:style>
+      <a:lnRef idx="2">
+        <a:scrgbClr r="0" g="0" b="0"/>
+      </a:lnRef>
+      <a:fillRef idx="1">
+        <a:scrgbClr r="0" g="0" b="0"/>
+      </a:fillRef>
+      <a:effectRef idx="0">
+        <a:scrgbClr r="0" g="0" b="0"/>
+      </a:effectRef>
+      <a:fontRef idx="minor"/>
+    </dgm:style>
+  </dgm:styleLbl>
+  <dgm:styleLbl name="asst0">
+    <dgm:scene3d>
+      <a:camera prst="orthographicFront"/>
+      <a:lightRig rig="threePt" dir="t"/>
+    </dgm:scene3d>
+    <dgm:sp3d/>
+    <dgm:txPr/>
+    <dgm:style>
+      <a:lnRef idx="2">
+        <a:scrgbClr r="0" g="0" b="0"/>
+      </a:lnRef>
+      <a:fillRef idx="1">
+        <a:scrgbClr r="0" g="0" b="0"/>
+      </a:fillRef>
+      <a:effectRef idx="0">
+        <a:scrgbClr r="0" g="0" b="0"/>
+      </a:effectRef>
+      <a:fontRef idx="minor">
+        <a:schemeClr val="lt1"/>
+      </a:fontRef>
+    </dgm:style>
+  </dgm:styleLbl>
+  <dgm:styleLbl name="asst1">
+    <dgm:scene3d>
+      <a:camera prst="orthographicFront"/>
+      <a:lightRig rig="threePt" dir="t"/>
+    </dgm:scene3d>
+    <dgm:sp3d/>
+    <dgm:txPr/>
+    <dgm:style>
+      <a:lnRef idx="2">
+        <a:scrgbClr r="0" g="0" b="0"/>
+      </a:lnRef>
+      <a:fillRef idx="1">
+        <a:scrgbClr r="0" g="0" b="0"/>
+      </a:fillRef>
+      <a:effectRef idx="0">
+        <a:scrgbClr r="0" g="0" b="0"/>
+      </a:effectRef>
+      <a:fontRef idx="minor">
+        <a:schemeClr val="lt1"/>
+      </a:fontRef>
+    </dgm:style>
+  </dgm:styleLbl>
+  <dgm:styleLbl name="asst2">
+    <dgm:scene3d>
+      <a:camera prst="orthographicFront"/>
+      <a:lightRig rig="threePt" dir="t"/>
+    </dgm:scene3d>
+    <dgm:sp3d/>
+    <dgm:txPr/>
+    <dgm:style>
+      <a:lnRef idx="2">
+        <a:scrgbClr r="0" g="0" b="0"/>
+      </a:lnRef>
+      <a:fillRef idx="1">
+        <a:scrgbClr r="0" g="0" b="0"/>
+      </a:fillRef>
+      <a:effectRef idx="0">
+        <a:scrgbClr r="0" g="0" b="0"/>
+      </a:effectRef>
+      <a:fontRef idx="minor">
+        <a:schemeClr val="lt1"/>
+      </a:fontRef>
+    </dgm:style>
+  </dgm:styleLbl>
+  <dgm:styleLbl name="asst3">
+    <dgm:scene3d>
+      <a:camera prst="orthographicFront"/>
+      <a:lightRig rig="threePt" dir="t"/>
+    </dgm:scene3d>
+    <dgm:sp3d/>
+    <dgm:txPr/>
+    <dgm:style>
+      <a:lnRef idx="2">
+        <a:scrgbClr r="0" g="0" b="0"/>
+      </a:lnRef>
+      <a:fillRef idx="1">
+        <a:scrgbClr r="0" g="0" b="0"/>
+      </a:fillRef>
+      <a:effectRef idx="0">
+        <a:scrgbClr r="0" g="0" b="0"/>
+      </a:effectRef>
+      <a:fontRef idx="minor">
+        <a:schemeClr val="lt1"/>
+      </a:fontRef>
+    </dgm:style>
+  </dgm:styleLbl>
+  <dgm:styleLbl name="asst4">
+    <dgm:scene3d>
+      <a:camera prst="orthographicFront"/>
+      <a:lightRig rig="threePt" dir="t"/>
+    </dgm:scene3d>
+    <dgm:sp3d/>
+    <dgm:txPr/>
+    <dgm:style>
+      <a:lnRef idx="2">
+        <a:scrgbClr r="0" g="0" b="0"/>
+      </a:lnRef>
+      <a:fillRef idx="1">
+        <a:scrgbClr r="0" g="0" b="0"/>
+      </a:fillRef>
+      <a:effectRef idx="0">
+        <a:scrgbClr r="0" g="0" b="0"/>
+      </a:effectRef>
+      <a:fontRef idx="minor">
+        <a:schemeClr val="lt1"/>
+      </a:fontRef>
+    </dgm:style>
+  </dgm:styleLbl>
+  <dgm:styleLbl name="parChTrans2D1">
+    <dgm:scene3d>
+      <a:camera prst="orthographicFront"/>
+      <a:lightRig rig="threePt" dir="t"/>
+    </dgm:scene3d>
+    <dgm:sp3d/>
+    <dgm:txPr/>
+    <dgm:style>
+      <a:lnRef idx="2">
+        <a:scrgbClr r="0" g="0" b="0"/>
+      </a:lnRef>
+      <a:fillRef idx="1">
+        <a:scrgbClr r="0" g="0" b="0"/>
+      </a:fillRef>
+      <a:effectRef idx="0">
+        <a:scrgbClr r="0" g="0" b="0"/>
+      </a:effectRef>
+      <a:fontRef idx="minor">
+        <a:schemeClr val="lt1"/>
+      </a:fontRef>
+    </dgm:style>
+  </dgm:styleLbl>
+  <dgm:styleLbl name="parChTrans2D2">
+    <dgm:scene3d>
+      <a:camera prst="orthographicFront"/>
+      <a:lightRig rig="threePt" dir="t"/>
+    </dgm:scene3d>
+    <dgm:sp3d/>
+    <dgm:txPr/>
+    <dgm:style>
+      <a:lnRef idx="2">
+        <a:scrgbClr r="0" g="0" b="0"/>
+      </a:lnRef>
+      <a:fillRef idx="1">
+        <a:scrgbClr r="0" g="0" b="0"/>
+      </a:fillRef>
+      <a:effectRef idx="0">
+        <a:scrgbClr r="0" g="0" b="0"/>
+      </a:effectRef>
+      <a:fontRef idx="minor">
+        <a:schemeClr val="lt1"/>
+      </a:fontRef>
+    </dgm:style>
+  </dgm:styleLbl>
+  <dgm:styleLbl name="parChTrans2D3">
+    <dgm:scene3d>
+      <a:camera prst="orthographicFront"/>
+      <a:lightRig rig="threePt" dir="t"/>
+    </dgm:scene3d>
+    <dgm:sp3d/>
+    <dgm:txPr/>
+    <dgm:style>
+      <a:lnRef idx="2">
+        <a:scrgbClr r="0" g="0" b="0"/>
+      </a:lnRef>
+      <a:fillRef idx="1">
+        <a:scrgbClr r="0" g="0" b="0"/>
+      </a:fillRef>
+      <a:effectRef idx="0">
+        <a:scrgbClr r="0" g="0" b="0"/>
+      </a:effectRef>
+      <a:fontRef idx="minor">
+        <a:schemeClr val="lt1"/>
+      </a:fontRef>
+    </dgm:style>
+  </dgm:styleLbl>
+  <dgm:styleLbl name="parChTrans2D4">
+    <dgm:scene3d>
+      <a:camera prst="orthographicFront"/>
+      <a:lightRig rig="threePt" dir="t"/>
+    </dgm:scene3d>
+    <dgm:sp3d/>
+    <dgm:txPr/>
+    <dgm:style>
+      <a:lnRef idx="2">
+        <a:scrgbClr r="0" g="0" b="0"/>
+      </a:lnRef>
+      <a:fillRef idx="1">
+        <a:scrgbClr r="0" g="0" b="0"/>
+      </a:fillRef>
+      <a:effectRef idx="0">
+        <a:scrgbClr r="0" g="0" b="0"/>
+      </a:effectRef>
+      <a:fontRef idx="minor">
+        <a:schemeClr val="lt1"/>
+      </a:fontRef>
+    </dgm:style>
+  </dgm:styleLbl>
+  <dgm:styleLbl name="parChTrans1D1">
+    <dgm:scene3d>
+      <a:camera prst="orthographicFront"/>
+      <a:lightRig rig="threePt" dir="t"/>
+    </dgm:scene3d>
+    <dgm:sp3d/>
+    <dgm:txPr/>
+    <dgm:style>
+      <a:lnRef idx="2">
+        <a:scrgbClr r="0" g="0" b="0"/>
+      </a:lnRef>
+      <a:fillRef idx="0">
+        <a:scrgbClr r="0" g="0" b="0"/>
+      </a:fillRef>
+      <a:effectRef idx="0">
+        <a:scrgbClr r="0" g="0" b="0"/>
+      </a:effectRef>
+      <a:fontRef idx="minor"/>
+    </dgm:style>
+  </dgm:styleLbl>
+  <dgm:styleLbl name="parChTrans1D2">
+    <dgm:scene3d>
+      <a:camera prst="orthographicFront"/>
+      <a:lightRig rig="threePt" dir="t"/>
+    </dgm:scene3d>
+    <dgm:sp3d/>
+    <dgm:txPr/>
+    <dgm:style>
+      <a:lnRef idx="2">
+        <a:scrgbClr r="0" g="0" b="0"/>
+      </a:lnRef>
+      <a:fillRef idx="0">
+        <a:scrgbClr r="0" g="0" b="0"/>
+      </a:fillRef>
+      <a:effectRef idx="0">
+        <a:scrgbClr r="0" g="0" b="0"/>
+      </a:effectRef>
+      <a:fontRef idx="minor"/>
+    </dgm:style>
+  </dgm:styleLbl>
+  <dgm:styleLbl name="parChTrans1D3">
+    <dgm:scene3d>
+      <a:camera prst="orthographicFront"/>
+      <a:lightRig rig="threePt" dir="t"/>
+    </dgm:scene3d>
+    <dgm:sp3d/>
+    <dgm:txPr/>
+    <dgm:style>
+      <a:lnRef idx="2">
+        <a:scrgbClr r="0" g="0" b="0"/>
+      </a:lnRef>
+      <a:fillRef idx="0">
+        <a:scrgbClr r="0" g="0" b="0"/>
+      </a:fillRef>
+      <a:effectRef idx="0">
+        <a:scrgbClr r="0" g="0" b="0"/>
+      </a:effectRef>
+      <a:fontRef idx="minor"/>
+    </dgm:style>
+  </dgm:styleLbl>
+  <dgm:styleLbl name="parChTrans1D4">
+    <dgm:scene3d>
+      <a:camera prst="orthographicFront"/>
+      <a:lightRig rig="threePt" dir="t"/>
+    </dgm:scene3d>
+    <dgm:sp3d/>
+    <dgm:txPr/>
+    <dgm:style>
+      <a:lnRef idx="2">
+        <a:scrgbClr r="0" g="0" b="0"/>
+      </a:lnRef>
+      <a:fillRef idx="0">
+        <a:scrgbClr r="0" g="0" b="0"/>
+      </a:fillRef>
+      <a:effectRef idx="0">
+        <a:scrgbClr r="0" g="0" b="0"/>
+      </a:effectRef>
+      <a:fontRef idx="minor"/>
+    </dgm:style>
+  </dgm:styleLbl>
+  <dgm:styleLbl name="fgAcc1">
+    <dgm:scene3d>
+      <a:camera prst="orthographicFront"/>
+      <a:lightRig rig="threePt" dir="t"/>
+    </dgm:scene3d>
+    <dgm:sp3d/>
+    <dgm:txPr/>
+    <dgm:style>
+      <a:lnRef idx="2">
+        <a:scrgbClr r="0" g="0" b="0"/>
+      </a:lnRef>
+      <a:fillRef idx="1">
+        <a:scrgbClr r="0" g="0" b="0"/>
+      </a:fillRef>
+      <a:effectRef idx="0">
+        <a:scrgbClr r="0" g="0" b="0"/>
+      </a:effectRef>
+      <a:fontRef idx="minor"/>
+    </dgm:style>
+  </dgm:styleLbl>
+  <dgm:styleLbl name="conFgAcc1">
+    <dgm:scene3d>
+      <a:camera prst="orthographicFront"/>
+      <a:lightRig rig="threePt" dir="t"/>
+    </dgm:scene3d>
+    <dgm:sp3d/>
+    <dgm:txPr/>
+    <dgm:style>
+      <a:lnRef idx="2">
+        <a:scrgbClr r="0" g="0" b="0"/>
+      </a:lnRef>
+      <a:fillRef idx="1">
+        <a:scrgbClr r="0" g="0" b="0"/>
+      </a:fillRef>
+      <a:effectRef idx="0">
+        <a:scrgbClr r="0" g="0" b="0"/>
+      </a:effectRef>
+      <a:fontRef idx="minor"/>
+    </dgm:style>
+  </dgm:styleLbl>
+  <dgm:styleLbl name="alignAcc1">
+    <dgm:scene3d>
+      <a:camera prst="orthographicFront"/>
+      <a:lightRig rig="threePt" dir="t"/>
+    </dgm:scene3d>
+    <dgm:sp3d/>
+    <dgm:txPr/>
+    <dgm:style>
+      <a:lnRef idx="2">
+        <a:scrgbClr r="0" g="0" b="0"/>
+      </a:lnRef>
+      <a:fillRef idx="1">
+        <a:scrgbClr r="0" g="0" b="0"/>
+      </a:fillRef>
+      <a:effectRef idx="0">
+        <a:scrgbClr r="0" g="0" b="0"/>
+      </a:effectRef>
+      <a:fontRef idx="minor"/>
+    </dgm:style>
+  </dgm:styleLbl>
+  <dgm:styleLbl name="trAlignAcc1">
+    <dgm:scene3d>
+      <a:camera prst="orthographicFront"/>
+      <a:lightRig rig="threePt" dir="t"/>
+    </dgm:scene3d>
+    <dgm:sp3d/>
+    <dgm:txPr/>
+    <dgm:style>
+      <a:lnRef idx="1">
+        <a:scrgbClr r="0" g="0" b="0"/>
+      </a:lnRef>
+      <a:fillRef idx="1">
+        <a:scrgbClr r="0" g="0" b="0"/>
+      </a:fillRef>
+      <a:effectRef idx="0">
+        <a:scrgbClr r="0" g="0" b="0"/>
+      </a:effectRef>
+      <a:fontRef idx="minor"/>
+    </dgm:style>
+  </dgm:styleLbl>
+  <dgm:styleLbl name="bgAcc1">
+    <dgm:scene3d>
+      <a:camera prst="orthographicFront"/>
+      <a:lightRig rig="threePt" dir="t"/>
+    </dgm:scene3d>
+    <dgm:sp3d/>
+    <dgm:txPr/>
+    <dgm:style>
+      <a:lnRef idx="2">
+        <a:scrgbClr r="0" g="0" b="0"/>
+      </a:lnRef>
+      <a:fillRef idx="1">
+        <a:scrgbClr r="0" g="0" b="0"/>
+      </a:fillRef>
+      <a:effectRef idx="0">
+        <a:scrgbClr r="0" g="0" b="0"/>
+      </a:effectRef>
+      <a:fontRef idx="minor"/>
+    </dgm:style>
+  </dgm:styleLbl>
+  <dgm:styleLbl name="solidFgAcc1">
+    <dgm:scene3d>
+      <a:camera prst="orthographicFront"/>
+      <a:lightRig rig="threePt" dir="t"/>
+    </dgm:scene3d>
+    <dgm:sp3d/>
+    <dgm:txPr/>
+    <dgm:style>
+      <a:lnRef idx="2">
+        <a:scrgbClr r="0" g="0" b="0"/>
+      </a:lnRef>
+      <a:fillRef idx="1">
+        <a:scrgbClr r="0" g="0" b="0"/>
+      </a:fillRef>
+      <a:effectRef idx="0">
+        <a:scrgbClr r="0" g="0" b="0"/>
+      </a:effectRef>
+      <a:fontRef idx="minor"/>
+    </dgm:style>
+  </dgm:styleLbl>
+  <dgm:styleLbl name="solidAlignAcc1">
+    <dgm:scene3d>
+      <a:camera prst="orthographicFront"/>
+      <a:lightRig rig="threePt" dir="t"/>
+    </dgm:scene3d>
+    <dgm:sp3d/>
+    <dgm:txPr/>
+    <dgm:style>
+      <a:lnRef idx="2">
+        <a:scrgbClr r="0" g="0" b="0"/>
+      </a:lnRef>
+      <a:fillRef idx="1">
+        <a:scrgbClr r="0" g="0" b="0"/>
+      </a:fillRef>
+      <a:effectRef idx="0">
+        <a:scrgbClr r="0" g="0" b="0"/>
+      </a:effectRef>
+      <a:fontRef idx="minor"/>
+    </dgm:style>
+  </dgm:styleLbl>
+  <dgm:styleLbl name="solidBgAcc1">
+    <dgm:scene3d>
+      <a:camera prst="orthographicFront"/>
+      <a:lightRig rig="threePt" dir="t"/>
+    </dgm:scene3d>
+    <dgm:sp3d/>
+    <dgm:txPr/>
+    <dgm:style>
+      <a:lnRef idx="2">
+        <a:scrgbClr r="0" g="0" b="0"/>
+      </a:lnRef>
+      <a:fillRef idx="1">
+        <a:scrgbClr r="0" g="0" b="0"/>
+      </a:fillRef>
+      <a:effectRef idx="0">
+        <a:scrgbClr r="0" g="0" b="0"/>
+      </a:effectRef>
+      <a:fontRef idx="minor"/>
+    </dgm:style>
+  </dgm:styleLbl>
+  <dgm:styleLbl name="fgAccFollowNode1">
+    <dgm:scene3d>
+      <a:camera prst="orthographicFront"/>
+      <a:lightRig rig="threePt" dir="t"/>
+    </dgm:scene3d>
+    <dgm:sp3d/>
+    <dgm:txPr/>
+    <dgm:style>
+      <a:lnRef idx="2">
+        <a:scrgbClr r="0" g="0" b="0"/>
+      </a:lnRef>
+      <a:fillRef idx="1">
+        <a:scrgbClr r="0" g="0" b="0"/>
+      </a:fillRef>
+      <a:effectRef idx="0">
+        <a:scrgbClr r="0" g="0" b="0"/>
+      </a:effectRef>
+      <a:fontRef idx="minor"/>
+    </dgm:style>
+  </dgm:styleLbl>
+  <dgm:styleLbl name="alignAccFollowNode1">
+    <dgm:scene3d>
+      <a:camera prst="orthographicFront"/>
+      <a:lightRig rig="threePt" dir="t"/>
+    </dgm:scene3d>
+    <dgm:sp3d/>
+    <dgm:txPr/>
+    <dgm:style>
+      <a:lnRef idx="2">
+        <a:scrgbClr r="0" g="0" b="0"/>
+      </a:lnRef>
+      <a:fillRef idx="1">
+        <a:scrgbClr r="0" g="0" b="0"/>
+      </a:fillRef>
+      <a:effectRef idx="0">
+        <a:scrgbClr r="0" g="0" b="0"/>
+      </a:effectRef>
+      <a:fontRef idx="minor"/>
+    </dgm:style>
+  </dgm:styleLbl>
+  <dgm:styleLbl name="bgAccFollowNode1">
+    <dgm:scene3d>
+      <a:camera prst="orthographicFront"/>
+      <a:lightRig rig="threePt" dir="t"/>
+    </dgm:scene3d>
+    <dgm:sp3d/>
+    <dgm:txPr/>
+    <dgm:style>
+      <a:lnRef idx="2">
+        <a:scrgbClr r="0" g="0" b="0"/>
+      </a:lnRef>
+      <a:fillRef idx="1">
+        <a:scrgbClr r="0" g="0" b="0"/>
+      </a:fillRef>
+      <a:effectRef idx="0">
+        <a:scrgbClr r="0" g="0" b="0"/>
+      </a:effectRef>
+      <a:fontRef idx="minor"/>
+    </dgm:style>
+  </dgm:styleLbl>
+  <dgm:styleLbl name="fgAcc0">
+    <dgm:scene3d>
+      <a:camera prst="orthographicFront"/>
+      <a:lightRig rig="threePt" dir="t"/>
+    </dgm:scene3d>
+    <dgm:sp3d/>
+    <dgm:txPr/>
+    <dgm:style>
+      <a:lnRef idx="2">
+        <a:scrgbClr r="0" g="0" b="0"/>
+      </a:lnRef>
+      <a:fillRef idx="1">
+        <a:scrgbClr r="0" g="0" b="0"/>
+      </a:fillRef>
+      <a:effectRef idx="0">
+        <a:scrgbClr r="0" g="0" b="0"/>
+      </a:effectRef>
+      <a:fontRef idx="minor"/>
+    </dgm:style>
+  </dgm:styleLbl>
+  <dgm:styleLbl name="fgAcc2">
+    <dgm:scene3d>
+      <a:camera prst="orthographicFront"/>
+      <a:lightRig rig="threePt" dir="t"/>
+    </dgm:scene3d>
+    <dgm:sp3d/>
+    <dgm:txPr/>
+    <dgm:style>
+      <a:lnRef idx="2">
+        <a:scrgbClr r="0" g="0" b="0"/>
+      </a:lnRef>
+      <a:fillRef idx="1">
+        <a:scrgbClr r="0" g="0" b="0"/>
+      </a:fillRef>
+      <a:effectRef idx="0">
+        <a:scrgbClr r="0" g="0" b="0"/>
+      </a:effectRef>
+      <a:fontRef idx="minor"/>
+    </dgm:style>
+  </dgm:styleLbl>
+  <dgm:styleLbl name="fgAcc3">
+    <dgm:scene3d>
+      <a:camera prst="orthographicFront"/>
+      <a:lightRig rig="threePt" dir="t"/>
+    </dgm:scene3d>
+    <dgm:sp3d/>
+    <dgm:txPr/>
+    <dgm:style>
+      <a:lnRef idx="2">
+        <a:scrgbClr r="0" g="0" b="0"/>
+      </a:lnRef>
+      <a:fillRef idx="1">
+        <a:scrgbClr r="0" g="0" b="0"/>
+      </a:fillRef>
+      <a:effectRef idx="0">
+        <a:scrgbClr r="0" g="0" b="0"/>
+      </a:effectRef>
+      <a:fontRef idx="minor"/>
+    </dgm:style>
+  </dgm:styleLbl>
+  <dgm:styleLbl name="fgAcc4">
+    <dgm:scene3d>
+      <a:camera prst="orthographicFront"/>
+      <a:lightRig rig="threePt" dir="t"/>
+    </dgm:scene3d>
+    <dgm:sp3d/>
+    <dgm:txPr/>
+    <dgm:style>
+      <a:lnRef idx="2">
+        <a:scrgbClr r="0" g="0" b="0"/>
+      </a:lnRef>
+      <a:fillRef idx="1">
+        <a:scrgbClr r="0" g="0" b="0"/>
+      </a:fillRef>
+      <a:effectRef idx="0">
+        <a:scrgbClr r="0" g="0" b="0"/>
+      </a:effectRef>
+      <a:fontRef idx="minor"/>
+    </dgm:style>
+  </dgm:styleLbl>
+  <dgm:styleLbl name="bgShp">
+    <dgm:scene3d>
+      <a:camera prst="orthographicFront"/>
+      <a:lightRig rig="threePt" dir="t"/>
+    </dgm:scene3d>
+    <dgm:sp3d/>
+    <dgm:txPr/>
+    <dgm:style>
+      <a:lnRef idx="0">
+        <a:scrgbClr r="0" g="0" b="0"/>
+      </a:lnRef>
+      <a:fillRef idx="1">
+        <a:scrgbClr r="0" g="0" b="0"/>
+      </a:fillRef>
+      <a:effectRef idx="0">
+        <a:scrgbClr r="0" g="0" b="0"/>
+      </a:effectRef>
+      <a:fontRef idx="minor"/>
+    </dgm:style>
+  </dgm:styleLbl>
+  <dgm:styleLbl name="dkBgShp">
+    <dgm:scene3d>
+      <a:camera prst="orthographicFront"/>
+      <a:lightRig rig="threePt" dir="t"/>
+    </dgm:scene3d>
+    <dgm:sp3d/>
+    <dgm:txPr/>
+    <dgm:style>
+      <a:lnRef idx="0">
+        <a:scrgbClr r="0" g="0" b="0"/>
+      </a:lnRef>
+      <a:fillRef idx="1">
+        <a:scrgbClr r="0" g="0" b="0"/>
+      </a:fillRef>
+      <a:effectRef idx="0">
+        <a:scrgbClr r="0" g="0" b="0"/>
+      </a:effectRef>
+      <a:fontRef idx="minor"/>
+    </dgm:style>
+  </dgm:styleLbl>
+  <dgm:styleLbl name="trBgShp">
+    <dgm:scene3d>
+      <a:camera prst="orthographicFront"/>
+      <a:lightRig rig="threePt" dir="t"/>
+    </dgm:scene3d>
+    <dgm:sp3d/>
+    <dgm:txPr/>
+    <dgm:style>
+      <a:lnRef idx="0">
+        <a:scrgbClr r="0" g="0" b="0"/>
+      </a:lnRef>
+      <a:fillRef idx="1">
+        <a:scrgbClr r="0" g="0" b="0"/>
+      </a:fillRef>
+      <a:effectRef idx="0">
+        <a:scrgbClr r="0" g="0" b="0"/>
+      </a:effectRef>
+      <a:fontRef idx="minor"/>
+    </dgm:style>
+  </dgm:styleLbl>
+  <dgm:styleLbl name="fgShp">
+    <dgm:scene3d>
+      <a:camera prst="orthographicFront"/>
+      <a:lightRig rig="threePt" dir="t"/>
+    </dgm:scene3d>
+    <dgm:sp3d/>
+    <dgm:txPr/>
+    <dgm:style>
+      <a:lnRef idx="2">
+        <a:scrgbClr r="0" g="0" b="0"/>
+      </a:lnRef>
+      <a:fillRef idx="1">
+        <a:scrgbClr r="0" g="0" b="0"/>
+      </a:fillRef>
+      <a:effectRef idx="0">
+        <a:scrgbClr r="0" g="0" b="0"/>
+      </a:effectRef>
+      <a:fontRef idx="minor"/>
+    </dgm:style>
+  </dgm:styleLbl>
+  <dgm:styleLbl name="revTx">
+    <dgm:scene3d>
+      <a:camera prst="orthographicFront"/>
+      <a:lightRig rig="threePt" dir="t"/>
+    </dgm:scene3d>
+    <dgm:sp3d/>
+    <dgm:txPr/>
+    <dgm:style>
+      <a:lnRef idx="0">
+        <a:scrgbClr r="0" g="0" b="0"/>
+      </a:lnRef>
+      <a:fillRef idx="0">
+        <a:scrgbClr r="0" g="0" b="0"/>
+      </a:fillRef>
+      <a:effectRef idx="0">
+        <a:scrgbClr r="0" g="0" b="0"/>
+      </a:effectRef>
+      <a:fontRef idx="minor"/>
+    </dgm:style>
+  </dgm:styleLbl>
+</dgm:styleDef>
 </file>
 
 <file path=ppt/notesMasters/notesMaster1.xml><?xml version="1.0" encoding="utf-8"?>
@@ -242,7 +2716,7 @@
           <a:p>
             <a:fld id="{005CC382-AF05-4256-B699-A89F13873124}" type="datetimeFigureOut">
               <a:rPr lang="en-CA" smtClean="0"/>
-              <a:t>2023-03-22</a:t>
+              <a:t>2023-03-23</a:t>
             </a:fld>
             <a:endParaRPr lang="en-CA"/>
           </a:p>
@@ -575,7 +3049,7 @@
           <a:p>
             <a:fld id="{406DC430-8259-49BD-A3AF-7901CB5ACC58}" type="slidenum">
               <a:rPr lang="en-CA" smtClean="0"/>
-              <a:t>5</a:t>
+              <a:t>8</a:t>
             </a:fld>
             <a:endParaRPr lang="en-CA"/>
           </a:p>
@@ -584,7 +3058,7 @@
     </p:spTree>
     <p:extLst>
       <p:ext uri="{BB962C8B-B14F-4D97-AF65-F5344CB8AC3E}">
-        <p14:creationId xmlns:p14="http://schemas.microsoft.com/office/powerpoint/2010/main" val="4058138701"/>
+        <p14:creationId xmlns:p14="http://schemas.microsoft.com/office/powerpoint/2010/main" val="1744818706"/>
       </p:ext>
     </p:extLst>
   </p:cSld>
@@ -790,7 +3264,7 @@
           <a:p>
             <a:fld id="{1D8BD707-D9CF-40AE-B4C6-C98DA3205C09}" type="datetimeFigureOut">
               <a:rPr lang="en-US" smtClean="0"/>
-              <a:t>3/22/2023</a:t>
+              <a:t>3/23/2023</a:t>
             </a:fld>
             <a:endParaRPr lang="en-US"/>
           </a:p>
@@ -1011,7 +3485,7 @@
           <a:p>
             <a:fld id="{1D8BD707-D9CF-40AE-B4C6-C98DA3205C09}" type="datetimeFigureOut">
               <a:rPr lang="en-US" smtClean="0"/>
-              <a:t>3/22/2023</a:t>
+              <a:t>3/23/2023</a:t>
             </a:fld>
             <a:endParaRPr lang="en-US"/>
           </a:p>
@@ -1191,7 +3665,7 @@
           <a:p>
             <a:fld id="{1D8BD707-D9CF-40AE-B4C6-C98DA3205C09}" type="datetimeFigureOut">
               <a:rPr lang="en-US" smtClean="0"/>
-              <a:t>3/22/2023</a:t>
+              <a:t>3/23/2023</a:t>
             </a:fld>
             <a:endParaRPr lang="en-US"/>
           </a:p>
@@ -1361,7 +3835,7 @@
           <a:p>
             <a:fld id="{1D8BD707-D9CF-40AE-B4C6-C98DA3205C09}" type="datetimeFigureOut">
               <a:rPr lang="en-US" smtClean="0"/>
-              <a:t>3/22/2023</a:t>
+              <a:t>3/23/2023</a:t>
             </a:fld>
             <a:endParaRPr lang="en-US"/>
           </a:p>
@@ -1612,7 +4086,7 @@
           <a:p>
             <a:fld id="{1D8BD707-D9CF-40AE-B4C6-C98DA3205C09}" type="datetimeFigureOut">
               <a:rPr lang="en-US" smtClean="0"/>
-              <a:t>3/22/2023</a:t>
+              <a:t>3/23/2023</a:t>
             </a:fld>
             <a:endParaRPr lang="en-US"/>
           </a:p>
@@ -1935,7 +4409,7 @@
           <a:p>
             <a:fld id="{1D8BD707-D9CF-40AE-B4C6-C98DA3205C09}" type="datetimeFigureOut">
               <a:rPr lang="en-US" smtClean="0"/>
-              <a:t>3/22/2023</a:t>
+              <a:t>3/23/2023</a:t>
             </a:fld>
             <a:endParaRPr lang="en-US"/>
           </a:p>
@@ -2359,7 +4833,7 @@
           <a:p>
             <a:fld id="{1D8BD707-D9CF-40AE-B4C6-C98DA3205C09}" type="datetimeFigureOut">
               <a:rPr lang="en-US" smtClean="0"/>
-              <a:t>3/22/2023</a:t>
+              <a:t>3/23/2023</a:t>
             </a:fld>
             <a:endParaRPr lang="en-US"/>
           </a:p>
@@ -2477,7 +4951,7 @@
           <a:p>
             <a:fld id="{1D8BD707-D9CF-40AE-B4C6-C98DA3205C09}" type="datetimeFigureOut">
               <a:rPr lang="en-US" smtClean="0"/>
-              <a:t>3/22/2023</a:t>
+              <a:t>3/23/2023</a:t>
             </a:fld>
             <a:endParaRPr lang="en-US"/>
           </a:p>
@@ -2572,7 +5046,7 @@
           <a:p>
             <a:fld id="{1D8BD707-D9CF-40AE-B4C6-C98DA3205C09}" type="datetimeFigureOut">
               <a:rPr lang="en-US" smtClean="0"/>
-              <a:t>3/22/2023</a:t>
+              <a:t>3/23/2023</a:t>
             </a:fld>
             <a:endParaRPr lang="en-US"/>
           </a:p>
@@ -2862,7 +5336,7 @@
           <a:p>
             <a:fld id="{1D8BD707-D9CF-40AE-B4C6-C98DA3205C09}" type="datetimeFigureOut">
               <a:rPr lang="en-US" smtClean="0"/>
-              <a:t>3/22/2023</a:t>
+              <a:t>3/23/2023</a:t>
             </a:fld>
             <a:endParaRPr lang="en-US"/>
           </a:p>
@@ -3134,7 +5608,7 @@
           <a:p>
             <a:fld id="{1D8BD707-D9CF-40AE-B4C6-C98DA3205C09}" type="datetimeFigureOut">
               <a:rPr lang="en-US" smtClean="0"/>
-              <a:t>3/22/2023</a:t>
+              <a:t>3/23/2023</a:t>
             </a:fld>
             <a:endParaRPr lang="en-US"/>
           </a:p>
@@ -3388,7 +5862,7 @@
           <a:p>
             <a:fld id="{1D8BD707-D9CF-40AE-B4C6-C98DA3205C09}" type="datetimeFigureOut">
               <a:rPr lang="en-US" smtClean="0"/>
-              <a:t>3/22/2023</a:t>
+              <a:t>3/23/2023</a:t>
             </a:fld>
             <a:endParaRPr lang="en-US"/>
           </a:p>
@@ -4149,7 +6623,7 @@
                   <a:schemeClr val="bg1"/>
                 </a:solidFill>
               </a:rPr>
-              <a:t>Software ARCHITECTURE</a:t>
+              <a:t>Software ARCHITECTURE #1</a:t>
             </a:r>
           </a:p>
         </p:txBody>
@@ -4266,6 +6740,487 @@
 <file path=ppt/slides/slide10.xml><?xml version="1.0" encoding="utf-8"?>
 <p:sld xmlns:a="http://schemas.openxmlformats.org/drawingml/2006/main" xmlns:r="http://schemas.openxmlformats.org/officeDocument/2006/relationships" xmlns:p="http://schemas.openxmlformats.org/presentationml/2006/main">
   <p:cSld>
+    <p:spTree>
+      <p:nvGrpSpPr>
+        <p:cNvPr id="1" name=""/>
+        <p:cNvGrpSpPr/>
+        <p:nvPr/>
+      </p:nvGrpSpPr>
+      <p:grpSpPr>
+        <a:xfrm>
+          <a:off x="0" y="0"/>
+          <a:ext cx="0" cy="0"/>
+          <a:chOff x="0" y="0"/>
+          <a:chExt cx="0" cy="0"/>
+        </a:xfrm>
+      </p:grpSpPr>
+      <p:sp>
+        <p:nvSpPr>
+          <p:cNvPr id="2" name="Title 1">
+            <a:extLst>
+              <a:ext uri="{FF2B5EF4-FFF2-40B4-BE49-F238E27FC236}">
+                <a16:creationId xmlns:a16="http://schemas.microsoft.com/office/drawing/2014/main" id="{3026CE1B-C1C5-727D-7F9F-86350EB9401E}"/>
+              </a:ext>
+            </a:extLst>
+          </p:cNvPr>
+          <p:cNvSpPr>
+            <a:spLocks noGrp="1"/>
+          </p:cNvSpPr>
+          <p:nvPr>
+            <p:ph type="title"/>
+          </p:nvPr>
+        </p:nvSpPr>
+        <p:spPr/>
+        <p:txBody>
+          <a:bodyPr/>
+          <a:lstStyle/>
+          <a:p>
+            <a:r>
+              <a:rPr lang="en-CA" dirty="0"/>
+              <a:t>Parts of your application</a:t>
+            </a:r>
+          </a:p>
+        </p:txBody>
+      </p:sp>
+      <p:sp>
+        <p:nvSpPr>
+          <p:cNvPr id="3" name="Content Placeholder 2">
+            <a:extLst>
+              <a:ext uri="{FF2B5EF4-FFF2-40B4-BE49-F238E27FC236}">
+                <a16:creationId xmlns:a16="http://schemas.microsoft.com/office/drawing/2014/main" id="{03004AF0-81C8-9DE4-6C2D-98F08FC81F92}"/>
+              </a:ext>
+            </a:extLst>
+          </p:cNvPr>
+          <p:cNvSpPr>
+            <a:spLocks noGrp="1"/>
+          </p:cNvSpPr>
+          <p:nvPr>
+            <p:ph idx="1"/>
+          </p:nvPr>
+        </p:nvSpPr>
+        <p:spPr/>
+        <p:txBody>
+          <a:bodyPr/>
+          <a:lstStyle/>
+          <a:p>
+            <a:r>
+              <a:rPr lang="en-CA" dirty="0"/>
+              <a:t>UI</a:t>
+            </a:r>
+          </a:p>
+          <a:p>
+            <a:r>
+              <a:rPr lang="en-CA" dirty="0"/>
+              <a:t>Data Model </a:t>
+            </a:r>
+          </a:p>
+          <a:p>
+            <a:r>
+              <a:rPr lang="en-CA" dirty="0"/>
+              <a:t>Commands</a:t>
+            </a:r>
+          </a:p>
+          <a:p>
+            <a:r>
+              <a:rPr lang="en-CA" dirty="0"/>
+              <a:t>Infrastructure</a:t>
+            </a:r>
+          </a:p>
+          <a:p>
+            <a:r>
+              <a:rPr lang="en-CA" dirty="0"/>
+              <a:t>Tests </a:t>
+            </a:r>
+          </a:p>
+          <a:p>
+            <a:r>
+              <a:rPr lang="en-CA" dirty="0"/>
+              <a:t>Automation</a:t>
+            </a:r>
+          </a:p>
+        </p:txBody>
+      </p:sp>
+    </p:spTree>
+    <p:extLst>
+      <p:ext uri="{BB962C8B-B14F-4D97-AF65-F5344CB8AC3E}">
+        <p14:creationId xmlns:p14="http://schemas.microsoft.com/office/powerpoint/2010/main" val="4260045389"/>
+      </p:ext>
+    </p:extLst>
+  </p:cSld>
+  <p:clrMapOvr>
+    <a:masterClrMapping/>
+  </p:clrMapOvr>
+</p:sld>
+</file>
+
+<file path=ppt/slides/slide11.xml><?xml version="1.0" encoding="utf-8"?>
+<p:sld xmlns:a="http://schemas.openxmlformats.org/drawingml/2006/main" xmlns:r="http://schemas.openxmlformats.org/officeDocument/2006/relationships" xmlns:p="http://schemas.openxmlformats.org/presentationml/2006/main">
+  <p:cSld>
+    <p:spTree>
+      <p:nvGrpSpPr>
+        <p:cNvPr id="1" name=""/>
+        <p:cNvGrpSpPr/>
+        <p:nvPr/>
+      </p:nvGrpSpPr>
+      <p:grpSpPr>
+        <a:xfrm>
+          <a:off x="0" y="0"/>
+          <a:ext cx="0" cy="0"/>
+          <a:chOff x="0" y="0"/>
+          <a:chExt cx="0" cy="0"/>
+        </a:xfrm>
+      </p:grpSpPr>
+      <p:sp>
+        <p:nvSpPr>
+          <p:cNvPr id="2" name="Title 1">
+            <a:extLst>
+              <a:ext uri="{FF2B5EF4-FFF2-40B4-BE49-F238E27FC236}">
+                <a16:creationId xmlns:a16="http://schemas.microsoft.com/office/drawing/2014/main" id="{6459588D-B940-1CBD-EBB1-A097122DC0FB}"/>
+              </a:ext>
+            </a:extLst>
+          </p:cNvPr>
+          <p:cNvSpPr>
+            <a:spLocks noGrp="1"/>
+          </p:cNvSpPr>
+          <p:nvPr>
+            <p:ph type="title"/>
+          </p:nvPr>
+        </p:nvSpPr>
+        <p:spPr/>
+        <p:txBody>
+          <a:bodyPr/>
+          <a:lstStyle/>
+          <a:p>
+            <a:r>
+              <a:rPr lang="en-CA" dirty="0"/>
+              <a:t>Domain Model</a:t>
+            </a:r>
+          </a:p>
+        </p:txBody>
+      </p:sp>
+      <p:sp>
+        <p:nvSpPr>
+          <p:cNvPr id="3" name="Content Placeholder 2">
+            <a:extLst>
+              <a:ext uri="{FF2B5EF4-FFF2-40B4-BE49-F238E27FC236}">
+                <a16:creationId xmlns:a16="http://schemas.microsoft.com/office/drawing/2014/main" id="{A181FFD2-9A6C-F760-CCFA-7644F1350F70}"/>
+              </a:ext>
+            </a:extLst>
+          </p:cNvPr>
+          <p:cNvSpPr>
+            <a:spLocks noGrp="1"/>
+          </p:cNvSpPr>
+          <p:nvPr>
+            <p:ph idx="1"/>
+          </p:nvPr>
+        </p:nvSpPr>
+        <p:spPr/>
+        <p:txBody>
+          <a:bodyPr/>
+          <a:lstStyle/>
+          <a:p>
+            <a:r>
+              <a:rPr lang="en-CA" dirty="0"/>
+              <a:t>The shape</a:t>
+            </a:r>
+          </a:p>
+          <a:p>
+            <a:r>
+              <a:rPr lang="en-CA" dirty="0"/>
+              <a:t>The edits </a:t>
+            </a:r>
+          </a:p>
+        </p:txBody>
+      </p:sp>
+    </p:spTree>
+    <p:extLst>
+      <p:ext uri="{BB962C8B-B14F-4D97-AF65-F5344CB8AC3E}">
+        <p14:creationId xmlns:p14="http://schemas.microsoft.com/office/powerpoint/2010/main" val="40361416"/>
+      </p:ext>
+    </p:extLst>
+  </p:cSld>
+  <p:clrMapOvr>
+    <a:masterClrMapping/>
+  </p:clrMapOvr>
+</p:sld>
+</file>
+
+<file path=ppt/slides/slide12.xml><?xml version="1.0" encoding="utf-8"?>
+<p:sld xmlns:a="http://schemas.openxmlformats.org/drawingml/2006/main" xmlns:r="http://schemas.openxmlformats.org/officeDocument/2006/relationships" xmlns:p="http://schemas.openxmlformats.org/presentationml/2006/main">
+  <p:cSld>
+    <p:spTree>
+      <p:nvGrpSpPr>
+        <p:cNvPr id="1" name=""/>
+        <p:cNvGrpSpPr/>
+        <p:nvPr/>
+      </p:nvGrpSpPr>
+      <p:grpSpPr>
+        <a:xfrm>
+          <a:off x="0" y="0"/>
+          <a:ext cx="0" cy="0"/>
+          <a:chOff x="0" y="0"/>
+          <a:chExt cx="0" cy="0"/>
+        </a:xfrm>
+      </p:grpSpPr>
+      <p:sp>
+        <p:nvSpPr>
+          <p:cNvPr id="2" name="Title 1">
+            <a:extLst>
+              <a:ext uri="{FF2B5EF4-FFF2-40B4-BE49-F238E27FC236}">
+                <a16:creationId xmlns:a16="http://schemas.microsoft.com/office/drawing/2014/main" id="{7735CB83-E67B-6206-7713-6974F64F83F6}"/>
+              </a:ext>
+            </a:extLst>
+          </p:cNvPr>
+          <p:cNvSpPr>
+            <a:spLocks noGrp="1"/>
+          </p:cNvSpPr>
+          <p:nvPr>
+            <p:ph type="title"/>
+          </p:nvPr>
+        </p:nvSpPr>
+        <p:spPr/>
+        <p:txBody>
+          <a:bodyPr/>
+          <a:lstStyle/>
+          <a:p>
+            <a:r>
+              <a:rPr lang="en-CA" dirty="0"/>
+              <a:t>Models and Views</a:t>
+            </a:r>
+          </a:p>
+        </p:txBody>
+      </p:sp>
+      <p:sp>
+        <p:nvSpPr>
+          <p:cNvPr id="3" name="Content Placeholder 2">
+            <a:extLst>
+              <a:ext uri="{FF2B5EF4-FFF2-40B4-BE49-F238E27FC236}">
+                <a16:creationId xmlns:a16="http://schemas.microsoft.com/office/drawing/2014/main" id="{D88639CC-A1F7-875D-FC91-ED57FA596D6E}"/>
+              </a:ext>
+            </a:extLst>
+          </p:cNvPr>
+          <p:cNvSpPr>
+            <a:spLocks noGrp="1"/>
+          </p:cNvSpPr>
+          <p:nvPr>
+            <p:ph idx="1"/>
+          </p:nvPr>
+        </p:nvSpPr>
+        <p:spPr/>
+        <p:txBody>
+          <a:bodyPr/>
+          <a:lstStyle/>
+          <a:p>
+            <a:endParaRPr lang="en-CA" dirty="0"/>
+          </a:p>
+        </p:txBody>
+      </p:sp>
+    </p:spTree>
+    <p:extLst>
+      <p:ext uri="{BB962C8B-B14F-4D97-AF65-F5344CB8AC3E}">
+        <p14:creationId xmlns:p14="http://schemas.microsoft.com/office/powerpoint/2010/main" val="1192704473"/>
+      </p:ext>
+    </p:extLst>
+  </p:cSld>
+  <p:clrMapOvr>
+    <a:masterClrMapping/>
+  </p:clrMapOvr>
+</p:sld>
+</file>
+
+<file path=ppt/slides/slide13.xml><?xml version="1.0" encoding="utf-8"?>
+<p:sld xmlns:a="http://schemas.openxmlformats.org/drawingml/2006/main" xmlns:r="http://schemas.openxmlformats.org/officeDocument/2006/relationships" xmlns:p="http://schemas.openxmlformats.org/presentationml/2006/main">
+  <p:cSld>
+    <p:spTree>
+      <p:nvGrpSpPr>
+        <p:cNvPr id="1" name=""/>
+        <p:cNvGrpSpPr/>
+        <p:nvPr/>
+      </p:nvGrpSpPr>
+      <p:grpSpPr>
+        <a:xfrm>
+          <a:off x="0" y="0"/>
+          <a:ext cx="0" cy="0"/>
+          <a:chOff x="0" y="0"/>
+          <a:chExt cx="0" cy="0"/>
+        </a:xfrm>
+      </p:grpSpPr>
+      <p:sp>
+        <p:nvSpPr>
+          <p:cNvPr id="2" name="Title 1">
+            <a:extLst>
+              <a:ext uri="{FF2B5EF4-FFF2-40B4-BE49-F238E27FC236}">
+                <a16:creationId xmlns:a16="http://schemas.microsoft.com/office/drawing/2014/main" id="{6778CA6B-E7C6-9701-29C0-5E376A52DF62}"/>
+              </a:ext>
+            </a:extLst>
+          </p:cNvPr>
+          <p:cNvSpPr>
+            <a:spLocks noGrp="1"/>
+          </p:cNvSpPr>
+          <p:nvPr>
+            <p:ph type="title"/>
+          </p:nvPr>
+        </p:nvSpPr>
+        <p:spPr/>
+        <p:txBody>
+          <a:bodyPr/>
+          <a:lstStyle/>
+          <a:p>
+            <a:r>
+              <a:rPr lang="en-CA" dirty="0"/>
+              <a:t>MVC – Model View Controller</a:t>
+            </a:r>
+          </a:p>
+        </p:txBody>
+      </p:sp>
+      <p:sp>
+        <p:nvSpPr>
+          <p:cNvPr id="3" name="Content Placeholder 2">
+            <a:extLst>
+              <a:ext uri="{FF2B5EF4-FFF2-40B4-BE49-F238E27FC236}">
+                <a16:creationId xmlns:a16="http://schemas.microsoft.com/office/drawing/2014/main" id="{400CDD90-A57E-78B6-14AE-8532B899AF0C}"/>
+              </a:ext>
+            </a:extLst>
+          </p:cNvPr>
+          <p:cNvSpPr>
+            <a:spLocks noGrp="1"/>
+          </p:cNvSpPr>
+          <p:nvPr>
+            <p:ph idx="1"/>
+          </p:nvPr>
+        </p:nvSpPr>
+        <p:spPr/>
+        <p:txBody>
+          <a:bodyPr/>
+          <a:lstStyle/>
+          <a:p>
+            <a:r>
+              <a:rPr lang="en-CA" dirty="0"/>
+              <a:t>This is an architectural design pattern</a:t>
+            </a:r>
+          </a:p>
+          <a:p>
+            <a:r>
+              <a:rPr lang="en-CA" dirty="0"/>
+              <a:t>Based on the idea of separating UI from business logic</a:t>
+            </a:r>
+          </a:p>
+        </p:txBody>
+      </p:sp>
+    </p:spTree>
+    <p:extLst>
+      <p:ext uri="{BB962C8B-B14F-4D97-AF65-F5344CB8AC3E}">
+        <p14:creationId xmlns:p14="http://schemas.microsoft.com/office/powerpoint/2010/main" val="1610353294"/>
+      </p:ext>
+    </p:extLst>
+  </p:cSld>
+  <p:clrMapOvr>
+    <a:masterClrMapping/>
+  </p:clrMapOvr>
+</p:sld>
+</file>
+
+<file path=ppt/slides/slide14.xml><?xml version="1.0" encoding="utf-8"?>
+<p:sld xmlns:a="http://schemas.openxmlformats.org/drawingml/2006/main" xmlns:r="http://schemas.openxmlformats.org/officeDocument/2006/relationships" xmlns:p="http://schemas.openxmlformats.org/presentationml/2006/main">
+  <p:cSld>
+    <p:spTree>
+      <p:nvGrpSpPr>
+        <p:cNvPr id="1" name=""/>
+        <p:cNvGrpSpPr/>
+        <p:nvPr/>
+      </p:nvGrpSpPr>
+      <p:grpSpPr>
+        <a:xfrm>
+          <a:off x="0" y="0"/>
+          <a:ext cx="0" cy="0"/>
+          <a:chOff x="0" y="0"/>
+          <a:chExt cx="0" cy="0"/>
+        </a:xfrm>
+      </p:grpSpPr>
+      <p:sp>
+        <p:nvSpPr>
+          <p:cNvPr id="2" name="Title 1">
+            <a:extLst>
+              <a:ext uri="{FF2B5EF4-FFF2-40B4-BE49-F238E27FC236}">
+                <a16:creationId xmlns:a16="http://schemas.microsoft.com/office/drawing/2014/main" id="{06D41819-052E-41D2-EB83-66B307CEE276}"/>
+              </a:ext>
+            </a:extLst>
+          </p:cNvPr>
+          <p:cNvSpPr>
+            <a:spLocks noGrp="1"/>
+          </p:cNvSpPr>
+          <p:nvPr>
+            <p:ph type="title"/>
+          </p:nvPr>
+        </p:nvSpPr>
+        <p:spPr/>
+        <p:txBody>
+          <a:bodyPr/>
+          <a:lstStyle/>
+          <a:p>
+            <a:r>
+              <a:rPr lang="en-CA" dirty="0"/>
+              <a:t>Models, View, Controller</a:t>
+            </a:r>
+          </a:p>
+        </p:txBody>
+      </p:sp>
+      <p:sp>
+        <p:nvSpPr>
+          <p:cNvPr id="3" name="Content Placeholder 2">
+            <a:extLst>
+              <a:ext uri="{FF2B5EF4-FFF2-40B4-BE49-F238E27FC236}">
+                <a16:creationId xmlns:a16="http://schemas.microsoft.com/office/drawing/2014/main" id="{5F9EBBBE-D1D0-760A-52FA-9F1D693ED680}"/>
+              </a:ext>
+            </a:extLst>
+          </p:cNvPr>
+          <p:cNvSpPr>
+            <a:spLocks noGrp="1"/>
+          </p:cNvSpPr>
+          <p:nvPr>
+            <p:ph idx="1"/>
+          </p:nvPr>
+        </p:nvSpPr>
+        <p:spPr/>
+        <p:txBody>
+          <a:bodyPr/>
+          <a:lstStyle/>
+          <a:p>
+            <a:r>
+              <a:rPr lang="en-CA" dirty="0"/>
+              <a:t>Model is the state of the application and the rules of its behavior</a:t>
+            </a:r>
+          </a:p>
+          <a:p>
+            <a:r>
+              <a:rPr lang="en-CA" dirty="0"/>
+              <a:t>View is the visual representation of data</a:t>
+            </a:r>
+          </a:p>
+          <a:p>
+            <a:r>
+              <a:rPr lang="en-CA" dirty="0"/>
+              <a:t>Controller communicates user interactions to the model </a:t>
+            </a:r>
+          </a:p>
+        </p:txBody>
+      </p:sp>
+    </p:spTree>
+    <p:extLst>
+      <p:ext uri="{BB962C8B-B14F-4D97-AF65-F5344CB8AC3E}">
+        <p14:creationId xmlns:p14="http://schemas.microsoft.com/office/powerpoint/2010/main" val="2955681445"/>
+      </p:ext>
+    </p:extLst>
+  </p:cSld>
+  <p:clrMapOvr>
+    <a:masterClrMapping/>
+  </p:clrMapOvr>
+</p:sld>
+</file>
+
+<file path=ppt/slides/slide15.xml><?xml version="1.0" encoding="utf-8"?>
+<p:sld xmlns:a="http://schemas.openxmlformats.org/drawingml/2006/main" xmlns:r="http://schemas.openxmlformats.org/officeDocument/2006/relationships" xmlns:p="http://schemas.openxmlformats.org/presentationml/2006/main">
+  <p:cSld>
     <p:bg>
       <p:bgPr>
         <a:solidFill>
@@ -4290,7 +7245,7 @@
       </p:grpSpPr>
       <p:sp>
         <p:nvSpPr>
-          <p:cNvPr id="12" name="Rectangle 11">
+          <p:cNvPr id="1031" name="Rectangle 1030">
             <a:extLst>
               <a:ext uri="{FF2B5EF4-FFF2-40B4-BE49-F238E27FC236}">
                 <a16:creationId xmlns:a16="http://schemas.microsoft.com/office/drawing/2014/main" id="{BA2EA6A6-CD0C-4CFD-8EC2-AA44F9870331}"/>
@@ -4345,10 +7300,10 @@
       </p:sp>
       <p:sp>
         <p:nvSpPr>
-          <p:cNvPr id="4" name="Title 3">
+          <p:cNvPr id="2" name="Title 1">
             <a:extLst>
               <a:ext uri="{FF2B5EF4-FFF2-40B4-BE49-F238E27FC236}">
-                <a16:creationId xmlns:a16="http://schemas.microsoft.com/office/drawing/2014/main" id="{16C88128-D8BC-D69A-99C7-056F4112786F}"/>
+                <a16:creationId xmlns:a16="http://schemas.microsoft.com/office/drawing/2014/main" id="{6E876441-FED2-7900-D943-9EA18231B03D}"/>
               </a:ext>
             </a:extLst>
           </p:cNvPr>
@@ -4373,47 +7328,63 @@
           <a:p>
             <a:r>
               <a:rPr lang="en-CA" sz="4800"/>
-              <a:t>Classes that are just data</a:t>
+              <a:t>User, View, Controller</a:t>
             </a:r>
           </a:p>
         </p:txBody>
       </p:sp>
       <p:pic>
         <p:nvPicPr>
-          <p:cNvPr id="7" name="Picture 6">
+          <p:cNvPr id="1026" name="Picture 2" descr="undefined">
             <a:extLst>
               <a:ext uri="{FF2B5EF4-FFF2-40B4-BE49-F238E27FC236}">
-                <a16:creationId xmlns:a16="http://schemas.microsoft.com/office/drawing/2014/main" id="{9EB0C0BC-D70A-135E-B7D8-3ACFC81CD60D}"/>
+                <a16:creationId xmlns:a16="http://schemas.microsoft.com/office/drawing/2014/main" id="{F35CE035-A1A4-0B5A-741B-C237D1955C68}"/>
               </a:ext>
             </a:extLst>
           </p:cNvPr>
           <p:cNvPicPr>
-            <a:picLocks noChangeAspect="1"/>
+            <a:picLocks noChangeAspect="1" noChangeArrowheads="1"/>
           </p:cNvPicPr>
           <p:nvPr/>
         </p:nvPicPr>
         <p:blipFill>
-          <a:blip r:embed="rId2"/>
+          <a:blip r:embed="rId2">
+            <a:extLst>
+              <a:ext uri="{28A0092B-C50C-407E-A947-70E740481C1C}">
+                <a14:useLocalDpi xmlns:a14="http://schemas.microsoft.com/office/drawing/2010/main" val="0"/>
+              </a:ext>
+            </a:extLst>
+          </a:blip>
           <a:stretch>
             <a:fillRect/>
           </a:stretch>
         </p:blipFill>
-        <p:spPr>
+        <p:spPr bwMode="auto">
           <a:xfrm>
-            <a:off x="1308096" y="1753144"/>
-            <a:ext cx="9068364" cy="6777739"/>
+            <a:off x="2333771" y="1286512"/>
+            <a:ext cx="7017013" cy="7711004"/>
           </a:xfrm>
           <a:prstGeom prst="rect">
             <a:avLst/>
           </a:prstGeom>
+          <a:noFill/>
+          <a:extLst>
+            <a:ext uri="{909E8E84-426E-40DD-AFC4-6F175D3DCCD1}">
+              <a14:hiddenFill xmlns:a14="http://schemas.microsoft.com/office/drawing/2010/main">
+                <a:solidFill>
+                  <a:srgbClr val="FFFFFF"/>
+                </a:solidFill>
+              </a14:hiddenFill>
+            </a:ext>
+          </a:extLst>
         </p:spPr>
       </p:pic>
       <p:sp>
         <p:nvSpPr>
-          <p:cNvPr id="5" name="Content Placeholder 4">
+          <p:cNvPr id="3" name="Content Placeholder 2">
             <a:extLst>
               <a:ext uri="{FF2B5EF4-FFF2-40B4-BE49-F238E27FC236}">
-                <a16:creationId xmlns:a16="http://schemas.microsoft.com/office/drawing/2014/main" id="{15942F36-5A28-4513-EC71-A9598EA35059}"/>
+                <a16:creationId xmlns:a16="http://schemas.microsoft.com/office/drawing/2014/main" id="{3D2C36CF-0F15-D72B-CB80-6E5457B4915A}"/>
               </a:ext>
             </a:extLst>
           </p:cNvPr>
@@ -4438,19 +7409,13 @@
           <a:p>
             <a:r>
               <a:rPr lang="en-CA" sz="2400" dirty="0"/>
-              <a:t>In general classes should be immutable</a:t>
+              <a:t>The user sees the view</a:t>
             </a:r>
           </a:p>
           <a:p>
             <a:r>
               <a:rPr lang="en-CA" sz="2400" dirty="0"/>
-              <a:t>Sometimes it doesn’t make sense</a:t>
-            </a:r>
-          </a:p>
-          <a:p>
-            <a:r>
-              <a:rPr lang="en-CA" sz="2400" dirty="0"/>
-              <a:t>Consider the shape class</a:t>
+              <a:t>Interactions are sent to the controller </a:t>
             </a:r>
           </a:p>
         </p:txBody>
@@ -4458,7 +7423,7 @@
     </p:spTree>
     <p:extLst>
       <p:ext uri="{BB962C8B-B14F-4D97-AF65-F5344CB8AC3E}">
-        <p14:creationId xmlns:p14="http://schemas.microsoft.com/office/powerpoint/2010/main" val="2532344934"/>
+        <p14:creationId xmlns:p14="http://schemas.microsoft.com/office/powerpoint/2010/main" val="791404666"/>
       </p:ext>
     </p:extLst>
   </p:cSld>
@@ -4468,9 +7433,17 @@
 </p:sld>
 </file>
 
-<file path=ppt/slides/slide11.xml><?xml version="1.0" encoding="utf-8"?>
+<file path=ppt/slides/slide16.xml><?xml version="1.0" encoding="utf-8"?>
 <p:sld xmlns:a="http://schemas.openxmlformats.org/drawingml/2006/main" xmlns:r="http://schemas.openxmlformats.org/officeDocument/2006/relationships" xmlns:p="http://schemas.openxmlformats.org/presentationml/2006/main">
   <p:cSld>
+    <p:bg>
+      <p:bgPr>
+        <a:solidFill>
+          <a:schemeClr val="bg1"/>
+        </a:solidFill>
+        <a:effectLst/>
+      </p:bgPr>
+    </p:bg>
     <p:spTree>
       <p:nvGrpSpPr>
         <p:cNvPr id="1" name=""/>
@@ -4487,10 +7460,326 @@
       </p:grpSpPr>
       <p:sp>
         <p:nvSpPr>
+          <p:cNvPr id="8" name="Rectangle 7">
+            <a:extLst>
+              <a:ext uri="{FF2B5EF4-FFF2-40B4-BE49-F238E27FC236}">
+                <a16:creationId xmlns:a16="http://schemas.microsoft.com/office/drawing/2014/main" id="{00C4F1C3-3ADD-491F-8C66-57912A242177}"/>
+              </a:ext>
+              <a:ext uri="{C183D7F6-B498-43B3-948B-1728B52AA6E4}">
+                <adec:decorative xmlns:adec="http://schemas.microsoft.com/office/drawing/2017/decorative" val="1"/>
+              </a:ext>
+            </a:extLst>
+          </p:cNvPr>
+          <p:cNvSpPr>
+            <a:spLocks noGrp="1" noRot="1" noChangeAspect="1" noMove="1" noResize="1" noEditPoints="1" noAdjustHandles="1" noChangeArrowheads="1" noChangeShapeType="1" noTextEdit="1"/>
+          </p:cNvSpPr>
+          <p:nvPr>
+            <p:extLst>
+              <p:ext uri="{386F3935-93C4-4BCD-93E2-E3B085C9AB24}">
+                <p16:designElem xmlns:p16="http://schemas.microsoft.com/office/powerpoint/2015/main" val="1"/>
+              </p:ext>
+            </p:extLst>
+          </p:nvPr>
+        </p:nvSpPr>
+        <p:spPr>
+          <a:xfrm>
+            <a:off x="346710" y="365760"/>
+            <a:ext cx="17586960" cy="9566908"/>
+          </a:xfrm>
+          <a:prstGeom prst="rect">
+            <a:avLst/>
+          </a:prstGeom>
+          <a:solidFill>
+            <a:schemeClr val="bg1"/>
+          </a:solidFill>
+          <a:ln w="12700">
+            <a:noFill/>
+          </a:ln>
+        </p:spPr>
+        <p:style>
+          <a:lnRef idx="2">
+            <a:schemeClr val="accent1">
+              <a:shade val="50000"/>
+            </a:schemeClr>
+          </a:lnRef>
+          <a:fillRef idx="1">
+            <a:schemeClr val="accent1"/>
+          </a:fillRef>
+          <a:effectRef idx="0">
+            <a:schemeClr val="accent1"/>
+          </a:effectRef>
+          <a:fontRef idx="minor">
+            <a:schemeClr val="lt1"/>
+          </a:fontRef>
+        </p:style>
+      </p:sp>
+      <p:sp>
+        <p:nvSpPr>
+          <p:cNvPr id="10" name="Rectangle 9">
+            <a:extLst>
+              <a:ext uri="{FF2B5EF4-FFF2-40B4-BE49-F238E27FC236}">
+                <a16:creationId xmlns:a16="http://schemas.microsoft.com/office/drawing/2014/main" id="{0B323FE0-DFB0-4368-A3C2-FC1402A98C03}"/>
+              </a:ext>
+              <a:ext uri="{C183D7F6-B498-43B3-948B-1728B52AA6E4}">
+                <adec:decorative xmlns:adec="http://schemas.microsoft.com/office/drawing/2017/decorative" val="1"/>
+              </a:ext>
+            </a:extLst>
+          </p:cNvPr>
+          <p:cNvSpPr>
+            <a:spLocks noGrp="1" noRot="1" noChangeAspect="1" noMove="1" noResize="1" noEditPoints="1" noAdjustHandles="1" noChangeArrowheads="1" noChangeShapeType="1" noTextEdit="1"/>
+          </p:cNvSpPr>
+          <p:nvPr>
+            <p:extLst>
+              <p:ext uri="{386F3935-93C4-4BCD-93E2-E3B085C9AB24}">
+                <p16:designElem xmlns:p16="http://schemas.microsoft.com/office/powerpoint/2015/main" val="1"/>
+              </p:ext>
+            </p:extLst>
+          </p:nvPr>
+        </p:nvSpPr>
+        <p:spPr>
+          <a:xfrm>
+            <a:off x="346710" y="365760"/>
+            <a:ext cx="17586960" cy="9566908"/>
+          </a:xfrm>
+          <a:prstGeom prst="rect">
+            <a:avLst/>
+          </a:prstGeom>
+          <a:solidFill>
+            <a:schemeClr val="accent1"/>
+          </a:solidFill>
+          <a:ln w="12700">
+            <a:solidFill>
+              <a:srgbClr val="FFFFFF"/>
+            </a:solidFill>
+          </a:ln>
+        </p:spPr>
+        <p:style>
+          <a:lnRef idx="2">
+            <a:schemeClr val="accent1">
+              <a:shade val="50000"/>
+            </a:schemeClr>
+          </a:lnRef>
+          <a:fillRef idx="1">
+            <a:schemeClr val="accent1"/>
+          </a:fillRef>
+          <a:effectRef idx="0">
+            <a:schemeClr val="accent1"/>
+          </a:effectRef>
+          <a:fontRef idx="minor">
+            <a:schemeClr val="lt1"/>
+          </a:fontRef>
+        </p:style>
+      </p:sp>
+      <p:cxnSp>
+        <p:nvCxnSpPr>
+          <p:cNvPr id="12" name="Straight Connector 11">
+            <a:extLst>
+              <a:ext uri="{FF2B5EF4-FFF2-40B4-BE49-F238E27FC236}">
+                <a16:creationId xmlns:a16="http://schemas.microsoft.com/office/drawing/2014/main" id="{E4BCA77F-6A46-46C1-822E-DF8DB6F08D5A}"/>
+              </a:ext>
+              <a:ext uri="{C183D7F6-B498-43B3-948B-1728B52AA6E4}">
+                <adec:decorative xmlns:adec="http://schemas.microsoft.com/office/drawing/2017/decorative" val="1"/>
+              </a:ext>
+            </a:extLst>
+          </p:cNvPr>
+          <p:cNvCxnSpPr>
+            <a:cxnSpLocks noGrp="1" noRot="1" noChangeAspect="1" noMove="1" noResize="1" noEditPoints="1" noAdjustHandles="1" noChangeArrowheads="1" noChangeShapeType="1"/>
+          </p:cNvCxnSpPr>
+          <p:nvPr>
+            <p:extLst>
+              <p:ext uri="{386F3935-93C4-4BCD-93E2-E3B085C9AB24}">
+                <p16:designElem xmlns:p16="http://schemas.microsoft.com/office/powerpoint/2015/main" val="1"/>
+              </p:ext>
+            </p:extLst>
+          </p:nvPr>
+        </p:nvCxnSpPr>
+        <p:spPr>
+          <a:xfrm>
+            <a:off x="2967990" y="5600700"/>
+            <a:ext cx="12344401" cy="0"/>
+          </a:xfrm>
+          <a:prstGeom prst="line">
+            <a:avLst/>
+          </a:prstGeom>
+          <a:ln>
+            <a:solidFill>
+              <a:srgbClr val="FFFFFF"/>
+            </a:solidFill>
+          </a:ln>
+        </p:spPr>
+        <p:style>
+          <a:lnRef idx="1">
+            <a:schemeClr val="accent1"/>
+          </a:lnRef>
+          <a:fillRef idx="0">
+            <a:schemeClr val="accent1"/>
+          </a:fillRef>
+          <a:effectRef idx="0">
+            <a:schemeClr val="accent1"/>
+          </a:effectRef>
+          <a:fontRef idx="minor">
+            <a:schemeClr val="tx1"/>
+          </a:fontRef>
+        </p:style>
+      </p:cxnSp>
+      <p:sp>
+        <p:nvSpPr>
+          <p:cNvPr id="14" name="Rectangle 13">
+            <a:extLst>
+              <a:ext uri="{FF2B5EF4-FFF2-40B4-BE49-F238E27FC236}">
+                <a16:creationId xmlns:a16="http://schemas.microsoft.com/office/drawing/2014/main" id="{A62E6B9D-7061-462E-8947-2825B75789B9}"/>
+              </a:ext>
+              <a:ext uri="{C183D7F6-B498-43B3-948B-1728B52AA6E4}">
+                <adec:decorative xmlns:adec="http://schemas.microsoft.com/office/drawing/2017/decorative" val="1"/>
+              </a:ext>
+            </a:extLst>
+          </p:cNvPr>
+          <p:cNvSpPr>
+            <a:spLocks noGrp="1" noRot="1" noChangeAspect="1" noMove="1" noResize="1" noEditPoints="1" noAdjustHandles="1" noChangeArrowheads="1" noChangeShapeType="1" noTextEdit="1"/>
+          </p:cNvSpPr>
+          <p:nvPr>
+            <p:extLst>
+              <p:ext uri="{386F3935-93C4-4BCD-93E2-E3B085C9AB24}">
+                <p16:designElem xmlns:p16="http://schemas.microsoft.com/office/powerpoint/2015/main" val="1"/>
+              </p:ext>
+            </p:extLst>
+          </p:nvPr>
+        </p:nvSpPr>
+        <p:spPr>
+          <a:xfrm>
+            <a:off x="0" y="0"/>
+            <a:ext cx="18288000" cy="10287000"/>
+          </a:xfrm>
+          <a:prstGeom prst="rect">
+            <a:avLst/>
+          </a:prstGeom>
+          <a:solidFill>
+            <a:schemeClr val="accent3"/>
+          </a:solidFill>
+          <a:ln w="12700" cmpd="sng">
+            <a:noFill/>
+          </a:ln>
+        </p:spPr>
+        <p:style>
+          <a:lnRef idx="2">
+            <a:schemeClr val="accent1">
+              <a:shade val="50000"/>
+            </a:schemeClr>
+          </a:lnRef>
+          <a:fillRef idx="1">
+            <a:schemeClr val="accent1"/>
+          </a:fillRef>
+          <a:effectRef idx="0">
+            <a:schemeClr val="accent1"/>
+          </a:effectRef>
+          <a:fontRef idx="minor">
+            <a:schemeClr val="lt1"/>
+          </a:fontRef>
+        </p:style>
+      </p:sp>
+      <p:sp useBgFill="1">
+        <p:nvSpPr>
+          <p:cNvPr id="16" name="Rectangle 15">
+            <a:extLst>
+              <a:ext uri="{FF2B5EF4-FFF2-40B4-BE49-F238E27FC236}">
+                <a16:creationId xmlns:a16="http://schemas.microsoft.com/office/drawing/2014/main" id="{EBCBE66D-4E28-4F31-90A0-960C40C59C7D}"/>
+              </a:ext>
+              <a:ext uri="{C183D7F6-B498-43B3-948B-1728B52AA6E4}">
+                <adec:decorative xmlns:adec="http://schemas.microsoft.com/office/drawing/2017/decorative" val="1"/>
+              </a:ext>
+            </a:extLst>
+          </p:cNvPr>
+          <p:cNvSpPr>
+            <a:spLocks noGrp="1" noRot="1" noChangeAspect="1" noMove="1" noResize="1" noEditPoints="1" noAdjustHandles="1" noChangeArrowheads="1" noChangeShapeType="1" noTextEdit="1"/>
+          </p:cNvSpPr>
+          <p:nvPr>
+            <p:extLst>
+              <p:ext uri="{386F3935-93C4-4BCD-93E2-E3B085C9AB24}">
+                <p16:designElem xmlns:p16="http://schemas.microsoft.com/office/powerpoint/2015/main" val="1"/>
+              </p:ext>
+            </p:extLst>
+          </p:nvPr>
+        </p:nvSpPr>
+        <p:spPr>
+          <a:xfrm>
+            <a:off x="346710" y="365760"/>
+            <a:ext cx="17586960" cy="9566908"/>
+          </a:xfrm>
+          <a:prstGeom prst="rect">
+            <a:avLst/>
+          </a:prstGeom>
+          <a:ln w="12700">
+            <a:noFill/>
+          </a:ln>
+        </p:spPr>
+        <p:style>
+          <a:lnRef idx="2">
+            <a:schemeClr val="accent1">
+              <a:shade val="50000"/>
+            </a:schemeClr>
+          </a:lnRef>
+          <a:fillRef idx="1">
+            <a:schemeClr val="accent1"/>
+          </a:fillRef>
+          <a:effectRef idx="0">
+            <a:schemeClr val="accent1"/>
+          </a:effectRef>
+          <a:fontRef idx="minor">
+            <a:schemeClr val="lt1"/>
+          </a:fontRef>
+        </p:style>
+      </p:sp>
+      <p:sp>
+        <p:nvSpPr>
+          <p:cNvPr id="3" name="Content Placeholder 2">
+            <a:extLst>
+              <a:ext uri="{FF2B5EF4-FFF2-40B4-BE49-F238E27FC236}">
+                <a16:creationId xmlns:a16="http://schemas.microsoft.com/office/drawing/2014/main" id="{476861A8-2EE3-A9F6-B8DE-A418E6A33A22}"/>
+              </a:ext>
+            </a:extLst>
+          </p:cNvPr>
+          <p:cNvSpPr>
+            <a:spLocks noGrp="1"/>
+          </p:cNvSpPr>
+          <p:nvPr>
+            <p:ph idx="1"/>
+          </p:nvPr>
+        </p:nvSpPr>
+        <p:spPr>
+          <a:xfrm>
+            <a:off x="1714494" y="6325737"/>
+            <a:ext cx="14839126" cy="2474007"/>
+          </a:xfrm>
+        </p:spPr>
+        <p:txBody>
+          <a:bodyPr vert="horz" lIns="91440" tIns="45720" rIns="91440" bIns="45720" rtlCol="0" anchor="t">
+            <a:normAutofit/>
+          </a:bodyPr>
+          <a:lstStyle/>
+          <a:p>
+            <a:pPr marL="0" indent="0" defTabSz="914400">
+              <a:spcBef>
+                <a:spcPts val="1400"/>
+              </a:spcBef>
+              <a:buNone/>
+            </a:pPr>
+            <a:r>
+              <a:rPr lang="en-US" sz="4200" dirty="0">
+                <a:solidFill>
+                  <a:schemeClr val="accent3"/>
+                </a:solidFill>
+              </a:rPr>
+              <a:t>The form is both the view and the controller.</a:t>
+            </a:r>
+          </a:p>
+        </p:txBody>
+      </p:sp>
+      <p:sp>
+        <p:nvSpPr>
           <p:cNvPr id="2" name="Title 1">
             <a:extLst>
               <a:ext uri="{FF2B5EF4-FFF2-40B4-BE49-F238E27FC236}">
-                <a16:creationId xmlns:a16="http://schemas.microsoft.com/office/drawing/2014/main" id="{49947924-FD07-374C-DCA1-51DC392B64FD}"/>
+                <a16:creationId xmlns:a16="http://schemas.microsoft.com/office/drawing/2014/main" id="{A97B1125-20AF-A6DF-17B6-7A6CBB1DBBA9}"/>
               </a:ext>
             </a:extLst>
           </p:cNvPr>
@@ -4501,465 +7790,42 @@
             <p:ph type="title"/>
           </p:nvPr>
         </p:nvSpPr>
-        <p:spPr/>
-        <p:txBody>
-          <a:bodyPr/>
+        <p:spPr>
+          <a:xfrm>
+            <a:off x="1714494" y="798394"/>
+            <a:ext cx="14839126" cy="5527343"/>
+          </a:xfrm>
+          <a:noFill/>
+          <a:ln w="12700" cmpd="sng">
+            <a:noFill/>
+          </a:ln>
+        </p:spPr>
+        <p:txBody>
+          <a:bodyPr vert="horz" lIns="91440" tIns="45720" rIns="91440" bIns="45720" rtlCol="0" anchor="b">
+            <a:normAutofit/>
+          </a:bodyPr>
           <a:lstStyle/>
           <a:p>
-            <a:r>
-              <a:rPr lang="en-CA" dirty="0"/>
-              <a:t>Drawing</a:t>
-            </a:r>
-          </a:p>
-        </p:txBody>
-      </p:sp>
-      <p:sp>
-        <p:nvSpPr>
-          <p:cNvPr id="3" name="Content Placeholder 2">
-            <a:extLst>
-              <a:ext uri="{FF2B5EF4-FFF2-40B4-BE49-F238E27FC236}">
-                <a16:creationId xmlns:a16="http://schemas.microsoft.com/office/drawing/2014/main" id="{7164E99F-730A-57A8-8ED9-A3E9E454E8F4}"/>
-              </a:ext>
-            </a:extLst>
-          </p:cNvPr>
-          <p:cNvSpPr>
-            <a:spLocks noGrp="1"/>
-          </p:cNvSpPr>
-          <p:nvPr>
-            <p:ph idx="1"/>
-          </p:nvPr>
-        </p:nvSpPr>
-        <p:spPr/>
-        <p:txBody>
-          <a:bodyPr/>
-          <a:lstStyle/>
-          <a:p>
-            <a:endParaRPr lang="en-CA"/>
+            <a:pPr defTabSz="914400">
+              <a:lnSpc>
+                <a:spcPct val="85000"/>
+              </a:lnSpc>
+            </a:pPr>
+            <a:r>
+              <a:rPr lang="en-US" b="1" cap="all" dirty="0">
+                <a:solidFill>
+                  <a:schemeClr val="tx1"/>
+                </a:solidFill>
+              </a:rPr>
+              <a:t>In a Windows forms application?</a:t>
+            </a:r>
           </a:p>
         </p:txBody>
       </p:sp>
     </p:spTree>
     <p:extLst>
       <p:ext uri="{BB962C8B-B14F-4D97-AF65-F5344CB8AC3E}">
-        <p14:creationId xmlns:p14="http://schemas.microsoft.com/office/powerpoint/2010/main" val="558767170"/>
-      </p:ext>
-    </p:extLst>
-  </p:cSld>
-  <p:clrMapOvr>
-    <a:masterClrMapping/>
-  </p:clrMapOvr>
-</p:sld>
-</file>
-
-<file path=ppt/slides/slide12.xml><?xml version="1.0" encoding="utf-8"?>
-<p:sld xmlns:a="http://schemas.openxmlformats.org/drawingml/2006/main" xmlns:r="http://schemas.openxmlformats.org/officeDocument/2006/relationships" xmlns:p="http://schemas.openxmlformats.org/presentationml/2006/main">
-  <p:cSld>
-    <p:spTree>
-      <p:nvGrpSpPr>
-        <p:cNvPr id="1" name=""/>
-        <p:cNvGrpSpPr/>
-        <p:nvPr/>
-      </p:nvGrpSpPr>
-      <p:grpSpPr>
-        <a:xfrm>
-          <a:off x="0" y="0"/>
-          <a:ext cx="0" cy="0"/>
-          <a:chOff x="0" y="0"/>
-          <a:chExt cx="0" cy="0"/>
-        </a:xfrm>
-      </p:grpSpPr>
-      <p:sp>
-        <p:nvSpPr>
-          <p:cNvPr id="2" name="Title 1">
-            <a:extLst>
-              <a:ext uri="{FF2B5EF4-FFF2-40B4-BE49-F238E27FC236}">
-                <a16:creationId xmlns:a16="http://schemas.microsoft.com/office/drawing/2014/main" id="{75A66B00-72A0-48CC-F958-C927A1CD23C6}"/>
-              </a:ext>
-            </a:extLst>
-          </p:cNvPr>
-          <p:cNvSpPr>
-            <a:spLocks noGrp="1"/>
-          </p:cNvSpPr>
-          <p:nvPr>
-            <p:ph type="title"/>
-          </p:nvPr>
-        </p:nvSpPr>
-        <p:spPr/>
-        <p:txBody>
-          <a:bodyPr/>
-          <a:lstStyle/>
-          <a:p>
-            <a:r>
-              <a:rPr lang="en-CA" dirty="0"/>
-              <a:t>Useful Events</a:t>
-            </a:r>
-          </a:p>
-        </p:txBody>
-      </p:sp>
-      <p:sp>
-        <p:nvSpPr>
-          <p:cNvPr id="3" name="Content Placeholder 2">
-            <a:extLst>
-              <a:ext uri="{FF2B5EF4-FFF2-40B4-BE49-F238E27FC236}">
-                <a16:creationId xmlns:a16="http://schemas.microsoft.com/office/drawing/2014/main" id="{A05E8BE0-3A25-3877-A1D0-32DD3716D92E}"/>
-              </a:ext>
-            </a:extLst>
-          </p:cNvPr>
-          <p:cNvSpPr>
-            <a:spLocks noGrp="1"/>
-          </p:cNvSpPr>
-          <p:nvPr>
-            <p:ph idx="1"/>
-          </p:nvPr>
-        </p:nvSpPr>
-        <p:spPr/>
-        <p:txBody>
-          <a:bodyPr/>
-          <a:lstStyle/>
-          <a:p>
-            <a:endParaRPr lang="en-CA"/>
-          </a:p>
-        </p:txBody>
-      </p:sp>
-    </p:spTree>
-    <p:extLst>
-      <p:ext uri="{BB962C8B-B14F-4D97-AF65-F5344CB8AC3E}">
-        <p14:creationId xmlns:p14="http://schemas.microsoft.com/office/powerpoint/2010/main" val="3091258591"/>
-      </p:ext>
-    </p:extLst>
-  </p:cSld>
-  <p:clrMapOvr>
-    <a:masterClrMapping/>
-  </p:clrMapOvr>
-</p:sld>
-</file>
-
-<file path=ppt/slides/slide13.xml><?xml version="1.0" encoding="utf-8"?>
-<p:sld xmlns:a="http://schemas.openxmlformats.org/drawingml/2006/main" xmlns:r="http://schemas.openxmlformats.org/officeDocument/2006/relationships" xmlns:p="http://schemas.openxmlformats.org/presentationml/2006/main">
-  <p:cSld>
-    <p:spTree>
-      <p:nvGrpSpPr>
-        <p:cNvPr id="1" name=""/>
-        <p:cNvGrpSpPr/>
-        <p:nvPr/>
-      </p:nvGrpSpPr>
-      <p:grpSpPr>
-        <a:xfrm>
-          <a:off x="0" y="0"/>
-          <a:ext cx="0" cy="0"/>
-          <a:chOff x="0" y="0"/>
-          <a:chExt cx="0" cy="0"/>
-        </a:xfrm>
-      </p:grpSpPr>
-      <p:sp>
-        <p:nvSpPr>
-          <p:cNvPr id="2" name="Title 1">
-            <a:extLst>
-              <a:ext uri="{FF2B5EF4-FFF2-40B4-BE49-F238E27FC236}">
-                <a16:creationId xmlns:a16="http://schemas.microsoft.com/office/drawing/2014/main" id="{CB5250C1-F1CF-BC61-C08D-EEF175FAF309}"/>
-              </a:ext>
-            </a:extLst>
-          </p:cNvPr>
-          <p:cNvSpPr>
-            <a:spLocks noGrp="1"/>
-          </p:cNvSpPr>
-          <p:nvPr>
-            <p:ph type="title"/>
-          </p:nvPr>
-        </p:nvSpPr>
-        <p:spPr/>
-        <p:txBody>
-          <a:bodyPr/>
-          <a:lstStyle/>
-          <a:p>
-            <a:r>
-              <a:rPr lang="en-CA" dirty="0"/>
-              <a:t>Designing for Testing</a:t>
-            </a:r>
-          </a:p>
-        </p:txBody>
-      </p:sp>
-      <p:sp>
-        <p:nvSpPr>
-          <p:cNvPr id="3" name="Content Placeholder 2">
-            <a:extLst>
-              <a:ext uri="{FF2B5EF4-FFF2-40B4-BE49-F238E27FC236}">
-                <a16:creationId xmlns:a16="http://schemas.microsoft.com/office/drawing/2014/main" id="{03B616BD-BE48-5DB2-1307-9968D50E8EF4}"/>
-              </a:ext>
-            </a:extLst>
-          </p:cNvPr>
-          <p:cNvSpPr>
-            <a:spLocks noGrp="1"/>
-          </p:cNvSpPr>
-          <p:nvPr>
-            <p:ph idx="1"/>
-          </p:nvPr>
-        </p:nvSpPr>
-        <p:spPr/>
-        <p:txBody>
-          <a:bodyPr/>
-          <a:lstStyle/>
-          <a:p>
-            <a:endParaRPr lang="en-CA"/>
-          </a:p>
-        </p:txBody>
-      </p:sp>
-    </p:spTree>
-    <p:extLst>
-      <p:ext uri="{BB962C8B-B14F-4D97-AF65-F5344CB8AC3E}">
-        <p14:creationId xmlns:p14="http://schemas.microsoft.com/office/powerpoint/2010/main" val="2705000656"/>
-      </p:ext>
-    </p:extLst>
-  </p:cSld>
-  <p:clrMapOvr>
-    <a:masterClrMapping/>
-  </p:clrMapOvr>
-</p:sld>
-</file>
-
-<file path=ppt/slides/slide14.xml><?xml version="1.0" encoding="utf-8"?>
-<p:sld xmlns:a="http://schemas.openxmlformats.org/drawingml/2006/main" xmlns:r="http://schemas.openxmlformats.org/officeDocument/2006/relationships" xmlns:p="http://schemas.openxmlformats.org/presentationml/2006/main">
-  <p:cSld>
-    <p:spTree>
-      <p:nvGrpSpPr>
-        <p:cNvPr id="1" name=""/>
-        <p:cNvGrpSpPr/>
-        <p:nvPr/>
-      </p:nvGrpSpPr>
-      <p:grpSpPr>
-        <a:xfrm>
-          <a:off x="0" y="0"/>
-          <a:ext cx="0" cy="0"/>
-          <a:chOff x="0" y="0"/>
-          <a:chExt cx="0" cy="0"/>
-        </a:xfrm>
-      </p:grpSpPr>
-      <p:sp>
-        <p:nvSpPr>
-          <p:cNvPr id="2" name="Title 1">
-            <a:extLst>
-              <a:ext uri="{FF2B5EF4-FFF2-40B4-BE49-F238E27FC236}">
-                <a16:creationId xmlns:a16="http://schemas.microsoft.com/office/drawing/2014/main" id="{6C77026A-4E6F-F753-8BB8-DFC4DF2D7C19}"/>
-              </a:ext>
-            </a:extLst>
-          </p:cNvPr>
-          <p:cNvSpPr>
-            <a:spLocks noGrp="1"/>
-          </p:cNvSpPr>
-          <p:nvPr>
-            <p:ph type="title"/>
-          </p:nvPr>
-        </p:nvSpPr>
-        <p:spPr/>
-        <p:txBody>
-          <a:bodyPr/>
-          <a:lstStyle/>
-          <a:p>
-            <a:r>
-              <a:rPr lang="en-CA" dirty="0"/>
-              <a:t>Error Handling</a:t>
-            </a:r>
-          </a:p>
-        </p:txBody>
-      </p:sp>
-      <p:sp>
-        <p:nvSpPr>
-          <p:cNvPr id="3" name="Content Placeholder 2">
-            <a:extLst>
-              <a:ext uri="{FF2B5EF4-FFF2-40B4-BE49-F238E27FC236}">
-                <a16:creationId xmlns:a16="http://schemas.microsoft.com/office/drawing/2014/main" id="{E439D476-E815-0E3D-E87C-F8E03D3727A6}"/>
-              </a:ext>
-            </a:extLst>
-          </p:cNvPr>
-          <p:cNvSpPr>
-            <a:spLocks noGrp="1"/>
-          </p:cNvSpPr>
-          <p:nvPr>
-            <p:ph idx="1"/>
-          </p:nvPr>
-        </p:nvSpPr>
-        <p:spPr/>
-        <p:txBody>
-          <a:bodyPr/>
-          <a:lstStyle/>
-          <a:p>
-            <a:endParaRPr lang="en-CA"/>
-          </a:p>
-        </p:txBody>
-      </p:sp>
-    </p:spTree>
-    <p:extLst>
-      <p:ext uri="{BB962C8B-B14F-4D97-AF65-F5344CB8AC3E}">
-        <p14:creationId xmlns:p14="http://schemas.microsoft.com/office/powerpoint/2010/main" val="2788869589"/>
-      </p:ext>
-    </p:extLst>
-  </p:cSld>
-  <p:clrMapOvr>
-    <a:masterClrMapping/>
-  </p:clrMapOvr>
-</p:sld>
-</file>
-
-<file path=ppt/slides/slide15.xml><?xml version="1.0" encoding="utf-8"?>
-<p:sld xmlns:a="http://schemas.openxmlformats.org/drawingml/2006/main" xmlns:r="http://schemas.openxmlformats.org/officeDocument/2006/relationships" xmlns:p="http://schemas.openxmlformats.org/presentationml/2006/main">
-  <p:cSld>
-    <p:spTree>
-      <p:nvGrpSpPr>
-        <p:cNvPr id="1" name=""/>
-        <p:cNvGrpSpPr/>
-        <p:nvPr/>
-      </p:nvGrpSpPr>
-      <p:grpSpPr>
-        <a:xfrm>
-          <a:off x="0" y="0"/>
-          <a:ext cx="0" cy="0"/>
-          <a:chOff x="0" y="0"/>
-          <a:chExt cx="0" cy="0"/>
-        </a:xfrm>
-      </p:grpSpPr>
-      <p:sp>
-        <p:nvSpPr>
-          <p:cNvPr id="2" name="Title 1">
-            <a:extLst>
-              <a:ext uri="{FF2B5EF4-FFF2-40B4-BE49-F238E27FC236}">
-                <a16:creationId xmlns:a16="http://schemas.microsoft.com/office/drawing/2014/main" id="{BB14E9B6-0181-7C80-BAEA-CCDBA95B5542}"/>
-              </a:ext>
-            </a:extLst>
-          </p:cNvPr>
-          <p:cNvSpPr>
-            <a:spLocks noGrp="1"/>
-          </p:cNvSpPr>
-          <p:nvPr>
-            <p:ph type="title"/>
-          </p:nvPr>
-        </p:nvSpPr>
-        <p:spPr/>
-        <p:txBody>
-          <a:bodyPr/>
-          <a:lstStyle/>
-          <a:p>
-            <a:r>
-              <a:rPr lang="en-CA" dirty="0"/>
-              <a:t>Logging</a:t>
-            </a:r>
-          </a:p>
-        </p:txBody>
-      </p:sp>
-      <p:sp>
-        <p:nvSpPr>
-          <p:cNvPr id="3" name="Content Placeholder 2">
-            <a:extLst>
-              <a:ext uri="{FF2B5EF4-FFF2-40B4-BE49-F238E27FC236}">
-                <a16:creationId xmlns:a16="http://schemas.microsoft.com/office/drawing/2014/main" id="{7C17E7AE-1D66-3B8F-F18E-80231E216B22}"/>
-              </a:ext>
-            </a:extLst>
-          </p:cNvPr>
-          <p:cNvSpPr>
-            <a:spLocks noGrp="1"/>
-          </p:cNvSpPr>
-          <p:nvPr>
-            <p:ph idx="1"/>
-          </p:nvPr>
-        </p:nvSpPr>
-        <p:spPr/>
-        <p:txBody>
-          <a:bodyPr/>
-          <a:lstStyle/>
-          <a:p>
-            <a:r>
-              <a:rPr lang="en-CA"/>
-              <a:t>Performing diagnostics can </a:t>
-            </a:r>
-          </a:p>
-        </p:txBody>
-      </p:sp>
-    </p:spTree>
-    <p:extLst>
-      <p:ext uri="{BB962C8B-B14F-4D97-AF65-F5344CB8AC3E}">
-        <p14:creationId xmlns:p14="http://schemas.microsoft.com/office/powerpoint/2010/main" val="175333897"/>
-      </p:ext>
-    </p:extLst>
-  </p:cSld>
-  <p:clrMapOvr>
-    <a:masterClrMapping/>
-  </p:clrMapOvr>
-</p:sld>
-</file>
-
-<file path=ppt/slides/slide16.xml><?xml version="1.0" encoding="utf-8"?>
-<p:sld xmlns:a="http://schemas.openxmlformats.org/drawingml/2006/main" xmlns:r="http://schemas.openxmlformats.org/officeDocument/2006/relationships" xmlns:p="http://schemas.openxmlformats.org/presentationml/2006/main">
-  <p:cSld>
-    <p:spTree>
-      <p:nvGrpSpPr>
-        <p:cNvPr id="1" name=""/>
-        <p:cNvGrpSpPr/>
-        <p:nvPr/>
-      </p:nvGrpSpPr>
-      <p:grpSpPr>
-        <a:xfrm>
-          <a:off x="0" y="0"/>
-          <a:ext cx="0" cy="0"/>
-          <a:chOff x="0" y="0"/>
-          <a:chExt cx="0" cy="0"/>
-        </a:xfrm>
-      </p:grpSpPr>
-      <p:sp>
-        <p:nvSpPr>
-          <p:cNvPr id="2" name="Title 1">
-            <a:extLst>
-              <a:ext uri="{FF2B5EF4-FFF2-40B4-BE49-F238E27FC236}">
-                <a16:creationId xmlns:a16="http://schemas.microsoft.com/office/drawing/2014/main" id="{471467BB-F961-ED83-A0C0-C97524BBB21D}"/>
-              </a:ext>
-            </a:extLst>
-          </p:cNvPr>
-          <p:cNvSpPr>
-            <a:spLocks noGrp="1"/>
-          </p:cNvSpPr>
-          <p:nvPr>
-            <p:ph type="title"/>
-          </p:nvPr>
-        </p:nvSpPr>
-        <p:spPr/>
-        <p:txBody>
-          <a:bodyPr/>
-          <a:lstStyle/>
-          <a:p>
-            <a:r>
-              <a:rPr lang="en-CA" dirty="0"/>
-              <a:t>Code Organization</a:t>
-            </a:r>
-          </a:p>
-        </p:txBody>
-      </p:sp>
-      <p:sp>
-        <p:nvSpPr>
-          <p:cNvPr id="3" name="Content Placeholder 2">
-            <a:extLst>
-              <a:ext uri="{FF2B5EF4-FFF2-40B4-BE49-F238E27FC236}">
-                <a16:creationId xmlns:a16="http://schemas.microsoft.com/office/drawing/2014/main" id="{EFD25854-D965-8B01-0397-AB99FDD78461}"/>
-              </a:ext>
-            </a:extLst>
-          </p:cNvPr>
-          <p:cNvSpPr>
-            <a:spLocks noGrp="1"/>
-          </p:cNvSpPr>
-          <p:nvPr>
-            <p:ph idx="1"/>
-          </p:nvPr>
-        </p:nvSpPr>
-        <p:spPr/>
-        <p:txBody>
-          <a:bodyPr/>
-          <a:lstStyle/>
-          <a:p>
-            <a:endParaRPr lang="en-CA"/>
-          </a:p>
-        </p:txBody>
-      </p:sp>
-    </p:spTree>
-    <p:extLst>
-      <p:ext uri="{BB962C8B-B14F-4D97-AF65-F5344CB8AC3E}">
-        <p14:creationId xmlns:p14="http://schemas.microsoft.com/office/powerpoint/2010/main" val="3961641034"/>
+        <p14:creationId xmlns:p14="http://schemas.microsoft.com/office/powerpoint/2010/main" val="1524162989"/>
       </p:ext>
     </p:extLst>
   </p:cSld>
@@ -4991,7 +7857,7 @@
           <p:cNvPr id="2" name="Title 1">
             <a:extLst>
               <a:ext uri="{FF2B5EF4-FFF2-40B4-BE49-F238E27FC236}">
-                <a16:creationId xmlns:a16="http://schemas.microsoft.com/office/drawing/2014/main" id="{7D7113DC-707F-FB21-2D7E-9D8246A2EC99}"/>
+                <a16:creationId xmlns:a16="http://schemas.microsoft.com/office/drawing/2014/main" id="{3285C3F0-7ED9-1097-C5A8-722B8A5D7228}"/>
               </a:ext>
             </a:extLst>
           </p:cNvPr>
@@ -5009,7 +7875,7 @@
           <a:p>
             <a:r>
               <a:rPr lang="en-CA" dirty="0"/>
-              <a:t>All the things an Application can Do </a:t>
+              <a:t>Should you use it?</a:t>
             </a:r>
           </a:p>
         </p:txBody>
@@ -5019,7 +7885,7 @@
           <p:cNvPr id="3" name="Content Placeholder 2">
             <a:extLst>
               <a:ext uri="{FF2B5EF4-FFF2-40B4-BE49-F238E27FC236}">
-                <a16:creationId xmlns:a16="http://schemas.microsoft.com/office/drawing/2014/main" id="{E1DB8868-04B6-7E9B-220F-EBD35348BA03}"/>
+                <a16:creationId xmlns:a16="http://schemas.microsoft.com/office/drawing/2014/main" id="{D22AC0DA-C413-B577-F2C9-AB7AA7623BFF}"/>
               </a:ext>
             </a:extLst>
           </p:cNvPr>
@@ -5035,14 +7901,38 @@
           <a:bodyPr/>
           <a:lstStyle/>
           <a:p>
-            <a:endParaRPr lang="en-CA"/>
+            <a:r>
+              <a:rPr lang="en-CA" dirty="0"/>
+              <a:t>Only if it solves a problem </a:t>
+            </a:r>
+          </a:p>
+          <a:p>
+            <a:r>
+              <a:rPr lang="en-CA" dirty="0"/>
+              <a:t>You would use it by adding a controller object to your application that is responsible for responding to user events</a:t>
+            </a:r>
+          </a:p>
+          <a:p>
+            <a:r>
+              <a:rPr lang="en-CA" dirty="0"/>
+              <a:t>All actions would route through it </a:t>
+            </a:r>
+          </a:p>
+          <a:p>
+            <a:r>
+              <a:rPr lang="en-CA" dirty="0"/>
+              <a:t>I don’t recommend this pattern for the final project.  </a:t>
+            </a:r>
+          </a:p>
+          <a:p>
+            <a:endParaRPr lang="en-CA" dirty="0"/>
           </a:p>
         </p:txBody>
       </p:sp>
     </p:spTree>
     <p:extLst>
       <p:ext uri="{BB962C8B-B14F-4D97-AF65-F5344CB8AC3E}">
-        <p14:creationId xmlns:p14="http://schemas.microsoft.com/office/powerpoint/2010/main" val="1865462299"/>
+        <p14:creationId xmlns:p14="http://schemas.microsoft.com/office/powerpoint/2010/main" val="1639120719"/>
       </p:ext>
     </p:extLst>
   </p:cSld>
@@ -5074,6 +7964,854 @@
           <p:cNvPr id="2" name="Title 1">
             <a:extLst>
               <a:ext uri="{FF2B5EF4-FFF2-40B4-BE49-F238E27FC236}">
+                <a16:creationId xmlns:a16="http://schemas.microsoft.com/office/drawing/2014/main" id="{8A72249F-B2E4-812D-E2CB-F50C27F6CFD9}"/>
+              </a:ext>
+            </a:extLst>
+          </p:cNvPr>
+          <p:cNvSpPr>
+            <a:spLocks noGrp="1"/>
+          </p:cNvSpPr>
+          <p:nvPr>
+            <p:ph type="title"/>
+          </p:nvPr>
+        </p:nvSpPr>
+        <p:spPr/>
+        <p:txBody>
+          <a:bodyPr/>
+          <a:lstStyle/>
+          <a:p>
+            <a:r>
+              <a:rPr lang="en-CA" dirty="0"/>
+              <a:t>MVC in ASP Web Applications </a:t>
+            </a:r>
+          </a:p>
+        </p:txBody>
+      </p:sp>
+      <p:sp>
+        <p:nvSpPr>
+          <p:cNvPr id="3" name="Content Placeholder 2">
+            <a:extLst>
+              <a:ext uri="{FF2B5EF4-FFF2-40B4-BE49-F238E27FC236}">
+                <a16:creationId xmlns:a16="http://schemas.microsoft.com/office/drawing/2014/main" id="{5EB746A8-AFAB-DB27-389A-01513A78CD16}"/>
+              </a:ext>
+            </a:extLst>
+          </p:cNvPr>
+          <p:cNvSpPr>
+            <a:spLocks noGrp="1"/>
+          </p:cNvSpPr>
+          <p:nvPr>
+            <p:ph idx="1"/>
+          </p:nvPr>
+        </p:nvSpPr>
+        <p:spPr/>
+        <p:txBody>
+          <a:bodyPr>
+            <a:normAutofit/>
+          </a:bodyPr>
+          <a:lstStyle/>
+          <a:p>
+            <a:r>
+              <a:rPr lang="en-CA" dirty="0">
+                <a:hlinkClick r:id="rId2"/>
+              </a:rPr>
+              <a:t>https://learn.microsoft.com/en-us/aspnet/core/tutorials/first-mvc-app/adding-controller</a:t>
+            </a:r>
+            <a:r>
+              <a:rPr lang="en-CA" dirty="0"/>
+              <a:t> </a:t>
+            </a:r>
+          </a:p>
+          <a:p>
+            <a:r>
+              <a:rPr lang="en-US" dirty="0"/>
+              <a:t>Models: </a:t>
+            </a:r>
+          </a:p>
+          <a:p>
+            <a:pPr lvl="1"/>
+            <a:r>
+              <a:rPr lang="en-US" dirty="0"/>
+              <a:t>Classes that represent the data of the app and use validation logic to enforce business rules. Model objects might retrieve and store model state to/from a database. </a:t>
+            </a:r>
+          </a:p>
+          <a:p>
+            <a:r>
+              <a:rPr lang="en-US" dirty="0"/>
+              <a:t>Views: </a:t>
+            </a:r>
+          </a:p>
+          <a:p>
+            <a:pPr lvl="1"/>
+            <a:r>
+              <a:rPr lang="en-US" dirty="0"/>
+              <a:t>Components that display the app's user interface (UI). Generally, this UI displays the model data.</a:t>
+            </a:r>
+          </a:p>
+          <a:p>
+            <a:r>
+              <a:rPr lang="en-US" dirty="0"/>
+              <a:t>Controllers: </a:t>
+            </a:r>
+          </a:p>
+          <a:p>
+            <a:pPr lvl="1"/>
+            <a:r>
+              <a:rPr lang="en-US" dirty="0"/>
+              <a:t>Classes that handle browser requests, retrieve model data, call view templates that return a response.</a:t>
+            </a:r>
+            <a:endParaRPr lang="en-CA" dirty="0"/>
+          </a:p>
+        </p:txBody>
+      </p:sp>
+    </p:spTree>
+    <p:extLst>
+      <p:ext uri="{BB962C8B-B14F-4D97-AF65-F5344CB8AC3E}">
+        <p14:creationId xmlns:p14="http://schemas.microsoft.com/office/powerpoint/2010/main" val="3867397852"/>
+      </p:ext>
+    </p:extLst>
+  </p:cSld>
+  <p:clrMapOvr>
+    <a:masterClrMapping/>
+  </p:clrMapOvr>
+</p:sld>
+</file>
+
+<file path=ppt/slides/slide19.xml><?xml version="1.0" encoding="utf-8"?>
+<p:sld xmlns:a="http://schemas.openxmlformats.org/drawingml/2006/main" xmlns:r="http://schemas.openxmlformats.org/officeDocument/2006/relationships" xmlns:p="http://schemas.openxmlformats.org/presentationml/2006/main">
+  <p:cSld>
+    <p:spTree>
+      <p:nvGrpSpPr>
+        <p:cNvPr id="1" name=""/>
+        <p:cNvGrpSpPr/>
+        <p:nvPr/>
+      </p:nvGrpSpPr>
+      <p:grpSpPr>
+        <a:xfrm>
+          <a:off x="0" y="0"/>
+          <a:ext cx="0" cy="0"/>
+          <a:chOff x="0" y="0"/>
+          <a:chExt cx="0" cy="0"/>
+        </a:xfrm>
+      </p:grpSpPr>
+      <p:sp>
+        <p:nvSpPr>
+          <p:cNvPr id="2" name="Title 1">
+            <a:extLst>
+              <a:ext uri="{FF2B5EF4-FFF2-40B4-BE49-F238E27FC236}">
+                <a16:creationId xmlns:a16="http://schemas.microsoft.com/office/drawing/2014/main" id="{73B8EFF9-57E9-0777-10F9-D0C9636675E7}"/>
+              </a:ext>
+            </a:extLst>
+          </p:cNvPr>
+          <p:cNvSpPr>
+            <a:spLocks noGrp="1"/>
+          </p:cNvSpPr>
+          <p:nvPr>
+            <p:ph type="title"/>
+          </p:nvPr>
+        </p:nvSpPr>
+        <p:spPr/>
+        <p:txBody>
+          <a:bodyPr/>
+          <a:lstStyle/>
+          <a:p>
+            <a:r>
+              <a:rPr lang="en-CA" dirty="0"/>
+              <a:t>Notice:</a:t>
+            </a:r>
+          </a:p>
+        </p:txBody>
+      </p:sp>
+      <p:sp>
+        <p:nvSpPr>
+          <p:cNvPr id="3" name="Content Placeholder 2">
+            <a:extLst>
+              <a:ext uri="{FF2B5EF4-FFF2-40B4-BE49-F238E27FC236}">
+                <a16:creationId xmlns:a16="http://schemas.microsoft.com/office/drawing/2014/main" id="{80348DC4-30AF-8B11-4351-51D24616C81D}"/>
+              </a:ext>
+            </a:extLst>
+          </p:cNvPr>
+          <p:cNvSpPr>
+            <a:spLocks noGrp="1"/>
+          </p:cNvSpPr>
+          <p:nvPr>
+            <p:ph idx="1"/>
+          </p:nvPr>
+        </p:nvSpPr>
+        <p:spPr/>
+        <p:txBody>
+          <a:bodyPr/>
+          <a:lstStyle/>
+          <a:p>
+            <a:r>
+              <a:rPr lang="en-CA" dirty="0"/>
+              <a:t>In the MVC description for ASP applications there are two types of user interactions: those which happen directly the UI, which </a:t>
+            </a:r>
+          </a:p>
+        </p:txBody>
+      </p:sp>
+    </p:spTree>
+    <p:extLst>
+      <p:ext uri="{BB962C8B-B14F-4D97-AF65-F5344CB8AC3E}">
+        <p14:creationId xmlns:p14="http://schemas.microsoft.com/office/powerpoint/2010/main" val="211788715"/>
+      </p:ext>
+    </p:extLst>
+  </p:cSld>
+  <p:clrMapOvr>
+    <a:masterClrMapping/>
+  </p:clrMapOvr>
+</p:sld>
+</file>
+
+<file path=ppt/slides/slide2.xml><?xml version="1.0" encoding="utf-8"?>
+<p:sld xmlns:a="http://schemas.openxmlformats.org/drawingml/2006/main" xmlns:r="http://schemas.openxmlformats.org/officeDocument/2006/relationships" xmlns:p="http://schemas.openxmlformats.org/presentationml/2006/main">
+  <p:cSld>
+    <p:spTree>
+      <p:nvGrpSpPr>
+        <p:cNvPr id="1" name=""/>
+        <p:cNvGrpSpPr/>
+        <p:nvPr/>
+      </p:nvGrpSpPr>
+      <p:grpSpPr>
+        <a:xfrm>
+          <a:off x="0" y="0"/>
+          <a:ext cx="0" cy="0"/>
+          <a:chOff x="0" y="0"/>
+          <a:chExt cx="0" cy="0"/>
+        </a:xfrm>
+      </p:grpSpPr>
+      <p:sp>
+        <p:nvSpPr>
+          <p:cNvPr id="2" name="Title 1">
+            <a:extLst>
+              <a:ext uri="{FF2B5EF4-FFF2-40B4-BE49-F238E27FC236}">
+                <a16:creationId xmlns:a16="http://schemas.microsoft.com/office/drawing/2014/main" id="{17F34A73-F80F-CA1A-AAA3-51A811C420BC}"/>
+              </a:ext>
+            </a:extLst>
+          </p:cNvPr>
+          <p:cNvSpPr>
+            <a:spLocks noGrp="1"/>
+          </p:cNvSpPr>
+          <p:nvPr>
+            <p:ph type="title"/>
+          </p:nvPr>
+        </p:nvSpPr>
+        <p:spPr/>
+        <p:txBody>
+          <a:bodyPr/>
+          <a:lstStyle/>
+          <a:p>
+            <a:r>
+              <a:rPr lang="en-CA" dirty="0"/>
+              <a:t>Separation of Concerns</a:t>
+            </a:r>
+          </a:p>
+        </p:txBody>
+      </p:sp>
+      <p:sp>
+        <p:nvSpPr>
+          <p:cNvPr id="3" name="Content Placeholder 2">
+            <a:extLst>
+              <a:ext uri="{FF2B5EF4-FFF2-40B4-BE49-F238E27FC236}">
+                <a16:creationId xmlns:a16="http://schemas.microsoft.com/office/drawing/2014/main" id="{6F074397-F197-A99D-7A31-7E3D14ADF2F2}"/>
+              </a:ext>
+            </a:extLst>
+          </p:cNvPr>
+          <p:cNvSpPr>
+            <a:spLocks noGrp="1"/>
+          </p:cNvSpPr>
+          <p:nvPr>
+            <p:ph idx="1"/>
+          </p:nvPr>
+        </p:nvSpPr>
+        <p:spPr/>
+        <p:txBody>
+          <a:bodyPr/>
+          <a:lstStyle/>
+          <a:p>
+            <a:r>
+              <a:rPr lang="en-CA" dirty="0"/>
+              <a:t>There are many different architectural patterns</a:t>
+            </a:r>
+          </a:p>
+          <a:p>
+            <a:r>
+              <a:rPr lang="en-CA" dirty="0"/>
+              <a:t>The most important underlying principle is separation of concerns</a:t>
+            </a:r>
+            <a:endParaRPr lang="en-CA" dirty="0">
+              <a:hlinkClick r:id="rId2"/>
+            </a:endParaRPr>
+          </a:p>
+          <a:p>
+            <a:r>
+              <a:rPr lang="en-CA" dirty="0">
+                <a:hlinkClick r:id="rId2"/>
+              </a:rPr>
+              <a:t>https://en.wikipedia.org/wiki/Separation_of_concerns</a:t>
+            </a:r>
+            <a:endParaRPr lang="en-CA" dirty="0"/>
+          </a:p>
+          <a:p>
+            <a:pPr marL="68580" indent="0">
+              <a:buNone/>
+            </a:pPr>
+            <a:r>
+              <a:rPr lang="en-CA" dirty="0"/>
+              <a:t> </a:t>
+            </a:r>
+          </a:p>
+          <a:p>
+            <a:endParaRPr lang="en-CA" dirty="0"/>
+          </a:p>
+        </p:txBody>
+      </p:sp>
+    </p:spTree>
+    <p:extLst>
+      <p:ext uri="{BB962C8B-B14F-4D97-AF65-F5344CB8AC3E}">
+        <p14:creationId xmlns:p14="http://schemas.microsoft.com/office/powerpoint/2010/main" val="268730977"/>
+      </p:ext>
+    </p:extLst>
+  </p:cSld>
+  <p:clrMapOvr>
+    <a:masterClrMapping/>
+  </p:clrMapOvr>
+</p:sld>
+</file>
+
+<file path=ppt/slides/slide20.xml><?xml version="1.0" encoding="utf-8"?>
+<p:sld xmlns:a="http://schemas.openxmlformats.org/drawingml/2006/main" xmlns:r="http://schemas.openxmlformats.org/officeDocument/2006/relationships" xmlns:p="http://schemas.openxmlformats.org/presentationml/2006/main">
+  <p:cSld>
+    <p:spTree>
+      <p:nvGrpSpPr>
+        <p:cNvPr id="1" name=""/>
+        <p:cNvGrpSpPr/>
+        <p:nvPr/>
+      </p:nvGrpSpPr>
+      <p:grpSpPr>
+        <a:xfrm>
+          <a:off x="0" y="0"/>
+          <a:ext cx="0" cy="0"/>
+          <a:chOff x="0" y="0"/>
+          <a:chExt cx="0" cy="0"/>
+        </a:xfrm>
+      </p:grpSpPr>
+      <p:sp>
+        <p:nvSpPr>
+          <p:cNvPr id="2" name="Title 1">
+            <a:extLst>
+              <a:ext uri="{FF2B5EF4-FFF2-40B4-BE49-F238E27FC236}">
+                <a16:creationId xmlns:a16="http://schemas.microsoft.com/office/drawing/2014/main" id="{26259625-6DD2-8C0C-E7F2-C24237A628EF}"/>
+              </a:ext>
+            </a:extLst>
+          </p:cNvPr>
+          <p:cNvSpPr>
+            <a:spLocks noGrp="1"/>
+          </p:cNvSpPr>
+          <p:nvPr>
+            <p:ph type="title"/>
+          </p:nvPr>
+        </p:nvSpPr>
+        <p:spPr/>
+        <p:txBody>
+          <a:bodyPr/>
+          <a:lstStyle/>
+          <a:p>
+            <a:r>
+              <a:rPr lang="en-CA" dirty="0"/>
+              <a:t>Variations</a:t>
+            </a:r>
+          </a:p>
+        </p:txBody>
+      </p:sp>
+      <p:sp>
+        <p:nvSpPr>
+          <p:cNvPr id="3" name="Content Placeholder 2">
+            <a:extLst>
+              <a:ext uri="{FF2B5EF4-FFF2-40B4-BE49-F238E27FC236}">
+                <a16:creationId xmlns:a16="http://schemas.microsoft.com/office/drawing/2014/main" id="{4A399C82-5FAC-7D34-DD55-3137C96E7F92}"/>
+              </a:ext>
+            </a:extLst>
+          </p:cNvPr>
+          <p:cNvSpPr>
+            <a:spLocks noGrp="1"/>
+          </p:cNvSpPr>
+          <p:nvPr>
+            <p:ph idx="1"/>
+          </p:nvPr>
+        </p:nvSpPr>
+        <p:spPr/>
+        <p:txBody>
+          <a:bodyPr/>
+          <a:lstStyle/>
+          <a:p>
+            <a:r>
+              <a:rPr lang="en-CA" dirty="0"/>
+              <a:t>Maybe the user </a:t>
+            </a:r>
+          </a:p>
+        </p:txBody>
+      </p:sp>
+    </p:spTree>
+    <p:extLst>
+      <p:ext uri="{BB962C8B-B14F-4D97-AF65-F5344CB8AC3E}">
+        <p14:creationId xmlns:p14="http://schemas.microsoft.com/office/powerpoint/2010/main" val="3829371401"/>
+      </p:ext>
+    </p:extLst>
+  </p:cSld>
+  <p:clrMapOvr>
+    <a:masterClrMapping/>
+  </p:clrMapOvr>
+</p:sld>
+</file>
+
+<file path=ppt/slides/slide21.xml><?xml version="1.0" encoding="utf-8"?>
+<p:sld xmlns:a="http://schemas.openxmlformats.org/drawingml/2006/main" xmlns:r="http://schemas.openxmlformats.org/officeDocument/2006/relationships" xmlns:p="http://schemas.openxmlformats.org/presentationml/2006/main">
+  <p:cSld>
+    <p:spTree>
+      <p:nvGrpSpPr>
+        <p:cNvPr id="1" name=""/>
+        <p:cNvGrpSpPr/>
+        <p:nvPr/>
+      </p:nvGrpSpPr>
+      <p:grpSpPr>
+        <a:xfrm>
+          <a:off x="0" y="0"/>
+          <a:ext cx="0" cy="0"/>
+          <a:chOff x="0" y="0"/>
+          <a:chExt cx="0" cy="0"/>
+        </a:xfrm>
+      </p:grpSpPr>
+      <p:sp>
+        <p:nvSpPr>
+          <p:cNvPr id="2" name="Title 1">
+            <a:extLst>
+              <a:ext uri="{FF2B5EF4-FFF2-40B4-BE49-F238E27FC236}">
+                <a16:creationId xmlns:a16="http://schemas.microsoft.com/office/drawing/2014/main" id="{1C5CAC93-F0AB-767A-DA2F-CE0C7D937283}"/>
+              </a:ext>
+            </a:extLst>
+          </p:cNvPr>
+          <p:cNvSpPr>
+            <a:spLocks noGrp="1"/>
+          </p:cNvSpPr>
+          <p:nvPr>
+            <p:ph type="title"/>
+          </p:nvPr>
+        </p:nvSpPr>
+        <p:spPr/>
+        <p:txBody>
+          <a:bodyPr/>
+          <a:lstStyle/>
+          <a:p>
+            <a:r>
+              <a:rPr lang="en-CA" dirty="0"/>
+              <a:t>Models, Views, and Controller</a:t>
+            </a:r>
+          </a:p>
+        </p:txBody>
+      </p:sp>
+      <p:sp>
+        <p:nvSpPr>
+          <p:cNvPr id="3" name="Content Placeholder 2">
+            <a:extLst>
+              <a:ext uri="{FF2B5EF4-FFF2-40B4-BE49-F238E27FC236}">
+                <a16:creationId xmlns:a16="http://schemas.microsoft.com/office/drawing/2014/main" id="{3511532B-6BE1-1701-7DE8-8C383D791372}"/>
+              </a:ext>
+            </a:extLst>
+          </p:cNvPr>
+          <p:cNvSpPr>
+            <a:spLocks noGrp="1"/>
+          </p:cNvSpPr>
+          <p:nvPr>
+            <p:ph idx="1"/>
+          </p:nvPr>
+        </p:nvSpPr>
+        <p:spPr/>
+        <p:txBody>
+          <a:bodyPr/>
+          <a:lstStyle/>
+          <a:p>
+            <a:r>
+              <a:rPr lang="en-CA" dirty="0"/>
+              <a:t>Some complex applications with UI break up software into </a:t>
+            </a:r>
+            <a:r>
+              <a:rPr lang="en-CA" dirty="0" err="1"/>
+              <a:t>thre</a:t>
+            </a:r>
+            <a:endParaRPr lang="en-CA" dirty="0"/>
+          </a:p>
+        </p:txBody>
+      </p:sp>
+    </p:spTree>
+    <p:extLst>
+      <p:ext uri="{BB962C8B-B14F-4D97-AF65-F5344CB8AC3E}">
+        <p14:creationId xmlns:p14="http://schemas.microsoft.com/office/powerpoint/2010/main" val="3739095599"/>
+      </p:ext>
+    </p:extLst>
+  </p:cSld>
+  <p:clrMapOvr>
+    <a:masterClrMapping/>
+  </p:clrMapOvr>
+</p:sld>
+</file>
+
+<file path=ppt/slides/slide22.xml><?xml version="1.0" encoding="utf-8"?>
+<p:sld xmlns:a="http://schemas.openxmlformats.org/drawingml/2006/main" xmlns:r="http://schemas.openxmlformats.org/officeDocument/2006/relationships" xmlns:p="http://schemas.openxmlformats.org/presentationml/2006/main">
+  <p:cSld>
+    <p:spTree>
+      <p:nvGrpSpPr>
+        <p:cNvPr id="1" name=""/>
+        <p:cNvGrpSpPr/>
+        <p:nvPr/>
+      </p:nvGrpSpPr>
+      <p:grpSpPr>
+        <a:xfrm>
+          <a:off x="0" y="0"/>
+          <a:ext cx="0" cy="0"/>
+          <a:chOff x="0" y="0"/>
+          <a:chExt cx="0" cy="0"/>
+        </a:xfrm>
+      </p:grpSpPr>
+      <p:sp>
+        <p:nvSpPr>
+          <p:cNvPr id="2" name="Title 1">
+            <a:extLst>
+              <a:ext uri="{FF2B5EF4-FFF2-40B4-BE49-F238E27FC236}">
+                <a16:creationId xmlns:a16="http://schemas.microsoft.com/office/drawing/2014/main" id="{21802E71-B058-C5F1-BA4C-0590DE2ED5E6}"/>
+              </a:ext>
+            </a:extLst>
+          </p:cNvPr>
+          <p:cNvSpPr>
+            <a:spLocks noGrp="1"/>
+          </p:cNvSpPr>
+          <p:nvPr>
+            <p:ph type="title"/>
+          </p:nvPr>
+        </p:nvSpPr>
+        <p:spPr/>
+        <p:txBody>
+          <a:bodyPr/>
+          <a:lstStyle/>
+          <a:p>
+            <a:r>
+              <a:rPr lang="en-CA" dirty="0"/>
+              <a:t>Models and Views</a:t>
+            </a:r>
+          </a:p>
+        </p:txBody>
+      </p:sp>
+      <p:sp>
+        <p:nvSpPr>
+          <p:cNvPr id="3" name="Content Placeholder 2">
+            <a:extLst>
+              <a:ext uri="{FF2B5EF4-FFF2-40B4-BE49-F238E27FC236}">
+                <a16:creationId xmlns:a16="http://schemas.microsoft.com/office/drawing/2014/main" id="{DCA16F68-2830-F9D7-D155-8F6F5AB6C4D6}"/>
+              </a:ext>
+            </a:extLst>
+          </p:cNvPr>
+          <p:cNvSpPr>
+            <a:spLocks noGrp="1"/>
+          </p:cNvSpPr>
+          <p:nvPr>
+            <p:ph idx="1"/>
+          </p:nvPr>
+        </p:nvSpPr>
+        <p:spPr/>
+        <p:txBody>
+          <a:bodyPr/>
+          <a:lstStyle/>
+          <a:p>
+            <a:endParaRPr lang="en-CA"/>
+          </a:p>
+        </p:txBody>
+      </p:sp>
+    </p:spTree>
+    <p:extLst>
+      <p:ext uri="{BB962C8B-B14F-4D97-AF65-F5344CB8AC3E}">
+        <p14:creationId xmlns:p14="http://schemas.microsoft.com/office/powerpoint/2010/main" val="359048740"/>
+      </p:ext>
+    </p:extLst>
+  </p:cSld>
+  <p:clrMapOvr>
+    <a:masterClrMapping/>
+  </p:clrMapOvr>
+</p:sld>
+</file>
+
+<file path=ppt/slides/slide23.xml><?xml version="1.0" encoding="utf-8"?>
+<p:sld xmlns:a="http://schemas.openxmlformats.org/drawingml/2006/main" xmlns:r="http://schemas.openxmlformats.org/officeDocument/2006/relationships" xmlns:p="http://schemas.openxmlformats.org/presentationml/2006/main">
+  <p:cSld>
+    <p:spTree>
+      <p:nvGrpSpPr>
+        <p:cNvPr id="1" name=""/>
+        <p:cNvGrpSpPr/>
+        <p:nvPr/>
+      </p:nvGrpSpPr>
+      <p:grpSpPr>
+        <a:xfrm>
+          <a:off x="0" y="0"/>
+          <a:ext cx="0" cy="0"/>
+          <a:chOff x="0" y="0"/>
+          <a:chExt cx="0" cy="0"/>
+        </a:xfrm>
+      </p:grpSpPr>
+      <p:sp>
+        <p:nvSpPr>
+          <p:cNvPr id="2" name="Title 1">
+            <a:extLst>
+              <a:ext uri="{FF2B5EF4-FFF2-40B4-BE49-F238E27FC236}">
+                <a16:creationId xmlns:a16="http://schemas.microsoft.com/office/drawing/2014/main" id="{872E07E8-A709-BF1A-CA6E-50EA0D7CA489}"/>
+              </a:ext>
+            </a:extLst>
+          </p:cNvPr>
+          <p:cNvSpPr>
+            <a:spLocks noGrp="1"/>
+          </p:cNvSpPr>
+          <p:nvPr>
+            <p:ph type="title"/>
+          </p:nvPr>
+        </p:nvSpPr>
+        <p:spPr/>
+        <p:txBody>
+          <a:bodyPr/>
+          <a:lstStyle/>
+          <a:p>
+            <a:r>
+              <a:rPr lang="en-CA" dirty="0"/>
+              <a:t>Model View Update (MVU)</a:t>
+            </a:r>
+          </a:p>
+        </p:txBody>
+      </p:sp>
+      <p:sp>
+        <p:nvSpPr>
+          <p:cNvPr id="3" name="Content Placeholder 2">
+            <a:extLst>
+              <a:ext uri="{FF2B5EF4-FFF2-40B4-BE49-F238E27FC236}">
+                <a16:creationId xmlns:a16="http://schemas.microsoft.com/office/drawing/2014/main" id="{EE9FB8A6-6146-B07F-9B2F-95E677723B16}"/>
+              </a:ext>
+            </a:extLst>
+          </p:cNvPr>
+          <p:cNvSpPr>
+            <a:spLocks noGrp="1"/>
+          </p:cNvSpPr>
+          <p:nvPr>
+            <p:ph idx="1"/>
+          </p:nvPr>
+        </p:nvSpPr>
+        <p:spPr/>
+        <p:txBody>
+          <a:bodyPr/>
+          <a:lstStyle/>
+          <a:p>
+            <a:r>
+              <a:rPr lang="en-CA" dirty="0"/>
+              <a:t>A very simple idea </a:t>
+            </a:r>
+          </a:p>
+        </p:txBody>
+      </p:sp>
+    </p:spTree>
+    <p:extLst>
+      <p:ext uri="{BB962C8B-B14F-4D97-AF65-F5344CB8AC3E}">
+        <p14:creationId xmlns:p14="http://schemas.microsoft.com/office/powerpoint/2010/main" val="985651402"/>
+      </p:ext>
+    </p:extLst>
+  </p:cSld>
+  <p:clrMapOvr>
+    <a:masterClrMapping/>
+  </p:clrMapOvr>
+</p:sld>
+</file>
+
+<file path=ppt/slides/slide24.xml><?xml version="1.0" encoding="utf-8"?>
+<p:sld xmlns:a="http://schemas.openxmlformats.org/drawingml/2006/main" xmlns:r="http://schemas.openxmlformats.org/officeDocument/2006/relationships" xmlns:p="http://schemas.openxmlformats.org/presentationml/2006/main">
+  <p:cSld>
+    <p:spTree>
+      <p:nvGrpSpPr>
+        <p:cNvPr id="1" name=""/>
+        <p:cNvGrpSpPr/>
+        <p:nvPr/>
+      </p:nvGrpSpPr>
+      <p:grpSpPr>
+        <a:xfrm>
+          <a:off x="0" y="0"/>
+          <a:ext cx="0" cy="0"/>
+          <a:chOff x="0" y="0"/>
+          <a:chExt cx="0" cy="0"/>
+        </a:xfrm>
+      </p:grpSpPr>
+      <p:sp>
+        <p:nvSpPr>
+          <p:cNvPr id="2" name="Title 1">
+            <a:extLst>
+              <a:ext uri="{FF2B5EF4-FFF2-40B4-BE49-F238E27FC236}">
+                <a16:creationId xmlns:a16="http://schemas.microsoft.com/office/drawing/2014/main" id="{2F012DF9-9192-CB02-83C1-1446D047D636}"/>
+              </a:ext>
+            </a:extLst>
+          </p:cNvPr>
+          <p:cNvSpPr>
+            <a:spLocks noGrp="1"/>
+          </p:cNvSpPr>
+          <p:nvPr>
+            <p:ph type="title"/>
+          </p:nvPr>
+        </p:nvSpPr>
+        <p:spPr/>
+        <p:txBody>
+          <a:bodyPr/>
+          <a:lstStyle/>
+          <a:p>
+            <a:r>
+              <a:rPr lang="en-CA" dirty="0"/>
+              <a:t>MVVM – Model, View, View-Model</a:t>
+            </a:r>
+          </a:p>
+        </p:txBody>
+      </p:sp>
+      <p:sp>
+        <p:nvSpPr>
+          <p:cNvPr id="3" name="Content Placeholder 2">
+            <a:extLst>
+              <a:ext uri="{FF2B5EF4-FFF2-40B4-BE49-F238E27FC236}">
+                <a16:creationId xmlns:a16="http://schemas.microsoft.com/office/drawing/2014/main" id="{FE618890-A6DF-07C5-D054-37F17AF85AA8}"/>
+              </a:ext>
+            </a:extLst>
+          </p:cNvPr>
+          <p:cNvSpPr>
+            <a:spLocks noGrp="1"/>
+          </p:cNvSpPr>
+          <p:nvPr>
+            <p:ph idx="1"/>
+          </p:nvPr>
+        </p:nvSpPr>
+        <p:spPr/>
+        <p:txBody>
+          <a:bodyPr/>
+          <a:lstStyle/>
+          <a:p>
+            <a:endParaRPr lang="en-CA" dirty="0"/>
+          </a:p>
+        </p:txBody>
+      </p:sp>
+    </p:spTree>
+    <p:extLst>
+      <p:ext uri="{BB962C8B-B14F-4D97-AF65-F5344CB8AC3E}">
+        <p14:creationId xmlns:p14="http://schemas.microsoft.com/office/powerpoint/2010/main" val="896340904"/>
+      </p:ext>
+    </p:extLst>
+  </p:cSld>
+  <p:clrMapOvr>
+    <a:masterClrMapping/>
+  </p:clrMapOvr>
+</p:sld>
+</file>
+
+<file path=ppt/slides/slide25.xml><?xml version="1.0" encoding="utf-8"?>
+<p:sld xmlns:a="http://schemas.openxmlformats.org/drawingml/2006/main" xmlns:r="http://schemas.openxmlformats.org/officeDocument/2006/relationships" xmlns:p="http://schemas.openxmlformats.org/presentationml/2006/main">
+  <p:cSld>
+    <p:spTree>
+      <p:nvGrpSpPr>
+        <p:cNvPr id="1" name=""/>
+        <p:cNvGrpSpPr/>
+        <p:nvPr/>
+      </p:nvGrpSpPr>
+      <p:grpSpPr>
+        <a:xfrm>
+          <a:off x="0" y="0"/>
+          <a:ext cx="0" cy="0"/>
+          <a:chOff x="0" y="0"/>
+          <a:chExt cx="0" cy="0"/>
+        </a:xfrm>
+      </p:grpSpPr>
+      <p:sp>
+        <p:nvSpPr>
+          <p:cNvPr id="2" name="Title 1">
+            <a:extLst>
+              <a:ext uri="{FF2B5EF4-FFF2-40B4-BE49-F238E27FC236}">
+                <a16:creationId xmlns:a16="http://schemas.microsoft.com/office/drawing/2014/main" id="{7D7113DC-707F-FB21-2D7E-9D8246A2EC99}"/>
+              </a:ext>
+            </a:extLst>
+          </p:cNvPr>
+          <p:cNvSpPr>
+            <a:spLocks noGrp="1"/>
+          </p:cNvSpPr>
+          <p:nvPr>
+            <p:ph type="title"/>
+          </p:nvPr>
+        </p:nvSpPr>
+        <p:spPr/>
+        <p:txBody>
+          <a:bodyPr/>
+          <a:lstStyle/>
+          <a:p>
+            <a:r>
+              <a:rPr lang="en-CA" dirty="0"/>
+              <a:t>All the things an Application can Do </a:t>
+            </a:r>
+          </a:p>
+        </p:txBody>
+      </p:sp>
+      <p:sp>
+        <p:nvSpPr>
+          <p:cNvPr id="3" name="Content Placeholder 2">
+            <a:extLst>
+              <a:ext uri="{FF2B5EF4-FFF2-40B4-BE49-F238E27FC236}">
+                <a16:creationId xmlns:a16="http://schemas.microsoft.com/office/drawing/2014/main" id="{E1DB8868-04B6-7E9B-220F-EBD35348BA03}"/>
+              </a:ext>
+            </a:extLst>
+          </p:cNvPr>
+          <p:cNvSpPr>
+            <a:spLocks noGrp="1"/>
+          </p:cNvSpPr>
+          <p:nvPr>
+            <p:ph idx="1"/>
+          </p:nvPr>
+        </p:nvSpPr>
+        <p:spPr/>
+        <p:txBody>
+          <a:bodyPr/>
+          <a:lstStyle/>
+          <a:p>
+            <a:endParaRPr lang="en-CA"/>
+          </a:p>
+        </p:txBody>
+      </p:sp>
+    </p:spTree>
+    <p:extLst>
+      <p:ext uri="{BB962C8B-B14F-4D97-AF65-F5344CB8AC3E}">
+        <p14:creationId xmlns:p14="http://schemas.microsoft.com/office/powerpoint/2010/main" val="1865462299"/>
+      </p:ext>
+    </p:extLst>
+  </p:cSld>
+  <p:clrMapOvr>
+    <a:masterClrMapping/>
+  </p:clrMapOvr>
+</p:sld>
+</file>
+
+<file path=ppt/slides/slide26.xml><?xml version="1.0" encoding="utf-8"?>
+<p:sld xmlns:a="http://schemas.openxmlformats.org/drawingml/2006/main" xmlns:r="http://schemas.openxmlformats.org/officeDocument/2006/relationships" xmlns:p="http://schemas.openxmlformats.org/presentationml/2006/main">
+  <p:cSld>
+    <p:spTree>
+      <p:nvGrpSpPr>
+        <p:cNvPr id="1" name=""/>
+        <p:cNvGrpSpPr/>
+        <p:nvPr/>
+      </p:nvGrpSpPr>
+      <p:grpSpPr>
+        <a:xfrm>
+          <a:off x="0" y="0"/>
+          <a:ext cx="0" cy="0"/>
+          <a:chOff x="0" y="0"/>
+          <a:chExt cx="0" cy="0"/>
+        </a:xfrm>
+      </p:grpSpPr>
+      <p:sp>
+        <p:nvSpPr>
+          <p:cNvPr id="2" name="Title 1">
+            <a:extLst>
+              <a:ext uri="{FF2B5EF4-FFF2-40B4-BE49-F238E27FC236}">
                 <a16:creationId xmlns:a16="http://schemas.microsoft.com/office/drawing/2014/main" id="{E219A56A-E2D5-D900-D5C8-47D4D2251F49}"/>
               </a:ext>
             </a:extLst>
@@ -5126,7 +8864,19 @@
           <a:p>
             <a:r>
               <a:rPr lang="en-CA" dirty="0"/>
-              <a:t>I can load assemblies dynamically from disk. </a:t>
+              <a:t>I can load assemblies dynamically from disk.</a:t>
+            </a:r>
+          </a:p>
+          <a:p>
+            <a:r>
+              <a:rPr lang="en-CA" dirty="0"/>
+              <a:t>Call a function in that assembly with a predetermined name. </a:t>
+            </a:r>
+          </a:p>
+          <a:p>
+            <a:r>
+              <a:rPr lang="en-CA" dirty="0"/>
+              <a:t>Have fun!  </a:t>
             </a:r>
           </a:p>
         </p:txBody>
@@ -5144,7 +8894,7 @@
 </p:sld>
 </file>
 
-<file path=ppt/slides/slide19.xml><?xml version="1.0" encoding="utf-8"?>
+<file path=ppt/slides/slide27.xml><?xml version="1.0" encoding="utf-8"?>
 <p:sld xmlns:a="http://schemas.openxmlformats.org/drawingml/2006/main" xmlns:r="http://schemas.openxmlformats.org/officeDocument/2006/relationships" xmlns:p="http://schemas.openxmlformats.org/presentationml/2006/main">
   <p:cSld>
     <p:spTree>
@@ -5231,7 +8981,7 @@
 </p:sld>
 </file>
 
-<file path=ppt/slides/slide2.xml><?xml version="1.0" encoding="utf-8"?>
+<file path=ppt/slides/slide28.xml><?xml version="1.0" encoding="utf-8"?>
 <p:sld xmlns:a="http://schemas.openxmlformats.org/drawingml/2006/main" xmlns:r="http://schemas.openxmlformats.org/officeDocument/2006/relationships" xmlns:p="http://schemas.openxmlformats.org/presentationml/2006/main">
   <p:cSld>
     <p:spTree>
@@ -5253,7 +9003,7 @@
           <p:cNvPr id="2" name="Title 1">
             <a:extLst>
               <a:ext uri="{FF2B5EF4-FFF2-40B4-BE49-F238E27FC236}">
-                <a16:creationId xmlns:a16="http://schemas.microsoft.com/office/drawing/2014/main" id="{499CE1BD-4B3C-1CC4-AB07-914DD5CA117A}"/>
+                <a16:creationId xmlns:a16="http://schemas.microsoft.com/office/drawing/2014/main" id="{FEEA7586-3760-C488-53F9-ABCD17797D0F}"/>
               </a:ext>
             </a:extLst>
           </p:cNvPr>
@@ -5271,7 +9021,7 @@
           <a:p>
             <a:r>
               <a:rPr lang="en-CA" dirty="0"/>
-              <a:t>How Windows Applications work</a:t>
+              <a:t>Defensive Programming</a:t>
             </a:r>
           </a:p>
         </p:txBody>
@@ -5281,7 +9031,7 @@
           <p:cNvPr id="3" name="Content Placeholder 2">
             <a:extLst>
               <a:ext uri="{FF2B5EF4-FFF2-40B4-BE49-F238E27FC236}">
-                <a16:creationId xmlns:a16="http://schemas.microsoft.com/office/drawing/2014/main" id="{CE60A400-D14C-DF39-329D-D77EAF7E4E5D}"/>
+                <a16:creationId xmlns:a16="http://schemas.microsoft.com/office/drawing/2014/main" id="{FF41552F-95F4-F8A4-8795-5755DDBF5DF1}"/>
               </a:ext>
             </a:extLst>
           </p:cNvPr>
@@ -5297,14 +9047,23 @@
           <a:bodyPr/>
           <a:lstStyle/>
           <a:p>
-            <a:endParaRPr lang="en-CA"/>
+            <a:r>
+              <a:rPr lang="en-CA" dirty="0"/>
+              <a:t>Use asserts to check that things are happening like you expect</a:t>
+            </a:r>
+          </a:p>
+          <a:p>
+            <a:r>
+              <a:rPr lang="en-CA" dirty="0"/>
+              <a:t>Much better than comments when you can write them</a:t>
+            </a:r>
           </a:p>
         </p:txBody>
       </p:sp>
     </p:spTree>
     <p:extLst>
       <p:ext uri="{BB962C8B-B14F-4D97-AF65-F5344CB8AC3E}">
-        <p14:creationId xmlns:p14="http://schemas.microsoft.com/office/powerpoint/2010/main" val="2219525341"/>
+        <p14:creationId xmlns:p14="http://schemas.microsoft.com/office/powerpoint/2010/main" val="3862956295"/>
       </p:ext>
     </p:extLst>
   </p:cSld>
@@ -5317,6 +9076,14 @@
 <file path=ppt/slides/slide3.xml><?xml version="1.0" encoding="utf-8"?>
 <p:sld xmlns:a="http://schemas.openxmlformats.org/drawingml/2006/main" xmlns:r="http://schemas.openxmlformats.org/officeDocument/2006/relationships" xmlns:p="http://schemas.openxmlformats.org/presentationml/2006/main">
   <p:cSld>
+    <p:bg>
+      <p:bgPr>
+        <a:solidFill>
+          <a:schemeClr val="accent1"/>
+        </a:solidFill>
+        <a:effectLst/>
+      </p:bgPr>
+    </p:bg>
     <p:spTree>
       <p:nvGrpSpPr>
         <p:cNvPr id="1" name=""/>
@@ -5333,94 +9100,95 @@
       </p:grpSpPr>
       <p:sp>
         <p:nvSpPr>
-          <p:cNvPr id="2" name="Title 1">
+          <p:cNvPr id="10" name="Rectangle 9">
             <a:extLst>
               <a:ext uri="{FF2B5EF4-FFF2-40B4-BE49-F238E27FC236}">
-                <a16:creationId xmlns:a16="http://schemas.microsoft.com/office/drawing/2014/main" id="{3026CE1B-C1C5-727D-7F9F-86350EB9401E}"/>
+                <a16:creationId xmlns:a16="http://schemas.microsoft.com/office/drawing/2014/main" id="{D036D0D5-3AA0-47FD-A83C-7A06CA2EEE1A}"/>
+              </a:ext>
+              <a:ext uri="{C183D7F6-B498-43B3-948B-1728B52AA6E4}">
+                <adec:decorative xmlns:adec="http://schemas.microsoft.com/office/drawing/2017/decorative" val="1"/>
               </a:ext>
             </a:extLst>
           </p:cNvPr>
           <p:cNvSpPr>
-            <a:spLocks noGrp="1"/>
-          </p:cNvSpPr>
-          <p:nvPr>
-            <p:ph type="title"/>
-          </p:nvPr>
-        </p:nvSpPr>
-        <p:spPr/>
-        <p:txBody>
-          <a:bodyPr/>
-          <a:lstStyle/>
-          <a:p>
-            <a:r>
-              <a:rPr lang="en-CA" dirty="0"/>
-              <a:t>Parts of your application</a:t>
-            </a:r>
-          </a:p>
-        </p:txBody>
-      </p:sp>
-      <p:sp>
-        <p:nvSpPr>
-          <p:cNvPr id="3" name="Content Placeholder 2">
+            <a:spLocks noGrp="1" noRot="1" noChangeAspect="1" noMove="1" noResize="1" noEditPoints="1" noAdjustHandles="1" noChangeArrowheads="1" noChangeShapeType="1" noTextEdit="1"/>
+          </p:cNvSpPr>
+          <p:nvPr>
+            <p:extLst>
+              <p:ext uri="{386F3935-93C4-4BCD-93E2-E3B085C9AB24}">
+                <p16:designElem xmlns:p16="http://schemas.microsoft.com/office/powerpoint/2015/main" val="1"/>
+              </p:ext>
+            </p:extLst>
+          </p:nvPr>
+        </p:nvSpPr>
+        <p:spPr>
+          <a:xfrm>
+            <a:off x="346710" y="365760"/>
+            <a:ext cx="17586960" cy="9566908"/>
+          </a:xfrm>
+          <a:prstGeom prst="rect">
+            <a:avLst/>
+          </a:prstGeom>
+          <a:solidFill>
+            <a:schemeClr val="bg1"/>
+          </a:solidFill>
+          <a:ln w="12700">
+            <a:noFill/>
+          </a:ln>
+        </p:spPr>
+        <p:style>
+          <a:lnRef idx="2">
+            <a:schemeClr val="accent1">
+              <a:shade val="50000"/>
+            </a:schemeClr>
+          </a:lnRef>
+          <a:fillRef idx="1">
+            <a:schemeClr val="accent1"/>
+          </a:fillRef>
+          <a:effectRef idx="0">
+            <a:schemeClr val="accent1"/>
+          </a:effectRef>
+          <a:fontRef idx="minor">
+            <a:schemeClr val="lt1"/>
+          </a:fontRef>
+        </p:style>
+      </p:sp>
+      <p:pic>
+        <p:nvPicPr>
+          <p:cNvPr id="5" name="Content Placeholder 4">
             <a:extLst>
               <a:ext uri="{FF2B5EF4-FFF2-40B4-BE49-F238E27FC236}">
-                <a16:creationId xmlns:a16="http://schemas.microsoft.com/office/drawing/2014/main" id="{03004AF0-81C8-9DE4-6C2D-98F08FC81F92}"/>
+                <a16:creationId xmlns:a16="http://schemas.microsoft.com/office/drawing/2014/main" id="{8EC90732-1B83-0416-4E0B-6AA185F5E312}"/>
               </a:ext>
             </a:extLst>
           </p:cNvPr>
-          <p:cNvSpPr>
-            <a:spLocks noGrp="1"/>
-          </p:cNvSpPr>
+          <p:cNvPicPr>
+            <a:picLocks noGrp="1" noChangeAspect="1"/>
+          </p:cNvPicPr>
           <p:nvPr>
             <p:ph idx="1"/>
           </p:nvPr>
-        </p:nvSpPr>
-        <p:spPr/>
-        <p:txBody>
-          <a:bodyPr/>
-          <a:lstStyle/>
-          <a:p>
-            <a:r>
-              <a:rPr lang="en-CA" dirty="0"/>
-              <a:t>UI / View</a:t>
-            </a:r>
-          </a:p>
-          <a:p>
-            <a:r>
-              <a:rPr lang="en-CA" dirty="0"/>
-              <a:t>Data Model </a:t>
-            </a:r>
-          </a:p>
-          <a:p>
-            <a:r>
-              <a:rPr lang="en-CA" dirty="0"/>
-              <a:t>Commands</a:t>
-            </a:r>
-          </a:p>
-          <a:p>
-            <a:r>
-              <a:rPr lang="en-CA" dirty="0"/>
-              <a:t>Infrastructure</a:t>
-            </a:r>
-          </a:p>
-          <a:p>
-            <a:r>
-              <a:rPr lang="en-CA" dirty="0"/>
-              <a:t>Tests </a:t>
-            </a:r>
-          </a:p>
-          <a:p>
-            <a:r>
-              <a:rPr lang="en-CA" dirty="0"/>
-              <a:t>Automation</a:t>
-            </a:r>
-          </a:p>
-        </p:txBody>
-      </p:sp>
+        </p:nvPicPr>
+        <p:blipFill>
+          <a:blip r:embed="rId2"/>
+          <a:stretch>
+            <a:fillRect/>
+          </a:stretch>
+        </p:blipFill>
+        <p:spPr>
+          <a:xfrm>
+            <a:off x="829308" y="2863723"/>
+            <a:ext cx="16621762" cy="4570983"/>
+          </a:xfrm>
+          <a:prstGeom prst="rect">
+            <a:avLst/>
+          </a:prstGeom>
+        </p:spPr>
+      </p:pic>
     </p:spTree>
     <p:extLst>
       <p:ext uri="{BB962C8B-B14F-4D97-AF65-F5344CB8AC3E}">
-        <p14:creationId xmlns:p14="http://schemas.microsoft.com/office/powerpoint/2010/main" val="4260045389"/>
+        <p14:creationId xmlns:p14="http://schemas.microsoft.com/office/powerpoint/2010/main" val="1696689314"/>
       </p:ext>
     </p:extLst>
   </p:cSld>
@@ -5433,6 +9201,14 @@
 <file path=ppt/slides/slide4.xml><?xml version="1.0" encoding="utf-8"?>
 <p:sld xmlns:a="http://schemas.openxmlformats.org/drawingml/2006/main" xmlns:r="http://schemas.openxmlformats.org/officeDocument/2006/relationships" xmlns:p="http://schemas.openxmlformats.org/presentationml/2006/main">
   <p:cSld>
+    <p:bg>
+      <p:bgPr>
+        <a:solidFill>
+          <a:schemeClr val="bg1"/>
+        </a:solidFill>
+        <a:effectLst/>
+      </p:bgPr>
+    </p:bg>
     <p:spTree>
       <p:nvGrpSpPr>
         <p:cNvPr id="1" name=""/>
@@ -5449,10 +9225,185 @@
       </p:grpSpPr>
       <p:sp>
         <p:nvSpPr>
+          <p:cNvPr id="17" name="Rectangle 8">
+            <a:extLst>
+              <a:ext uri="{FF2B5EF4-FFF2-40B4-BE49-F238E27FC236}">
+                <a16:creationId xmlns:a16="http://schemas.microsoft.com/office/drawing/2014/main" id="{4B54C89A-2D0B-4062-BF97-CA51B69D7B96}"/>
+              </a:ext>
+              <a:ext uri="{C183D7F6-B498-43B3-948B-1728B52AA6E4}">
+                <adec:decorative xmlns:adec="http://schemas.microsoft.com/office/drawing/2017/decorative" val="1"/>
+              </a:ext>
+            </a:extLst>
+          </p:cNvPr>
+          <p:cNvSpPr>
+            <a:spLocks noGrp="1" noRot="1" noChangeAspect="1" noMove="1" noResize="1" noEditPoints="1" noAdjustHandles="1" noChangeArrowheads="1" noChangeShapeType="1" noTextEdit="1"/>
+          </p:cNvSpPr>
+          <p:nvPr>
+            <p:extLst>
+              <p:ext uri="{386F3935-93C4-4BCD-93E2-E3B085C9AB24}">
+                <p16:designElem xmlns:p16="http://schemas.microsoft.com/office/powerpoint/2015/main" val="1"/>
+              </p:ext>
+            </p:extLst>
+          </p:nvPr>
+        </p:nvSpPr>
+        <p:spPr>
+          <a:xfrm>
+            <a:off x="0" y="-13618"/>
+            <a:ext cx="18288000" cy="10286999"/>
+          </a:xfrm>
+          <a:prstGeom prst="rect">
+            <a:avLst/>
+          </a:prstGeom>
+          <a:solidFill>
+            <a:schemeClr val="accent1"/>
+          </a:solidFill>
+          <a:ln>
+            <a:noFill/>
+          </a:ln>
+        </p:spPr>
+        <p:style>
+          <a:lnRef idx="2">
+            <a:schemeClr val="accent1">
+              <a:shade val="50000"/>
+            </a:schemeClr>
+          </a:lnRef>
+          <a:fillRef idx="1">
+            <a:schemeClr val="accent1"/>
+          </a:fillRef>
+          <a:effectRef idx="0">
+            <a:schemeClr val="accent1"/>
+          </a:effectRef>
+          <a:fontRef idx="minor">
+            <a:schemeClr val="lt1"/>
+          </a:fontRef>
+        </p:style>
+        <p:txBody>
+          <a:bodyPr rtlCol="0" anchor="ctr"/>
+          <a:lstStyle/>
+          <a:p>
+            <a:pPr algn="ctr"/>
+            <a:endParaRPr lang="en-US"/>
+          </a:p>
+        </p:txBody>
+      </p:sp>
+      <p:sp useBgFill="1">
+        <p:nvSpPr>
+          <p:cNvPr id="18" name="Rectangle 10">
+            <a:extLst>
+              <a:ext uri="{FF2B5EF4-FFF2-40B4-BE49-F238E27FC236}">
+                <a16:creationId xmlns:a16="http://schemas.microsoft.com/office/drawing/2014/main" id="{4091C99A-98BE-457D-87BD-7B9B6EDDC19D}"/>
+              </a:ext>
+              <a:ext uri="{C183D7F6-B498-43B3-948B-1728B52AA6E4}">
+                <adec:decorative xmlns:adec="http://schemas.microsoft.com/office/drawing/2017/decorative" val="1"/>
+              </a:ext>
+            </a:extLst>
+          </p:cNvPr>
+          <p:cNvSpPr>
+            <a:spLocks noGrp="1" noRot="1" noChangeAspect="1" noMove="1" noResize="1" noEditPoints="1" noAdjustHandles="1" noChangeArrowheads="1" noChangeShapeType="1" noTextEdit="1"/>
+          </p:cNvSpPr>
+          <p:nvPr>
+            <p:extLst>
+              <p:ext uri="{386F3935-93C4-4BCD-93E2-E3B085C9AB24}">
+                <p16:designElem xmlns:p16="http://schemas.microsoft.com/office/powerpoint/2015/main" val="1"/>
+              </p:ext>
+            </p:extLst>
+          </p:nvPr>
+        </p:nvSpPr>
+        <p:spPr>
+          <a:xfrm>
+            <a:off x="346710" y="352141"/>
+            <a:ext cx="17586960" cy="9566909"/>
+          </a:xfrm>
+          <a:prstGeom prst="rect">
+            <a:avLst/>
+          </a:prstGeom>
+          <a:ln w="12700">
+            <a:noFill/>
+          </a:ln>
+        </p:spPr>
+        <p:style>
+          <a:lnRef idx="2">
+            <a:schemeClr val="accent1">
+              <a:shade val="50000"/>
+            </a:schemeClr>
+          </a:lnRef>
+          <a:fillRef idx="1">
+            <a:schemeClr val="accent1"/>
+          </a:fillRef>
+          <a:effectRef idx="0">
+            <a:schemeClr val="accent1"/>
+          </a:effectRef>
+          <a:fontRef idx="minor">
+            <a:schemeClr val="lt1"/>
+          </a:fontRef>
+        </p:style>
+      </p:sp>
+      <p:sp>
+        <p:nvSpPr>
+          <p:cNvPr id="19" name="Rectangle 12">
+            <a:extLst>
+              <a:ext uri="{FF2B5EF4-FFF2-40B4-BE49-F238E27FC236}">
+                <a16:creationId xmlns:a16="http://schemas.microsoft.com/office/drawing/2014/main" id="{960A769C-8991-4FDE-89A0-A218E5BF677A}"/>
+              </a:ext>
+              <a:ext uri="{C183D7F6-B498-43B3-948B-1728B52AA6E4}">
+                <adec:decorative xmlns:adec="http://schemas.microsoft.com/office/drawing/2017/decorative" val="1"/>
+              </a:ext>
+            </a:extLst>
+          </p:cNvPr>
+          <p:cNvSpPr>
+            <a:spLocks noGrp="1" noRot="1" noChangeAspect="1" noMove="1" noResize="1" noEditPoints="1" noAdjustHandles="1" noChangeArrowheads="1" noChangeShapeType="1" noTextEdit="1"/>
+          </p:cNvSpPr>
+          <p:nvPr>
+            <p:extLst>
+              <p:ext uri="{386F3935-93C4-4BCD-93E2-E3B085C9AB24}">
+                <p16:designElem xmlns:p16="http://schemas.microsoft.com/office/powerpoint/2015/main" val="1"/>
+              </p:ext>
+            </p:extLst>
+          </p:nvPr>
+        </p:nvSpPr>
+        <p:spPr>
+          <a:xfrm>
+            <a:off x="11354463" y="0"/>
+            <a:ext cx="6933537" cy="10287000"/>
+          </a:xfrm>
+          <a:prstGeom prst="rect">
+            <a:avLst/>
+          </a:prstGeom>
+          <a:ln>
+            <a:noFill/>
+          </a:ln>
+        </p:spPr>
+        <p:style>
+          <a:lnRef idx="2">
+            <a:schemeClr val="accent1">
+              <a:shade val="50000"/>
+            </a:schemeClr>
+          </a:lnRef>
+          <a:fillRef idx="1">
+            <a:schemeClr val="accent1"/>
+          </a:fillRef>
+          <a:effectRef idx="0">
+            <a:schemeClr val="accent1"/>
+          </a:effectRef>
+          <a:fontRef idx="minor">
+            <a:schemeClr val="lt1"/>
+          </a:fontRef>
+        </p:style>
+        <p:txBody>
+          <a:bodyPr rtlCol="0" anchor="ctr"/>
+          <a:lstStyle/>
+          <a:p>
+            <a:pPr algn="ctr"/>
+            <a:endParaRPr lang="en-US"/>
+          </a:p>
+        </p:txBody>
+      </p:sp>
+      <p:sp>
+        <p:nvSpPr>
           <p:cNvPr id="2" name="Title 1">
             <a:extLst>
               <a:ext uri="{FF2B5EF4-FFF2-40B4-BE49-F238E27FC236}">
-                <a16:creationId xmlns:a16="http://schemas.microsoft.com/office/drawing/2014/main" id="{1C5CAC93-F0AB-767A-DA2F-CE0C7D937283}"/>
+                <a16:creationId xmlns:a16="http://schemas.microsoft.com/office/drawing/2014/main" id="{8FEAC266-A9C3-24D4-AAE6-5B8ECDA86D31}"/>
               </a:ext>
             </a:extLst>
           </p:cNvPr>
@@ -5463,47 +9414,119 @@
             <p:ph type="title"/>
           </p:nvPr>
         </p:nvSpPr>
-        <p:spPr/>
-        <p:txBody>
-          <a:bodyPr/>
+        <p:spPr>
+          <a:xfrm>
+            <a:off x="11984182" y="914398"/>
+            <a:ext cx="5361707" cy="8104910"/>
+          </a:xfrm>
+        </p:spPr>
+        <p:txBody>
+          <a:bodyPr>
+            <a:normAutofit/>
+          </a:bodyPr>
           <a:lstStyle/>
           <a:p>
             <a:r>
-              <a:rPr lang="en-CA" dirty="0"/>
-              <a:t>Data Models and Views</a:t>
-            </a:r>
-          </a:p>
-        </p:txBody>
-      </p:sp>
-      <p:sp>
-        <p:nvSpPr>
-          <p:cNvPr id="3" name="Content Placeholder 2">
+              <a:rPr lang="en-CA" sz="9000">
+                <a:solidFill>
+                  <a:srgbClr val="FFFFFF"/>
+                </a:solidFill>
+              </a:rPr>
+              <a:t>My definition</a:t>
+            </a:r>
+          </a:p>
+        </p:txBody>
+      </p:sp>
+      <p:sp>
+        <p:nvSpPr>
+          <p:cNvPr id="20" name="Rectangle 14">
             <a:extLst>
               <a:ext uri="{FF2B5EF4-FFF2-40B4-BE49-F238E27FC236}">
-                <a16:creationId xmlns:a16="http://schemas.microsoft.com/office/drawing/2014/main" id="{3511532B-6BE1-1701-7DE8-8C383D791372}"/>
+                <a16:creationId xmlns:a16="http://schemas.microsoft.com/office/drawing/2014/main" id="{855CA58E-F8D8-4DF3-B813-C2585E0AB0EC}"/>
+              </a:ext>
+              <a:ext uri="{C183D7F6-B498-43B3-948B-1728B52AA6E4}">
+                <adec:decorative xmlns:adec="http://schemas.microsoft.com/office/drawing/2017/decorative" val="1"/>
               </a:ext>
             </a:extLst>
           </p:cNvPr>
           <p:cNvSpPr>
-            <a:spLocks noGrp="1"/>
-          </p:cNvSpPr>
+            <a:spLocks noGrp="1" noRot="1" noChangeAspect="1" noMove="1" noResize="1" noEditPoints="1" noAdjustHandles="1" noChangeArrowheads="1" noChangeShapeType="1" noTextEdit="1"/>
+          </p:cNvSpPr>
+          <p:nvPr>
+            <p:extLst>
+              <p:ext uri="{386F3935-93C4-4BCD-93E2-E3B085C9AB24}">
+                <p16:designElem xmlns:p16="http://schemas.microsoft.com/office/powerpoint/2015/main" val="1"/>
+              </p:ext>
+            </p:extLst>
+          </p:nvPr>
+        </p:nvSpPr>
+        <p:spPr>
+          <a:xfrm>
+            <a:off x="346710" y="365760"/>
+            <a:ext cx="17586960" cy="9566908"/>
+          </a:xfrm>
+          <a:prstGeom prst="rect">
+            <a:avLst/>
+          </a:prstGeom>
+          <a:noFill/>
+          <a:ln w="12700">
+            <a:solidFill>
+              <a:srgbClr val="FFFFFF"/>
+            </a:solidFill>
+          </a:ln>
+        </p:spPr>
+        <p:style>
+          <a:lnRef idx="2">
+            <a:schemeClr val="accent1">
+              <a:shade val="50000"/>
+            </a:schemeClr>
+          </a:lnRef>
+          <a:fillRef idx="1">
+            <a:schemeClr val="accent1"/>
+          </a:fillRef>
+          <a:effectRef idx="0">
+            <a:schemeClr val="accent1"/>
+          </a:effectRef>
+          <a:fontRef idx="minor">
+            <a:schemeClr val="lt1"/>
+          </a:fontRef>
+        </p:style>
+      </p:sp>
+      <p:graphicFrame>
+        <p:nvGraphicFramePr>
+          <p:cNvPr id="21" name="Content Placeholder 2">
+            <a:extLst>
+              <a:ext uri="{FF2B5EF4-FFF2-40B4-BE49-F238E27FC236}">
+                <a16:creationId xmlns:a16="http://schemas.microsoft.com/office/drawing/2014/main" id="{F0F949B5-7C78-3ED7-467F-6567419F1837}"/>
+              </a:ext>
+            </a:extLst>
+          </p:cNvPr>
+          <p:cNvGraphicFramePr>
+            <a:graphicFrameLocks noGrp="1"/>
+          </p:cNvGraphicFramePr>
           <p:nvPr>
             <p:ph idx="1"/>
-          </p:nvPr>
-        </p:nvSpPr>
-        <p:spPr/>
-        <p:txBody>
-          <a:bodyPr/>
-          <a:lstStyle/>
-          <a:p>
-            <a:endParaRPr lang="en-CA" dirty="0"/>
-          </a:p>
-        </p:txBody>
-      </p:sp>
+            <p:extLst>
+              <p:ext uri="{D42A27DB-BD31-4B8C-83A1-F6EECF244321}">
+                <p14:modId xmlns:p14="http://schemas.microsoft.com/office/powerpoint/2010/main" val="917306108"/>
+              </p:ext>
+            </p:extLst>
+          </p:nvPr>
+        </p:nvGraphicFramePr>
+        <p:xfrm>
+          <a:off x="1293019" y="1321594"/>
+          <a:ext cx="9082088" cy="7698581"/>
+        </p:xfrm>
+        <a:graphic>
+          <a:graphicData uri="http://schemas.openxmlformats.org/drawingml/2006/diagram">
+            <dgm:relIds xmlns:dgm="http://schemas.openxmlformats.org/drawingml/2006/diagram" xmlns:r="http://schemas.openxmlformats.org/officeDocument/2006/relationships" r:dm="rId2" r:lo="rId3" r:qs="rId4" r:cs="rId5"/>
+          </a:graphicData>
+        </a:graphic>
+      </p:graphicFrame>
     </p:spTree>
     <p:extLst>
       <p:ext uri="{BB962C8B-B14F-4D97-AF65-F5344CB8AC3E}">
-        <p14:creationId xmlns:p14="http://schemas.microsoft.com/office/powerpoint/2010/main" val="3739095599"/>
+        <p14:creationId xmlns:p14="http://schemas.microsoft.com/office/powerpoint/2010/main" val="785695756"/>
       </p:ext>
     </p:extLst>
   </p:cSld>
@@ -5535,7 +9558,7 @@
           <p:cNvPr id="2" name="Title 1">
             <a:extLst>
               <a:ext uri="{FF2B5EF4-FFF2-40B4-BE49-F238E27FC236}">
-                <a16:creationId xmlns:a16="http://schemas.microsoft.com/office/drawing/2014/main" id="{4601291B-F00F-671E-3A21-9D57C78B5F8B}"/>
+                <a16:creationId xmlns:a16="http://schemas.microsoft.com/office/drawing/2014/main" id="{E08BA28E-6BEA-400D-1BBA-0377D142CAE5}"/>
               </a:ext>
             </a:extLst>
           </p:cNvPr>
@@ -5553,7 +9576,7 @@
           <a:p>
             <a:r>
               <a:rPr lang="en-CA" dirty="0"/>
-              <a:t>Command Pattern</a:t>
+              <a:t>How it pertains to GUI applications</a:t>
             </a:r>
           </a:p>
         </p:txBody>
@@ -5563,7 +9586,7 @@
           <p:cNvPr id="3" name="Content Placeholder 2">
             <a:extLst>
               <a:ext uri="{FF2B5EF4-FFF2-40B4-BE49-F238E27FC236}">
-                <a16:creationId xmlns:a16="http://schemas.microsoft.com/office/drawing/2014/main" id="{F0B98BC7-23E7-F270-B2DF-744AD3A1A917}"/>
+                <a16:creationId xmlns:a16="http://schemas.microsoft.com/office/drawing/2014/main" id="{AAC834ED-0D2B-8CBC-9608-DADE63566BAD}"/>
               </a:ext>
             </a:extLst>
           </p:cNvPr>
@@ -5579,14 +9602,38 @@
           <a:bodyPr/>
           <a:lstStyle/>
           <a:p>
-            <a:endParaRPr lang="en-CA" dirty="0"/>
+            <a:r>
+              <a:rPr lang="en-CA" dirty="0"/>
+              <a:t>The UI of an application should be interchangeable from the rest</a:t>
+            </a:r>
+          </a:p>
+          <a:p>
+            <a:r>
+              <a:rPr lang="en-CA" dirty="0"/>
+              <a:t>In fact the best designed application can operate without UI!</a:t>
+            </a:r>
+          </a:p>
+          <a:p>
+            <a:r>
+              <a:rPr lang="en-CA" dirty="0"/>
+              <a:t>If we plan for this up-front, we can enable a number of features. </a:t>
+            </a:r>
+          </a:p>
+          <a:p>
+            <a:pPr marL="68580" indent="0">
+              <a:buNone/>
+            </a:pPr>
+            <a:r>
+              <a:rPr lang="en-CA" dirty="0"/>
+              <a:t> </a:t>
+            </a:r>
           </a:p>
         </p:txBody>
       </p:sp>
     </p:spTree>
     <p:extLst>
       <p:ext uri="{BB962C8B-B14F-4D97-AF65-F5344CB8AC3E}">
-        <p14:creationId xmlns:p14="http://schemas.microsoft.com/office/powerpoint/2010/main" val="3302422774"/>
+        <p14:creationId xmlns:p14="http://schemas.microsoft.com/office/powerpoint/2010/main" val="376014258"/>
       </p:ext>
     </p:extLst>
   </p:cSld>
@@ -5618,7 +9665,7 @@
           <p:cNvPr id="2" name="Title 1">
             <a:extLst>
               <a:ext uri="{FF2B5EF4-FFF2-40B4-BE49-F238E27FC236}">
-                <a16:creationId xmlns:a16="http://schemas.microsoft.com/office/drawing/2014/main" id="{7FBB315F-1C8D-741C-1EA3-6118CFB10009}"/>
+                <a16:creationId xmlns:a16="http://schemas.microsoft.com/office/drawing/2014/main" id="{2F01DE57-8AC8-F2FE-90D2-1024DF056725}"/>
               </a:ext>
             </a:extLst>
           </p:cNvPr>
@@ -5636,7 +9683,7 @@
           <a:p>
             <a:r>
               <a:rPr lang="en-CA" dirty="0"/>
-              <a:t>How do you save data to disk?</a:t>
+              <a:t>Cross-Cutting Concerns</a:t>
             </a:r>
           </a:p>
         </p:txBody>
@@ -5646,7 +9693,7 @@
           <p:cNvPr id="3" name="Content Placeholder 2">
             <a:extLst>
               <a:ext uri="{FF2B5EF4-FFF2-40B4-BE49-F238E27FC236}">
-                <a16:creationId xmlns:a16="http://schemas.microsoft.com/office/drawing/2014/main" id="{B5FF1798-9470-AE35-74BD-FFF5EC346919}"/>
+                <a16:creationId xmlns:a16="http://schemas.microsoft.com/office/drawing/2014/main" id="{577B98CE-AF0D-6409-BEEE-A6BF45BC2A50}"/>
               </a:ext>
             </a:extLst>
           </p:cNvPr>
@@ -5662,14 +9709,30 @@
           <a:bodyPr/>
           <a:lstStyle/>
           <a:p>
-            <a:endParaRPr lang="en-CA"/>
+            <a:r>
+              <a:rPr lang="en-US" dirty="0"/>
+              <a:t>Cross-cutting concerns are aspects of a program that affect several modules, without the possibility of being encapsulated in any of them. These concerns often cannot be cleanly decomposed from the rest of the system in both the design and implementation, and can result in either scattering (code duplication), tangling (significant dependencies between systems), or both.</a:t>
+            </a:r>
+          </a:p>
+          <a:p>
+            <a:r>
+              <a:rPr lang="en-CA" dirty="0">
+                <a:hlinkClick r:id="rId2"/>
+              </a:rPr>
+              <a:t>https://en.wikipedia.org/wiki/Cross-cutting_concern</a:t>
+            </a:r>
+            <a:r>
+              <a:rPr lang="en-US" dirty="0"/>
+              <a:t> </a:t>
+            </a:r>
+            <a:endParaRPr lang="en-CA" dirty="0"/>
           </a:p>
         </p:txBody>
       </p:sp>
     </p:spTree>
     <p:extLst>
       <p:ext uri="{BB962C8B-B14F-4D97-AF65-F5344CB8AC3E}">
-        <p14:creationId xmlns:p14="http://schemas.microsoft.com/office/powerpoint/2010/main" val="3227116346"/>
+        <p14:creationId xmlns:p14="http://schemas.microsoft.com/office/powerpoint/2010/main" val="372996829"/>
       </p:ext>
     </p:extLst>
   </p:cSld>
@@ -5701,7 +9764,7 @@
           <p:cNvPr id="2" name="Title 1">
             <a:extLst>
               <a:ext uri="{FF2B5EF4-FFF2-40B4-BE49-F238E27FC236}">
-                <a16:creationId xmlns:a16="http://schemas.microsoft.com/office/drawing/2014/main" id="{3595F7C5-3D54-8CE7-04D3-D9345D13949B}"/>
+                <a16:creationId xmlns:a16="http://schemas.microsoft.com/office/drawing/2014/main" id="{6C77026A-4E6F-F753-8BB8-DFC4DF2D7C19}"/>
               </a:ext>
             </a:extLst>
           </p:cNvPr>
@@ -5719,7 +9782,7 @@
           <a:p>
             <a:r>
               <a:rPr lang="en-CA" dirty="0"/>
-              <a:t>Serialization / Deserialization</a:t>
+              <a:t>Examples of Cross Cutting Concerns  </a:t>
             </a:r>
           </a:p>
         </p:txBody>
@@ -5729,7 +9792,7 @@
           <p:cNvPr id="3" name="Content Placeholder 2">
             <a:extLst>
               <a:ext uri="{FF2B5EF4-FFF2-40B4-BE49-F238E27FC236}">
-                <a16:creationId xmlns:a16="http://schemas.microsoft.com/office/drawing/2014/main" id="{6D888A18-9069-6EFC-9636-34B69A0FA970}"/>
+                <a16:creationId xmlns:a16="http://schemas.microsoft.com/office/drawing/2014/main" id="{E439D476-E815-0E3D-E87C-F8E03D3727A6}"/>
               </a:ext>
             </a:extLst>
           </p:cNvPr>
@@ -5747,24 +9810,51 @@
           <a:p>
             <a:r>
               <a:rPr lang="en-CA" dirty="0"/>
-              <a:t>Serialization is the process of converting objects into bytes (or characters) so that they can save to disk or transmitted over a network. </a:t>
+              <a:t>Logging</a:t>
             </a:r>
           </a:p>
           <a:p>
             <a:r>
               <a:rPr lang="en-CA" dirty="0"/>
-              <a:t>Deserialization is the process of reconstituting byte or character streams back into the original objects </a:t>
-            </a:r>
-          </a:p>
-          <a:p>
-            <a:endParaRPr lang="en-CA" dirty="0"/>
+              <a:t>Error handling</a:t>
+            </a:r>
+          </a:p>
+          <a:p>
+            <a:r>
+              <a:rPr lang="en-CA" dirty="0"/>
+              <a:t>Macros</a:t>
+            </a:r>
+          </a:p>
+          <a:p>
+            <a:r>
+              <a:rPr lang="en-CA" dirty="0"/>
+              <a:t>Help system</a:t>
+            </a:r>
+          </a:p>
+          <a:p>
+            <a:r>
+              <a:rPr lang="en-CA" dirty="0"/>
+              <a:t>Undo/redo</a:t>
+            </a:r>
+          </a:p>
+          <a:p>
+            <a:r>
+              <a:rPr lang="en-CA" dirty="0"/>
+              <a:t>Plug-in system</a:t>
+            </a:r>
+          </a:p>
+          <a:p>
+            <a:r>
+              <a:rPr lang="en-CA" dirty="0"/>
+              <a:t>Scripting</a:t>
+            </a:r>
           </a:p>
         </p:txBody>
       </p:sp>
     </p:spTree>
     <p:extLst>
       <p:ext uri="{BB962C8B-B14F-4D97-AF65-F5344CB8AC3E}">
-        <p14:creationId xmlns:p14="http://schemas.microsoft.com/office/powerpoint/2010/main" val="460118873"/>
+        <p14:creationId xmlns:p14="http://schemas.microsoft.com/office/powerpoint/2010/main" val="40165027"/>
       </p:ext>
     </p:extLst>
   </p:cSld>
@@ -5796,7 +9886,7 @@
           <p:cNvPr id="2" name="Title 1">
             <a:extLst>
               <a:ext uri="{FF2B5EF4-FFF2-40B4-BE49-F238E27FC236}">
-                <a16:creationId xmlns:a16="http://schemas.microsoft.com/office/drawing/2014/main" id="{FD8E10DE-953C-95FE-058E-15F9D1674FFA}"/>
+                <a16:creationId xmlns:a16="http://schemas.microsoft.com/office/drawing/2014/main" id="{4601291B-F00F-671E-3A21-9D57C78B5F8B}"/>
               </a:ext>
             </a:extLst>
           </p:cNvPr>
@@ -5814,7 +9904,7 @@
           <a:p>
             <a:r>
               <a:rPr lang="en-CA" dirty="0"/>
-              <a:t>How Serializers work </a:t>
+              <a:t>Command Pattern</a:t>
             </a:r>
           </a:p>
         </p:txBody>
@@ -5824,7 +9914,7 @@
           <p:cNvPr id="3" name="Content Placeholder 2">
             <a:extLst>
               <a:ext uri="{FF2B5EF4-FFF2-40B4-BE49-F238E27FC236}">
-                <a16:creationId xmlns:a16="http://schemas.microsoft.com/office/drawing/2014/main" id="{F822DC0D-9873-9B7D-6B76-7AC83B8B599A}"/>
+                <a16:creationId xmlns:a16="http://schemas.microsoft.com/office/drawing/2014/main" id="{F0B98BC7-23E7-F270-B2DF-744AD3A1A917}"/>
               </a:ext>
             </a:extLst>
           </p:cNvPr>
@@ -5842,15 +9932,19 @@
           <a:p>
             <a:r>
               <a:rPr lang="en-CA" dirty="0"/>
-              <a:t>By querying at runtime the fields of the different types using “</a:t>
-            </a:r>
-            <a:r>
-              <a:rPr lang="en-CA" dirty="0" err="1"/>
-              <a:t>GetType</a:t>
-            </a:r>
+              <a:t>A useful way to capture cross-cutting concerns </a:t>
+            </a:r>
+          </a:p>
+          <a:p>
             <a:r>
               <a:rPr lang="en-CA" dirty="0"/>
-              <a:t>()” </a:t>
+              <a:t>Related to the concept of controller in MVC</a:t>
+            </a:r>
+          </a:p>
+          <a:p>
+            <a:r>
+              <a:rPr lang="en-CA" dirty="0"/>
+              <a:t>Every thing </a:t>
             </a:r>
           </a:p>
         </p:txBody>
@@ -5858,7 +9952,7 @@
     </p:spTree>
     <p:extLst>
       <p:ext uri="{BB962C8B-B14F-4D97-AF65-F5344CB8AC3E}">
-        <p14:creationId xmlns:p14="http://schemas.microsoft.com/office/powerpoint/2010/main" val="1078808469"/>
+        <p14:creationId xmlns:p14="http://schemas.microsoft.com/office/powerpoint/2010/main" val="4198130238"/>
       </p:ext>
     </p:extLst>
   </p:cSld>
@@ -5890,7 +9984,7 @@
           <p:cNvPr id="2" name="Title 1">
             <a:extLst>
               <a:ext uri="{FF2B5EF4-FFF2-40B4-BE49-F238E27FC236}">
-                <a16:creationId xmlns:a16="http://schemas.microsoft.com/office/drawing/2014/main" id="{10223979-09AA-C3BD-7A14-2309F8EDF839}"/>
+                <a16:creationId xmlns:a16="http://schemas.microsoft.com/office/drawing/2014/main" id="{499CE1BD-4B3C-1CC4-AB07-914DD5CA117A}"/>
               </a:ext>
             </a:extLst>
           </p:cNvPr>
@@ -5908,7 +10002,7 @@
           <a:p>
             <a:r>
               <a:rPr lang="en-CA" dirty="0"/>
-              <a:t>Reflection</a:t>
+              <a:t>How Windows Applications work</a:t>
             </a:r>
           </a:p>
         </p:txBody>
@@ -5918,7 +10012,7 @@
           <p:cNvPr id="3" name="Content Placeholder 2">
             <a:extLst>
               <a:ext uri="{FF2B5EF4-FFF2-40B4-BE49-F238E27FC236}">
-                <a16:creationId xmlns:a16="http://schemas.microsoft.com/office/drawing/2014/main" id="{D30F7408-FADF-80BC-8963-58D8D49E10D0}"/>
+                <a16:creationId xmlns:a16="http://schemas.microsoft.com/office/drawing/2014/main" id="{CE60A400-D14C-DF39-329D-D77EAF7E4E5D}"/>
               </a:ext>
             </a:extLst>
           </p:cNvPr>
@@ -5936,25 +10030,37 @@
           <a:p>
             <a:r>
               <a:rPr lang="en-CA" dirty="0"/>
-              <a:t>Reflection allow objects to query information about objects </a:t>
+              <a:t>There is a big while loop</a:t>
             </a:r>
           </a:p>
           <a:p>
             <a:r>
               <a:rPr lang="en-CA" dirty="0"/>
-              <a:t>For example: what are the names and types of the fields? </a:t>
+              <a:t>The user does something</a:t>
             </a:r>
           </a:p>
           <a:p>
             <a:r>
               <a:rPr lang="en-CA" dirty="0"/>
-              <a:t>What values does each field hold?   </a:t>
+              <a:t>A message arrives</a:t>
             </a:r>
           </a:p>
           <a:p>
             <a:r>
               <a:rPr lang="en-CA" dirty="0"/>
-              <a:t>In C# we can query this kind of information about any object</a:t>
+              <a:t>Parts of the application are notified</a:t>
+            </a:r>
+          </a:p>
+          <a:p>
+            <a:r>
+              <a:rPr lang="en-CA" dirty="0"/>
+              <a:t>Internal data changes </a:t>
+            </a:r>
+          </a:p>
+          <a:p>
+            <a:r>
+              <a:rPr lang="en-CA" dirty="0"/>
+              <a:t>The views must be redrawn </a:t>
             </a:r>
           </a:p>
         </p:txBody>
@@ -5962,7 +10068,7 @@
     </p:spTree>
     <p:extLst>
       <p:ext uri="{BB962C8B-B14F-4D97-AF65-F5344CB8AC3E}">
-        <p14:creationId xmlns:p14="http://schemas.microsoft.com/office/powerpoint/2010/main" val="3999212553"/>
+        <p14:creationId xmlns:p14="http://schemas.microsoft.com/office/powerpoint/2010/main" val="2219525341"/>
       </p:ext>
     </p:extLst>
   </p:cSld>
